--- a/FlowQoS_poster.pptx
+++ b/FlowQoS_poster.pptx
@@ -11,7 +11,7 @@
     <p:sldId id="256" r:id="rId2"/>
   </p:sldIdLst>
   <p:sldSz cx="43891200" cy="32918400"/>
-  <p:notesSz cx="6858000" cy="9144000"/>
+  <p:notesSz cx="32461200" cy="54406800"/>
   <p:defaultTextStyle>
     <a:defPPr>
       <a:defRPr lang="en-US"/>
@@ -161,17 +161,17 @@
         <p:spPr>
           <a:xfrm>
             <a:off x="0" y="0"/>
-            <a:ext cx="2971800" cy="457200"/>
+            <a:ext cx="14066520" cy="2720340"/>
           </a:xfrm>
           <a:prstGeom prst="rect">
             <a:avLst/>
           </a:prstGeom>
         </p:spPr>
         <p:txBody>
-          <a:bodyPr vert="horz" lIns="91440" tIns="45720" rIns="91440" bIns="45720" rtlCol="0"/>
+          <a:bodyPr vert="horz" lIns="402313" tIns="201158" rIns="402313" bIns="201158" rtlCol="0"/>
           <a:lstStyle>
             <a:lvl1pPr algn="l">
-              <a:defRPr sz="1200"/>
+              <a:defRPr sz="5400"/>
             </a:lvl1pPr>
           </a:lstStyle>
           <a:p>
@@ -191,25 +191,25 @@
         </p:nvSpPr>
         <p:spPr>
           <a:xfrm>
-            <a:off x="3884613" y="0"/>
-            <a:ext cx="2971800" cy="457200"/>
+            <a:off x="18387167" y="0"/>
+            <a:ext cx="14066520" cy="2720340"/>
           </a:xfrm>
           <a:prstGeom prst="rect">
             <a:avLst/>
           </a:prstGeom>
         </p:spPr>
         <p:txBody>
-          <a:bodyPr vert="horz" lIns="91440" tIns="45720" rIns="91440" bIns="45720" rtlCol="0"/>
+          <a:bodyPr vert="horz" lIns="402313" tIns="201158" rIns="402313" bIns="201158" rtlCol="0"/>
           <a:lstStyle>
             <a:lvl1pPr algn="r">
-              <a:defRPr sz="1200"/>
+              <a:defRPr sz="5400"/>
             </a:lvl1pPr>
           </a:lstStyle>
           <a:p>
             <a:fld id="{D508C3B9-C8C7-FF4B-A89F-C8ECF40039BD}" type="datetimeFigureOut">
               <a:rPr lang="en-US" smtClean="0"/>
               <a:pPr/>
-              <a:t>12/2/15</a:t>
+              <a:t>12/4/2015</a:t>
             </a:fld>
             <a:endParaRPr lang="en-US" dirty="0"/>
           </a:p>
@@ -227,8 +227,8 @@
         </p:nvSpPr>
         <p:spPr>
           <a:xfrm>
-            <a:off x="1143000" y="685800"/>
-            <a:ext cx="4572000" cy="3429000"/>
+            <a:off x="2630488" y="4083050"/>
+            <a:ext cx="27201812" cy="20402550"/>
           </a:xfrm>
           <a:prstGeom prst="rect">
             <a:avLst/>
@@ -241,7 +241,7 @@
           </a:ln>
         </p:spPr>
         <p:txBody>
-          <a:bodyPr vert="horz" lIns="91440" tIns="45720" rIns="91440" bIns="45720" rtlCol="0" anchor="ctr"/>
+          <a:bodyPr vert="horz" lIns="402313" tIns="201158" rIns="402313" bIns="201158" rtlCol="0" anchor="ctr"/>
           <a:lstStyle/>
           <a:p>
             <a:endParaRPr lang="en-US" dirty="0"/>
@@ -260,15 +260,15 @@
         </p:nvSpPr>
         <p:spPr>
           <a:xfrm>
-            <a:off x="685800" y="4343400"/>
-            <a:ext cx="5486400" cy="4114800"/>
+            <a:off x="3246120" y="25843230"/>
+            <a:ext cx="25968960" cy="24483060"/>
           </a:xfrm>
           <a:prstGeom prst="rect">
             <a:avLst/>
           </a:prstGeom>
         </p:spPr>
         <p:txBody>
-          <a:bodyPr vert="horz" lIns="91440" tIns="45720" rIns="91440" bIns="45720" rtlCol="0">
+          <a:bodyPr vert="horz" lIns="402313" tIns="201158" rIns="402313" bIns="201158" rtlCol="0">
             <a:normAutofit/>
           </a:bodyPr>
           <a:lstStyle/>
@@ -322,18 +322,18 @@
         </p:nvSpPr>
         <p:spPr>
           <a:xfrm>
-            <a:off x="0" y="8685213"/>
-            <a:ext cx="2971800" cy="457200"/>
+            <a:off x="0" y="51677019"/>
+            <a:ext cx="14066520" cy="2720340"/>
           </a:xfrm>
           <a:prstGeom prst="rect">
             <a:avLst/>
           </a:prstGeom>
         </p:spPr>
         <p:txBody>
-          <a:bodyPr vert="horz" lIns="91440" tIns="45720" rIns="91440" bIns="45720" rtlCol="0" anchor="b"/>
+          <a:bodyPr vert="horz" lIns="402313" tIns="201158" rIns="402313" bIns="201158" rtlCol="0" anchor="b"/>
           <a:lstStyle>
             <a:lvl1pPr algn="l">
-              <a:defRPr sz="1200"/>
+              <a:defRPr sz="5400"/>
             </a:lvl1pPr>
           </a:lstStyle>
           <a:p>
@@ -353,18 +353,18 @@
         </p:nvSpPr>
         <p:spPr>
           <a:xfrm>
-            <a:off x="3884613" y="8685213"/>
-            <a:ext cx="2971800" cy="457200"/>
+            <a:off x="18387167" y="51677019"/>
+            <a:ext cx="14066520" cy="2720340"/>
           </a:xfrm>
           <a:prstGeom prst="rect">
             <a:avLst/>
           </a:prstGeom>
         </p:spPr>
         <p:txBody>
-          <a:bodyPr vert="horz" lIns="91440" tIns="45720" rIns="91440" bIns="45720" rtlCol="0" anchor="b"/>
+          <a:bodyPr vert="horz" lIns="402313" tIns="201158" rIns="402313" bIns="201158" rtlCol="0" anchor="b"/>
           <a:lstStyle>
             <a:lvl1pPr algn="r">
-              <a:defRPr sz="1200"/>
+              <a:defRPr sz="5400"/>
             </a:lvl1pPr>
           </a:lstStyle>
           <a:p>
@@ -749,7 +749,7 @@
             <a:fld id="{57B7EB2E-A371-994C-A83F-1C5C49F53A45}" type="datetimeFigureOut">
               <a:rPr lang="en-US" smtClean="0"/>
               <a:pPr/>
-              <a:t>12/2/15</a:t>
+              <a:t>12/4/2015</a:t>
             </a:fld>
             <a:endParaRPr lang="en-US" dirty="0"/>
           </a:p>
@@ -916,7 +916,7 @@
             <a:fld id="{57B7EB2E-A371-994C-A83F-1C5C49F53A45}" type="datetimeFigureOut">
               <a:rPr lang="en-US" smtClean="0"/>
               <a:pPr/>
-              <a:t>12/2/15</a:t>
+              <a:t>12/4/2015</a:t>
             </a:fld>
             <a:endParaRPr lang="en-US" dirty="0"/>
           </a:p>
@@ -1093,7 +1093,7 @@
             <a:fld id="{57B7EB2E-A371-994C-A83F-1C5C49F53A45}" type="datetimeFigureOut">
               <a:rPr lang="en-US" smtClean="0"/>
               <a:pPr/>
-              <a:t>12/2/15</a:t>
+              <a:t>12/4/2015</a:t>
             </a:fld>
             <a:endParaRPr lang="en-US" dirty="0"/>
           </a:p>
@@ -1260,7 +1260,7 @@
             <a:fld id="{57B7EB2E-A371-994C-A83F-1C5C49F53A45}" type="datetimeFigureOut">
               <a:rPr lang="en-US" smtClean="0"/>
               <a:pPr/>
-              <a:t>12/2/15</a:t>
+              <a:t>12/4/2015</a:t>
             </a:fld>
             <a:endParaRPr lang="en-US" dirty="0"/>
           </a:p>
@@ -1503,7 +1503,7 @@
             <a:fld id="{57B7EB2E-A371-994C-A83F-1C5C49F53A45}" type="datetimeFigureOut">
               <a:rPr lang="en-US" smtClean="0"/>
               <a:pPr/>
-              <a:t>12/2/15</a:t>
+              <a:t>12/4/2015</a:t>
             </a:fld>
             <a:endParaRPr lang="en-US" dirty="0"/>
           </a:p>
@@ -1788,7 +1788,7 @@
             <a:fld id="{57B7EB2E-A371-994C-A83F-1C5C49F53A45}" type="datetimeFigureOut">
               <a:rPr lang="en-US" smtClean="0"/>
               <a:pPr/>
-              <a:t>12/2/15</a:t>
+              <a:t>12/4/2015</a:t>
             </a:fld>
             <a:endParaRPr lang="en-US" dirty="0"/>
           </a:p>
@@ -2212,7 +2212,7 @@
             <a:fld id="{57B7EB2E-A371-994C-A83F-1C5C49F53A45}" type="datetimeFigureOut">
               <a:rPr lang="en-US" smtClean="0"/>
               <a:pPr/>
-              <a:t>12/2/15</a:t>
+              <a:t>12/4/2015</a:t>
             </a:fld>
             <a:endParaRPr lang="en-US" dirty="0"/>
           </a:p>
@@ -2327,7 +2327,7 @@
             <a:fld id="{57B7EB2E-A371-994C-A83F-1C5C49F53A45}" type="datetimeFigureOut">
               <a:rPr lang="en-US" smtClean="0"/>
               <a:pPr/>
-              <a:t>12/2/15</a:t>
+              <a:t>12/4/2015</a:t>
             </a:fld>
             <a:endParaRPr lang="en-US" dirty="0"/>
           </a:p>
@@ -2419,7 +2419,7 @@
             <a:fld id="{57B7EB2E-A371-994C-A83F-1C5C49F53A45}" type="datetimeFigureOut">
               <a:rPr lang="en-US" smtClean="0"/>
               <a:pPr/>
-              <a:t>12/2/15</a:t>
+              <a:t>12/4/2015</a:t>
             </a:fld>
             <a:endParaRPr lang="en-US" dirty="0"/>
           </a:p>
@@ -2693,7 +2693,7 @@
             <a:fld id="{57B7EB2E-A371-994C-A83F-1C5C49F53A45}" type="datetimeFigureOut">
               <a:rPr lang="en-US" smtClean="0"/>
               <a:pPr/>
-              <a:t>12/2/15</a:t>
+              <a:t>12/4/2015</a:t>
             </a:fld>
             <a:endParaRPr lang="en-US" dirty="0"/>
           </a:p>
@@ -2943,7 +2943,7 @@
             <a:fld id="{57B7EB2E-A371-994C-A83F-1C5C49F53A45}" type="datetimeFigureOut">
               <a:rPr lang="en-US" smtClean="0"/>
               <a:pPr/>
-              <a:t>12/2/15</a:t>
+              <a:t>12/4/2015</a:t>
             </a:fld>
             <a:endParaRPr lang="en-US" dirty="0"/>
           </a:p>
@@ -3153,7 +3153,7 @@
             <a:fld id="{57B7EB2E-A371-994C-A83F-1C5C49F53A45}" type="datetimeFigureOut">
               <a:rPr lang="en-US" smtClean="0"/>
               <a:pPr/>
-              <a:t>12/2/15</a:t>
+              <a:t>12/4/2015</a:t>
             </a:fld>
             <a:endParaRPr lang="en-US" dirty="0"/>
           </a:p>
@@ -3532,36 +3532,28 @@
         </p:nvSpPr>
         <p:spPr>
           <a:xfrm>
-            <a:off x="433806" y="17283664"/>
-            <a:ext cx="43080867" cy="15316683"/>
+            <a:off x="433807" y="17501727"/>
+            <a:ext cx="43200000" cy="769441"/>
           </a:xfrm>
           <a:prstGeom prst="rect">
             <a:avLst/>
           </a:prstGeom>
-          <a:solidFill>
-            <a:schemeClr val="bg1"/>
-          </a:solidFill>
+          <a:noFill/>
         </p:spPr>
-        <p:style>
-          <a:lnRef idx="1">
-            <a:schemeClr val="accent1"/>
-          </a:lnRef>
-          <a:fillRef idx="3">
-            <a:schemeClr val="accent1"/>
-          </a:fillRef>
-          <a:effectRef idx="2">
-            <a:schemeClr val="accent1"/>
-          </a:effectRef>
-          <a:fontRef idx="minor">
-            <a:schemeClr val="lt1"/>
-          </a:fontRef>
-        </p:style>
-        <p:txBody>
-          <a:bodyPr rtlCol="0" anchor="ctr"/>
+        <p:txBody>
+          <a:bodyPr wrap="square" rtlCol="0">
+            <a:spAutoFit/>
+          </a:bodyPr>
           <a:lstStyle/>
           <a:p>
             <a:pPr algn="ctr"/>
-            <a:endParaRPr lang="en-US"/>
+            <a:endParaRPr lang="en-US" sz="4400">
+              <a:solidFill>
+                <a:schemeClr val="tx1"/>
+              </a:solidFill>
+              <a:ea typeface="Times New Roman" charset="0"/>
+              <a:cs typeface="Times New Roman" charset="0"/>
+            </a:endParaRPr>
           </a:p>
         </p:txBody>
       </p:sp>
@@ -3574,15 +3566,15 @@
           <p:nvPr/>
         </p:nvPicPr>
         <p:blipFill>
-          <a:blip r:embed="rId3"/>
+          <a:blip r:embed="rId4"/>
           <a:stretch>
             <a:fillRect/>
           </a:stretch>
         </p:blipFill>
         <p:spPr>
           <a:xfrm>
-            <a:off x="2181887" y="445319"/>
-            <a:ext cx="5014044" cy="3844851"/>
+            <a:off x="2277185" y="486030"/>
+            <a:ext cx="3542499" cy="2716446"/>
           </a:xfrm>
           <a:prstGeom prst="rect">
             <a:avLst/>
@@ -3597,8 +3589,8 @@
         </p:nvSpPr>
         <p:spPr>
           <a:xfrm>
-            <a:off x="8532931" y="384965"/>
-            <a:ext cx="31772479" cy="2308324"/>
+            <a:off x="7569160" y="345902"/>
+            <a:ext cx="31772479" cy="1938992"/>
           </a:xfrm>
           <a:prstGeom prst="rect">
             <a:avLst/>
@@ -3613,119 +3605,127 @@
           <a:p>
             <a:pPr algn="ctr"/>
             <a:r>
-              <a:rPr lang="en-US" altLang="zh-CN" sz="14400" dirty="0" err="1" smtClean="0">
-                <a:latin typeface="Times New Roman" charset="0"/>
+              <a:rPr lang="en-US" altLang="zh-CN" sz="12000" dirty="0" err="1" smtClean="0">
+                <a:latin typeface="Arial Rounded MT Bold" panose="020F0704030504030204" pitchFamily="34" charset="0"/>
                 <a:ea typeface="Times New Roman" charset="0"/>
                 <a:cs typeface="Times New Roman" charset="0"/>
               </a:rPr>
               <a:t>FlowQoS</a:t>
             </a:r>
             <a:r>
-              <a:rPr lang="en-US" altLang="zh-CN" sz="14400" dirty="0" smtClean="0">
-                <a:latin typeface="Times New Roman" charset="0"/>
+              <a:rPr lang="en-US" altLang="zh-CN" sz="12000" dirty="0" smtClean="0">
+                <a:latin typeface="Arial Rounded MT Bold" panose="020F0704030504030204" pitchFamily="34" charset="0"/>
                 <a:ea typeface="Times New Roman" charset="0"/>
                 <a:cs typeface="Times New Roman" charset="0"/>
               </a:rPr>
               <a:t>:</a:t>
             </a:r>
             <a:r>
-              <a:rPr lang="zh-CN" altLang="en-US" sz="14400" dirty="0" smtClean="0">
-                <a:latin typeface="Times New Roman" charset="0"/>
+              <a:rPr lang="zh-CN" altLang="en-US" sz="12000" dirty="0" smtClean="0">
+                <a:latin typeface="Arial Rounded MT Bold" panose="020F0704030504030204" pitchFamily="34" charset="0"/>
                 <a:ea typeface="Times New Roman" charset="0"/>
                 <a:cs typeface="Times New Roman" charset="0"/>
               </a:rPr>
               <a:t> </a:t>
             </a:r>
             <a:r>
-              <a:rPr lang="en-US" altLang="zh-CN" sz="14400" dirty="0" smtClean="0">
-                <a:latin typeface="Times New Roman" charset="0"/>
+              <a:rPr lang="en-US" altLang="zh-CN" sz="12000" dirty="0" smtClean="0">
+                <a:latin typeface="Arial Rounded MT Bold" panose="020F0704030504030204" pitchFamily="34" charset="0"/>
                 <a:ea typeface="Times New Roman" charset="0"/>
                 <a:cs typeface="Times New Roman" charset="0"/>
               </a:rPr>
               <a:t>Not</a:t>
             </a:r>
             <a:r>
-              <a:rPr lang="zh-CN" altLang="en-US" sz="14400" dirty="0" smtClean="0">
-                <a:latin typeface="Times New Roman" charset="0"/>
+              <a:rPr lang="zh-CN" altLang="en-US" sz="12000" dirty="0" smtClean="0">
+                <a:latin typeface="Arial Rounded MT Bold" panose="020F0704030504030204" pitchFamily="34" charset="0"/>
                 <a:ea typeface="Times New Roman" charset="0"/>
                 <a:cs typeface="Times New Roman" charset="0"/>
               </a:rPr>
               <a:t> </a:t>
             </a:r>
             <a:r>
-              <a:rPr lang="en-US" altLang="zh-CN" sz="14400" dirty="0" smtClean="0">
-                <a:latin typeface="Times New Roman" charset="0"/>
-                <a:ea typeface="Times New Roman" charset="0"/>
-                <a:cs typeface="Times New Roman" charset="0"/>
-              </a:rPr>
-              <a:t>every</a:t>
-            </a:r>
-            <a:r>
-              <a:rPr lang="zh-CN" altLang="en-US" sz="14400" dirty="0" smtClean="0">
-                <a:latin typeface="Times New Roman" charset="0"/>
+              <a:rPr lang="en-US" altLang="zh-CN" sz="12000" dirty="0">
+                <a:latin typeface="Arial Rounded MT Bold" panose="020F0704030504030204" pitchFamily="34" charset="0"/>
+                <a:ea typeface="Times New Roman" charset="0"/>
+                <a:cs typeface="Times New Roman" charset="0"/>
+              </a:rPr>
+              <a:t>E</a:t>
+            </a:r>
+            <a:r>
+              <a:rPr lang="en-US" altLang="zh-CN" sz="12000" dirty="0" smtClean="0">
+                <a:latin typeface="Arial Rounded MT Bold" panose="020F0704030504030204" pitchFamily="34" charset="0"/>
+                <a:ea typeface="Times New Roman" charset="0"/>
+                <a:cs typeface="Times New Roman" charset="0"/>
+              </a:rPr>
+              <a:t>very</a:t>
+            </a:r>
+            <a:r>
+              <a:rPr lang="zh-CN" altLang="en-US" sz="12000" dirty="0" smtClean="0">
+                <a:latin typeface="Arial Rounded MT Bold" panose="020F0704030504030204" pitchFamily="34" charset="0"/>
                 <a:ea typeface="Times New Roman" charset="0"/>
                 <a:cs typeface="Times New Roman" charset="0"/>
               </a:rPr>
               <a:t> </a:t>
             </a:r>
             <a:r>
-              <a:rPr lang="en-US" altLang="zh-CN" sz="14400" dirty="0" smtClean="0">
-                <a:latin typeface="Times New Roman" charset="0"/>
-                <a:ea typeface="Times New Roman" charset="0"/>
-                <a:cs typeface="Times New Roman" charset="0"/>
-              </a:rPr>
-              <a:t>flow</a:t>
-            </a:r>
-            <a:r>
-              <a:rPr lang="zh-CN" altLang="en-US" sz="14400" dirty="0" smtClean="0">
-                <a:latin typeface="Times New Roman" charset="0"/>
+              <a:rPr lang="en-US" altLang="zh-CN" sz="12000" dirty="0" smtClean="0">
+                <a:latin typeface="Arial Rounded MT Bold" panose="020F0704030504030204" pitchFamily="34" charset="0"/>
+                <a:ea typeface="Times New Roman" charset="0"/>
+                <a:cs typeface="Times New Roman" charset="0"/>
+              </a:rPr>
+              <a:t>Flow</a:t>
+            </a:r>
+            <a:r>
+              <a:rPr lang="zh-CN" altLang="en-US" sz="12000" dirty="0" smtClean="0">
+                <a:latin typeface="Arial Rounded MT Bold" panose="020F0704030504030204" pitchFamily="34" charset="0"/>
                 <a:ea typeface="Times New Roman" charset="0"/>
                 <a:cs typeface="Times New Roman" charset="0"/>
               </a:rPr>
               <a:t> </a:t>
             </a:r>
             <a:r>
-              <a:rPr lang="en-US" altLang="zh-CN" sz="14400" dirty="0" smtClean="0">
-                <a:latin typeface="Times New Roman" charset="0"/>
-                <a:ea typeface="Times New Roman" charset="0"/>
-                <a:cs typeface="Times New Roman" charset="0"/>
-              </a:rPr>
-              <a:t>is</a:t>
-            </a:r>
-            <a:r>
-              <a:rPr lang="zh-CN" altLang="en-US" sz="14400" dirty="0" smtClean="0">
-                <a:latin typeface="Times New Roman" charset="0"/>
+              <a:rPr lang="en-US" altLang="zh-CN" sz="12000" dirty="0" smtClean="0">
+                <a:latin typeface="Arial Rounded MT Bold" panose="020F0704030504030204" pitchFamily="34" charset="0"/>
+                <a:ea typeface="Times New Roman" charset="0"/>
+                <a:cs typeface="Times New Roman" charset="0"/>
+              </a:rPr>
+              <a:t>is Born</a:t>
+            </a:r>
+            <a:r>
+              <a:rPr lang="zh-CN" altLang="en-US" sz="12000" dirty="0" smtClean="0">
+                <a:latin typeface="Arial Rounded MT Bold" panose="020F0704030504030204" pitchFamily="34" charset="0"/>
                 <a:ea typeface="Times New Roman" charset="0"/>
                 <a:cs typeface="Times New Roman" charset="0"/>
               </a:rPr>
               <a:t> </a:t>
             </a:r>
             <a:r>
-              <a:rPr lang="en-US" altLang="zh-CN" sz="14400" dirty="0" smtClean="0">
-                <a:latin typeface="Times New Roman" charset="0"/>
+              <a:rPr lang="en-US" altLang="zh-CN" sz="12000" dirty="0" smtClean="0">
+                <a:latin typeface="Arial Rounded MT Bold" panose="020F0704030504030204" pitchFamily="34" charset="0"/>
                 <a:ea typeface="Times New Roman" charset="0"/>
                 <a:cs typeface="Times New Roman" charset="0"/>
               </a:rPr>
               <a:t>the</a:t>
             </a:r>
             <a:r>
-              <a:rPr lang="zh-CN" altLang="en-US" sz="14400" dirty="0" smtClean="0">
-                <a:latin typeface="Times New Roman" charset="0"/>
+              <a:rPr lang="zh-CN" altLang="en-US" sz="12000" dirty="0" smtClean="0">
+                <a:latin typeface="Arial Rounded MT Bold" panose="020F0704030504030204" pitchFamily="34" charset="0"/>
                 <a:ea typeface="Times New Roman" charset="0"/>
                 <a:cs typeface="Times New Roman" charset="0"/>
               </a:rPr>
               <a:t> </a:t>
             </a:r>
             <a:r>
-              <a:rPr lang="en-US" altLang="zh-CN" sz="14400" dirty="0" smtClean="0">
-                <a:latin typeface="Times New Roman" charset="0"/>
-                <a:ea typeface="Times New Roman" charset="0"/>
-                <a:cs typeface="Times New Roman" charset="0"/>
-              </a:rPr>
-              <a:t>same</a:t>
-            </a:r>
-            <a:endParaRPr lang="en-US" sz="14400" dirty="0">
-              <a:latin typeface="Times New Roman" charset="0"/>
+              <a:rPr lang="en-US" altLang="zh-CN" sz="12000" dirty="0" smtClean="0">
+                <a:latin typeface="Arial Rounded MT Bold" panose="020F0704030504030204" pitchFamily="34" charset="0"/>
+                <a:ea typeface="Times New Roman" charset="0"/>
+                <a:cs typeface="Times New Roman" charset="0"/>
+              </a:rPr>
+              <a:t>Same</a:t>
+            </a:r>
+            <a:endParaRPr lang="en-US" sz="12000" dirty="0">
+              <a:latin typeface="Arial Rounded MT Bold" panose="020F0704030504030204" pitchFamily="34" charset="0"/>
               <a:ea typeface="Times New Roman" charset="0"/>
               <a:cs typeface="Times New Roman" charset="0"/>
             </a:endParaRPr>
@@ -3740,8 +3740,8 @@
         </p:nvSpPr>
         <p:spPr>
           <a:xfrm>
-            <a:off x="5607519" y="2549963"/>
-            <a:ext cx="37623302" cy="1938992"/>
+            <a:off x="3938617" y="2320471"/>
+            <a:ext cx="37623302" cy="1015663"/>
           </a:xfrm>
           <a:prstGeom prst="rect">
             <a:avLst/>
@@ -3756,24 +3756,77 @@
           <a:p>
             <a:pPr algn="ctr"/>
             <a:r>
+              <a:rPr lang="en-US" sz="6000" b="1" dirty="0" smtClean="0">
+                <a:ea typeface="Times New Roman" charset="0"/>
+                <a:cs typeface="Times New Roman" charset="0"/>
+              </a:rPr>
+              <a:t>Group 20</a:t>
+            </a:r>
+            <a:r>
+              <a:rPr lang="en-US" sz="6000" dirty="0" smtClean="0">
+                <a:ea typeface="Times New Roman" charset="0"/>
+                <a:cs typeface="Times New Roman" charset="0"/>
+              </a:rPr>
+              <a:t>: Dhruv Sharma</a:t>
+            </a:r>
+            <a:r>
+              <a:rPr lang="en-US" altLang="zh-CN" sz="6000" dirty="0" smtClean="0">
+                <a:ea typeface="Times New Roman" charset="0"/>
+                <a:cs typeface="Times New Roman" charset="0"/>
+              </a:rPr>
+              <a:t>,</a:t>
+            </a:r>
+            <a:r>
+              <a:rPr lang="zh-CN" altLang="en-US" sz="6000" dirty="0" smtClean="0">
+                <a:ea typeface="Times New Roman" charset="0"/>
+                <a:cs typeface="Times New Roman" charset="0"/>
+              </a:rPr>
+              <a:t> </a:t>
+            </a:r>
+            <a:r>
+              <a:rPr lang="en-US" sz="6000" dirty="0">
+                <a:ea typeface="Times New Roman" charset="0"/>
+                <a:cs typeface="Times New Roman" charset="0"/>
+              </a:rPr>
+              <a:t>Robert </a:t>
+            </a:r>
+            <a:r>
+              <a:rPr lang="en-US" sz="6000" dirty="0" smtClean="0">
+                <a:ea typeface="Times New Roman" charset="0"/>
+                <a:cs typeface="Times New Roman" charset="0"/>
+              </a:rPr>
+              <a:t>Jenkins</a:t>
+            </a:r>
+            <a:r>
+              <a:rPr lang="en-US" altLang="zh-CN" sz="6000" dirty="0" smtClean="0">
+                <a:ea typeface="Times New Roman" charset="0"/>
+                <a:cs typeface="Times New Roman" charset="0"/>
+              </a:rPr>
+              <a:t>,</a:t>
+            </a:r>
+            <a:r>
+              <a:rPr lang="zh-CN" altLang="en-US" sz="6000" dirty="0" smtClean="0">
+                <a:ea typeface="Times New Roman" charset="0"/>
+                <a:cs typeface="Times New Roman" charset="0"/>
+              </a:rPr>
+              <a:t> </a:t>
+            </a:r>
+            <a:r>
+              <a:rPr lang="en-US" sz="6000" dirty="0">
+                <a:ea typeface="Times New Roman" charset="0"/>
+                <a:cs typeface="Times New Roman" charset="0"/>
+              </a:rPr>
+              <a:t>Frederik </a:t>
+            </a:r>
+            <a:r>
               <a:rPr lang="en-US" sz="6000" dirty="0" err="1" smtClean="0">
-                <a:latin typeface="Times New Roman" charset="0"/>
-                <a:ea typeface="Times New Roman" charset="0"/>
-                <a:cs typeface="Times New Roman" charset="0"/>
-              </a:rPr>
-              <a:t>Dhruv</a:t>
-            </a:r>
-            <a:r>
-              <a:rPr lang="en-US" sz="6000" dirty="0" smtClean="0">
-                <a:latin typeface="Times New Roman" charset="0"/>
-                <a:ea typeface="Times New Roman" charset="0"/>
-                <a:cs typeface="Times New Roman" charset="0"/>
-              </a:rPr>
-              <a:t> Sharma</a:t>
+                <a:ea typeface="Times New Roman" charset="0"/>
+                <a:cs typeface="Times New Roman" charset="0"/>
+              </a:rPr>
+              <a:t>Nygaard</a:t>
             </a:r>
             <a:r>
               <a:rPr lang="en-US" altLang="zh-CN" sz="6000" dirty="0" smtClean="0">
-                <a:latin typeface="Times New Roman" charset="0"/>
                 <a:ea typeface="Times New Roman" charset="0"/>
                 <a:cs typeface="Times New Roman" charset="0"/>
               </a:rPr>
@@ -3781,214 +3834,37 @@
             </a:r>
             <a:r>
               <a:rPr lang="zh-CN" altLang="en-US" sz="6000" dirty="0" smtClean="0">
-                <a:latin typeface="Times New Roman" charset="0"/>
                 <a:ea typeface="Times New Roman" charset="0"/>
                 <a:cs typeface="Times New Roman" charset="0"/>
               </a:rPr>
               <a:t> </a:t>
             </a:r>
             <a:r>
-              <a:rPr lang="en-US" sz="6000" dirty="0">
-                <a:latin typeface="Times New Roman" charset="0"/>
-                <a:ea typeface="Times New Roman" charset="0"/>
-                <a:cs typeface="Times New Roman" charset="0"/>
-              </a:rPr>
-              <a:t>Robert </a:t>
-            </a:r>
-            <a:r>
-              <a:rPr lang="en-US" sz="6000" dirty="0" smtClean="0">
-                <a:latin typeface="Times New Roman" charset="0"/>
-                <a:ea typeface="Times New Roman" charset="0"/>
-                <a:cs typeface="Times New Roman" charset="0"/>
-              </a:rPr>
-              <a:t>Jenkins</a:t>
+              <a:rPr lang="en-US" altLang="zh-CN" sz="6000" dirty="0" err="1" smtClean="0">
+                <a:ea typeface="Times New Roman" charset="0"/>
+                <a:cs typeface="Times New Roman" charset="0"/>
+              </a:rPr>
+              <a:t>Feichao</a:t>
+            </a:r>
+            <a:r>
+              <a:rPr lang="zh-CN" altLang="en-US" sz="6000" dirty="0" smtClean="0">
+                <a:ea typeface="Times New Roman" charset="0"/>
+                <a:cs typeface="Times New Roman" charset="0"/>
+              </a:rPr>
+              <a:t> </a:t>
             </a:r>
             <a:r>
               <a:rPr lang="en-US" altLang="zh-CN" sz="6000" dirty="0" smtClean="0">
-                <a:latin typeface="Times New Roman" charset="0"/>
-                <a:ea typeface="Times New Roman" charset="0"/>
-                <a:cs typeface="Times New Roman" charset="0"/>
-              </a:rPr>
-              <a:t>,</a:t>
-            </a:r>
-            <a:r>
-              <a:rPr lang="zh-CN" altLang="en-US" sz="6000" dirty="0" smtClean="0">
-                <a:latin typeface="Times New Roman" charset="0"/>
-                <a:ea typeface="Times New Roman" charset="0"/>
-                <a:cs typeface="Times New Roman" charset="0"/>
-              </a:rPr>
-              <a:t> </a:t>
-            </a:r>
-            <a:r>
-              <a:rPr lang="en-US" sz="6000" dirty="0">
-                <a:latin typeface="Times New Roman" charset="0"/>
-                <a:ea typeface="Times New Roman" charset="0"/>
-                <a:cs typeface="Times New Roman" charset="0"/>
-              </a:rPr>
-              <a:t>Frederik </a:t>
-            </a:r>
-            <a:r>
-              <a:rPr lang="en-US" sz="6000" dirty="0" err="1" smtClean="0">
-                <a:latin typeface="Times New Roman" charset="0"/>
-                <a:ea typeface="Times New Roman" charset="0"/>
-                <a:cs typeface="Times New Roman" charset="0"/>
-              </a:rPr>
-              <a:t>Nygaard</a:t>
-            </a:r>
-            <a:r>
-              <a:rPr lang="en-US" altLang="zh-CN" sz="6000" dirty="0" smtClean="0">
-                <a:latin typeface="Times New Roman" charset="0"/>
-                <a:ea typeface="Times New Roman" charset="0"/>
-                <a:cs typeface="Times New Roman" charset="0"/>
-              </a:rPr>
-              <a:t>,</a:t>
-            </a:r>
-            <a:r>
-              <a:rPr lang="zh-CN" altLang="en-US" sz="6000" dirty="0" smtClean="0">
-                <a:latin typeface="Times New Roman" charset="0"/>
-                <a:ea typeface="Times New Roman" charset="0"/>
-                <a:cs typeface="Times New Roman" charset="0"/>
-              </a:rPr>
-              <a:t> </a:t>
-            </a:r>
-            <a:r>
-              <a:rPr lang="en-US" altLang="zh-CN" sz="6000" dirty="0" err="1" smtClean="0">
-                <a:latin typeface="Times New Roman" charset="0"/>
-                <a:ea typeface="Times New Roman" charset="0"/>
-                <a:cs typeface="Times New Roman" charset="0"/>
-              </a:rPr>
-              <a:t>Feichao</a:t>
-            </a:r>
-            <a:r>
-              <a:rPr lang="zh-CN" altLang="en-US" sz="6000" dirty="0" smtClean="0">
-                <a:latin typeface="Times New Roman" charset="0"/>
-                <a:ea typeface="Times New Roman" charset="0"/>
-                <a:cs typeface="Times New Roman" charset="0"/>
-              </a:rPr>
-              <a:t> </a:t>
-            </a:r>
-            <a:r>
-              <a:rPr lang="en-US" altLang="zh-CN" sz="6000" dirty="0" smtClean="0">
-                <a:latin typeface="Times New Roman" charset="0"/>
                 <a:ea typeface="Times New Roman" charset="0"/>
                 <a:cs typeface="Times New Roman" charset="0"/>
               </a:rPr>
               <a:t>Qian</a:t>
             </a:r>
-            <a:endParaRPr lang="zh-CN" altLang="en-US" sz="6000" dirty="0" smtClean="0">
-              <a:latin typeface="Times New Roman" charset="0"/>
+            <a:endParaRPr lang="en-US" sz="6000" dirty="0">
               <a:ea typeface="Times New Roman" charset="0"/>
               <a:cs typeface="Times New Roman" charset="0"/>
             </a:endParaRPr>
           </a:p>
-          <a:p>
-            <a:pPr algn="ctr"/>
-            <a:r>
-              <a:rPr lang="zh-CN" altLang="en-US" sz="6000" dirty="0" smtClean="0">
-                <a:latin typeface="Times New Roman" charset="0"/>
-                <a:ea typeface="Times New Roman" charset="0"/>
-                <a:cs typeface="Times New Roman" charset="0"/>
-              </a:rPr>
-              <a:t> </a:t>
-            </a:r>
-            <a:r>
-              <a:rPr lang="en-US" sz="6000" dirty="0" smtClean="0">
-                <a:latin typeface="Times New Roman" charset="0"/>
-                <a:ea typeface="Times New Roman" charset="0"/>
-                <a:cs typeface="Times New Roman" charset="0"/>
-                <a:hlinkClick r:id="rId4"/>
-              </a:rPr>
-              <a:t>dhsharma@ucsd.edu</a:t>
-            </a:r>
-            <a:r>
-              <a:rPr lang="en-US" altLang="zh-CN" sz="6000" dirty="0" smtClean="0">
-                <a:latin typeface="Times New Roman" charset="0"/>
-                <a:ea typeface="Times New Roman" charset="0"/>
-                <a:cs typeface="Times New Roman" charset="0"/>
-              </a:rPr>
-              <a:t>;</a:t>
-            </a:r>
-            <a:r>
-              <a:rPr lang="zh-CN" altLang="en-US" sz="6000" dirty="0" smtClean="0">
-                <a:latin typeface="Times New Roman" charset="0"/>
-                <a:ea typeface="Times New Roman" charset="0"/>
-                <a:cs typeface="Times New Roman" charset="0"/>
-              </a:rPr>
-              <a:t> </a:t>
-            </a:r>
-            <a:r>
-              <a:rPr lang="en-US" sz="6000" dirty="0" smtClean="0">
-                <a:latin typeface="Times New Roman" charset="0"/>
-                <a:ea typeface="Times New Roman" charset="0"/>
-                <a:cs typeface="Times New Roman" charset="0"/>
-                <a:hlinkClick r:id="rId5"/>
-              </a:rPr>
-              <a:t>rfjenkin@ucsd.edu</a:t>
-            </a:r>
-            <a:r>
-              <a:rPr lang="en-US" altLang="zh-CN" sz="6000" dirty="0" smtClean="0">
-                <a:latin typeface="Times New Roman" charset="0"/>
-                <a:ea typeface="Times New Roman" charset="0"/>
-                <a:cs typeface="Times New Roman" charset="0"/>
-              </a:rPr>
-              <a:t>;</a:t>
-            </a:r>
-            <a:r>
-              <a:rPr lang="en-US" sz="6000" dirty="0" smtClean="0">
-                <a:latin typeface="Times New Roman" charset="0"/>
-                <a:ea typeface="Times New Roman" charset="0"/>
-                <a:cs typeface="Times New Roman" charset="0"/>
-              </a:rPr>
-              <a:t> </a:t>
-            </a:r>
-            <a:r>
-              <a:rPr lang="en-US" sz="6000" dirty="0" smtClean="0">
-                <a:latin typeface="Times New Roman" charset="0"/>
-                <a:ea typeface="Times New Roman" charset="0"/>
-                <a:cs typeface="Times New Roman" charset="0"/>
-                <a:hlinkClick r:id="rId6"/>
-              </a:rPr>
-              <a:t>frederikny@gmail.com</a:t>
-            </a:r>
-            <a:r>
-              <a:rPr lang="en-US" altLang="zh-CN" sz="6000" dirty="0" smtClean="0">
-                <a:latin typeface="Times New Roman" charset="0"/>
-                <a:ea typeface="Times New Roman" charset="0"/>
-                <a:cs typeface="Times New Roman" charset="0"/>
-              </a:rPr>
-              <a:t>;</a:t>
-            </a:r>
-            <a:r>
-              <a:rPr lang="zh-CN" altLang="en-US" sz="6000" dirty="0" smtClean="0">
-                <a:latin typeface="Times New Roman" charset="0"/>
-                <a:ea typeface="Times New Roman" charset="0"/>
-                <a:cs typeface="Times New Roman" charset="0"/>
-              </a:rPr>
-              <a:t> </a:t>
-            </a:r>
-            <a:r>
-              <a:rPr lang="en-US" altLang="zh-CN" sz="6000" dirty="0" smtClean="0">
-                <a:latin typeface="Times New Roman" charset="0"/>
-                <a:ea typeface="Times New Roman" charset="0"/>
-                <a:cs typeface="Times New Roman" charset="0"/>
-                <a:hlinkClick r:id="rId7"/>
-              </a:rPr>
-              <a:t>feqian@ucsd.edu</a:t>
-            </a:r>
-            <a:r>
-              <a:rPr lang="zh-CN" altLang="en-US" sz="6000" dirty="0" smtClean="0">
-                <a:latin typeface="Times New Roman" charset="0"/>
-                <a:ea typeface="Times New Roman" charset="0"/>
-                <a:cs typeface="Times New Roman" charset="0"/>
-              </a:rPr>
-              <a:t> </a:t>
-            </a:r>
-            <a:endParaRPr lang="en-US" sz="6000" dirty="0">
-              <a:latin typeface="Times New Roman" charset="0"/>
-              <a:ea typeface="Times New Roman" charset="0"/>
-              <a:cs typeface="Times New Roman" charset="0"/>
-            </a:endParaRPr>
-          </a:p>
         </p:txBody>
       </p:sp>
       <p:sp>
@@ -3999,8 +3875,8 @@
         </p:nvSpPr>
         <p:spPr>
           <a:xfrm>
-            <a:off x="29811065" y="25829516"/>
-            <a:ext cx="13128325" cy="769441"/>
+            <a:off x="33500948" y="25410859"/>
+            <a:ext cx="9126268" cy="769441"/>
           </a:xfrm>
           <a:prstGeom prst="rect">
             <a:avLst/>
@@ -4011,20 +3887,23 @@
           <a:bodyPr wrap="square" rtlCol="0">
             <a:spAutoFit/>
           </a:bodyPr>
-          <a:lstStyle/>
-          <a:p>
-            <a:pPr marL="465138" indent="-465138">
-              <a:spcAft>
-                <a:spcPts val="1800"/>
-              </a:spcAft>
-              <a:tabLst>
-                <a:tab pos="1185863" algn="l"/>
-              </a:tabLst>
-            </a:pPr>
-            <a:endParaRPr lang="en-US" sz="4400" dirty="0">
-              <a:latin typeface="Franklin Gothic Book"/>
-              <a:cs typeface="Franklin Gothic Book"/>
-            </a:endParaRPr>
+          <a:lstStyle>
+            <a:defPPr>
+              <a:defRPr lang="en-US"/>
+            </a:defPPr>
+            <a:lvl1pPr algn="ctr">
+              <a:defRPr sz="4400">
+                <a:ea typeface="Times New Roman" charset="0"/>
+                <a:cs typeface="Times New Roman" charset="0"/>
+              </a:defRPr>
+            </a:lvl1pPr>
+          </a:lstStyle>
+          <a:p>
+            <a:r>
+              <a:rPr lang="en-US" dirty="0" smtClean="0"/>
+              <a:t>Efficient Bandwidth Utilization</a:t>
+            </a:r>
+            <a:endParaRPr lang="en-US" dirty="0"/>
           </a:p>
         </p:txBody>
       </p:sp>
@@ -4036,8 +3915,8 @@
         </p:nvCxnSpPr>
         <p:spPr>
           <a:xfrm>
-            <a:off x="397564" y="4637850"/>
-            <a:ext cx="43200000" cy="0"/>
+            <a:off x="433807" y="3540000"/>
+            <a:ext cx="42996818" cy="0"/>
           </a:xfrm>
           <a:prstGeom prst="line">
             <a:avLst/>
@@ -4080,8 +3959,8 @@
         </p:nvSpPr>
         <p:spPr>
           <a:xfrm>
-            <a:off x="433807" y="4860999"/>
-            <a:ext cx="12139268" cy="12190175"/>
+            <a:off x="433807" y="3877525"/>
+            <a:ext cx="12139268" cy="13221102"/>
           </a:xfrm>
           <a:prstGeom prst="rect">
             <a:avLst/>
@@ -4121,16 +4000,15 @@
         </p:nvSpPr>
         <p:spPr>
           <a:xfrm>
-            <a:off x="635147" y="5049162"/>
+            <a:off x="635146" y="4029294"/>
             <a:ext cx="11808644" cy="828000"/>
           </a:xfrm>
           <a:prstGeom prst="rect">
             <a:avLst/>
           </a:prstGeom>
           <a:solidFill>
-            <a:schemeClr val="tx2">
-              <a:lumMod val="60000"/>
-              <a:lumOff val="40000"/>
+            <a:schemeClr val="accent1">
+              <a:lumMod val="75000"/>
             </a:schemeClr>
           </a:solidFill>
         </p:spPr>
@@ -4169,16 +4047,15 @@
         </p:nvSpPr>
         <p:spPr>
           <a:xfrm>
-            <a:off x="635147" y="11077263"/>
+            <a:off x="595388" y="11042747"/>
             <a:ext cx="11808644" cy="828000"/>
           </a:xfrm>
           <a:prstGeom prst="rect">
             <a:avLst/>
           </a:prstGeom>
           <a:solidFill>
-            <a:schemeClr val="tx2">
-              <a:lumMod val="60000"/>
-              <a:lumOff val="40000"/>
+            <a:schemeClr val="accent1">
+              <a:lumMod val="75000"/>
             </a:schemeClr>
           </a:solidFill>
         </p:spPr>
@@ -4186,74 +4063,26 @@
           <a:bodyPr wrap="none" lIns="127000" tIns="127000" rIns="127000" bIns="127000" rtlCol="0">
             <a:normAutofit fontScale="77500" lnSpcReduction="20000"/>
           </a:bodyPr>
-          <a:lstStyle/>
-          <a:p>
-            <a:pPr algn="ctr"/>
-            <a:r>
-              <a:rPr lang="en-US" altLang="zh-CN" sz="5600" dirty="0" smtClean="0">
+          <a:lstStyle>
+            <a:defPPr>
+              <a:defRPr lang="en-US"/>
+            </a:defPPr>
+            <a:lvl1pPr algn="ctr">
+              <a:defRPr sz="5600">
                 <a:solidFill>
                   <a:schemeClr val="bg1"/>
                 </a:solidFill>
                 <a:latin typeface="Franklin Gothic Medium"/>
                 <a:cs typeface="Franklin Gothic Medium"/>
-              </a:rPr>
+              </a:defRPr>
+            </a:lvl1pPr>
+          </a:lstStyle>
+          <a:p>
+            <a:r>
+              <a:rPr lang="en-US" altLang="zh-CN" dirty="0"/>
               <a:t>Solution</a:t>
             </a:r>
-            <a:endParaRPr lang="en-US" sz="5600" dirty="0" smtClean="0">
-              <a:solidFill>
-                <a:schemeClr val="bg1"/>
-              </a:solidFill>
-              <a:latin typeface="Franklin Gothic Medium"/>
-              <a:cs typeface="Franklin Gothic Medium"/>
-            </a:endParaRPr>
-          </a:p>
-        </p:txBody>
-      </p:sp>
-      <p:sp>
-        <p:nvSpPr>
-          <p:cNvPr id="48" name="TextBox 47"/>
-          <p:cNvSpPr txBox="1"/>
-          <p:nvPr/>
-        </p:nvSpPr>
-        <p:spPr>
-          <a:xfrm>
-            <a:off x="714661" y="17371372"/>
-            <a:ext cx="42396889" cy="828000"/>
-          </a:xfrm>
-          <a:prstGeom prst="rect">
-            <a:avLst/>
-          </a:prstGeom>
-          <a:solidFill>
-            <a:schemeClr val="tx2">
-              <a:lumMod val="60000"/>
-              <a:lumOff val="40000"/>
-            </a:schemeClr>
-          </a:solidFill>
-        </p:spPr>
-        <p:txBody>
-          <a:bodyPr wrap="none" lIns="127000" tIns="127000" rIns="127000" bIns="127000" rtlCol="0">
-            <a:normAutofit fontScale="77500" lnSpcReduction="20000"/>
-          </a:bodyPr>
-          <a:lstStyle/>
-          <a:p>
-            <a:pPr algn="ctr"/>
-            <a:r>
-              <a:rPr lang="en-US" altLang="zh-CN" sz="5600" dirty="0" smtClean="0">
-                <a:solidFill>
-                  <a:schemeClr val="bg1"/>
-                </a:solidFill>
-                <a:latin typeface="Franklin Gothic Medium"/>
-                <a:cs typeface="Franklin Gothic Medium"/>
-              </a:rPr>
-              <a:t>Results</a:t>
-            </a:r>
-            <a:endParaRPr lang="en-US" sz="5600" dirty="0" smtClean="0">
-              <a:solidFill>
-                <a:schemeClr val="bg1"/>
-              </a:solidFill>
-              <a:latin typeface="Franklin Gothic Medium"/>
-              <a:cs typeface="Franklin Gothic Medium"/>
-            </a:endParaRPr>
+            <a:endParaRPr lang="en-US" dirty="0"/>
           </a:p>
         </p:txBody>
       </p:sp>
@@ -4265,8 +4094,8 @@
         </p:nvSpPr>
         <p:spPr>
           <a:xfrm>
-            <a:off x="635147" y="6112786"/>
-            <a:ext cx="11729129" cy="4616648"/>
+            <a:off x="635146" y="5092918"/>
+            <a:ext cx="11729129" cy="5293757"/>
           </a:xfrm>
           <a:prstGeom prst="rect">
             <a:avLst/>
@@ -4286,7 +4115,6 @@
             </a:pPr>
             <a:r>
               <a:rPr lang="en-US" sz="4400" dirty="0" smtClean="0">
-                <a:latin typeface="Times New Roman" charset="0"/>
                 <a:ea typeface="Times New Roman" charset="0"/>
                 <a:cs typeface="Times New Roman" charset="0"/>
               </a:rPr>
@@ -4294,7 +4122,6 @@
             </a:r>
             <a:r>
               <a:rPr lang="zh-CN" altLang="en-US" sz="4400" dirty="0" smtClean="0">
-                <a:latin typeface="Times New Roman" charset="0"/>
                 <a:ea typeface="Times New Roman" charset="0"/>
                 <a:cs typeface="Times New Roman" charset="0"/>
               </a:rPr>
@@ -4302,14 +4129,19 @@
             </a:r>
             <a:r>
               <a:rPr lang="en-US" sz="4400" dirty="0" smtClean="0">
-                <a:latin typeface="Times New Roman" charset="0"/>
-                <a:ea typeface="Times New Roman" charset="0"/>
-                <a:cs typeface="Times New Roman" charset="0"/>
-              </a:rPr>
-              <a:t>Traffic from one application might not share the same characteristics as the traffic emerging from another application. </a:t>
+                <a:ea typeface="Times New Roman" charset="0"/>
+                <a:cs typeface="Times New Roman" charset="0"/>
+              </a:rPr>
+              <a:t>Traffic from one application might not share the same characteristics as the traffic </a:t>
+            </a:r>
+            <a:r>
+              <a:rPr lang="en-US" sz="4400" dirty="0" smtClean="0">
+                <a:ea typeface="Times New Roman" charset="0"/>
+                <a:cs typeface="Times New Roman" charset="0"/>
+              </a:rPr>
+              <a:t>from another.</a:t>
             </a:r>
             <a:endParaRPr lang="zh-CN" altLang="en-US" sz="4400" dirty="0" smtClean="0">
-              <a:latin typeface="Times New Roman" charset="0"/>
               <a:ea typeface="Times New Roman" charset="0"/>
               <a:cs typeface="Times New Roman" charset="0"/>
             </a:endParaRPr>
@@ -4322,7 +4154,6 @@
             </a:pPr>
             <a:r>
               <a:rPr lang="en-US" sz="4400" dirty="0" smtClean="0">
-                <a:latin typeface="Times New Roman" charset="0"/>
                 <a:ea typeface="Times New Roman" charset="0"/>
                 <a:cs typeface="Times New Roman" charset="0"/>
               </a:rPr>
@@ -4330,7 +4161,6 @@
             </a:r>
             <a:r>
               <a:rPr lang="en-US" sz="4400" dirty="0">
-                <a:latin typeface="Times New Roman" charset="0"/>
                 <a:ea typeface="Times New Roman" charset="0"/>
                 <a:cs typeface="Times New Roman" charset="0"/>
               </a:rPr>
@@ -4338,7 +4168,6 @@
             </a:r>
             <a:r>
               <a:rPr lang="en-US" altLang="zh-CN" sz="4400" dirty="0" smtClean="0">
-                <a:latin typeface="Times New Roman" charset="0"/>
                 <a:ea typeface="Times New Roman" charset="0"/>
                 <a:cs typeface="Times New Roman" charset="0"/>
               </a:rPr>
@@ -4346,7 +4175,6 @@
             </a:r>
             <a:r>
               <a:rPr lang="zh-CN" altLang="en-US" sz="4400" dirty="0" smtClean="0">
-                <a:latin typeface="Times New Roman" charset="0"/>
                 <a:ea typeface="Times New Roman" charset="0"/>
                 <a:cs typeface="Times New Roman" charset="0"/>
               </a:rPr>
@@ -4354,7 +4182,6 @@
             </a:r>
             <a:r>
               <a:rPr lang="en-US" altLang="zh-CN" sz="4400" dirty="0" smtClean="0">
-                <a:latin typeface="Times New Roman" charset="0"/>
                 <a:ea typeface="Times New Roman" charset="0"/>
                 <a:cs typeface="Times New Roman" charset="0"/>
               </a:rPr>
@@ -4362,7 +4189,6 @@
             </a:r>
             <a:r>
               <a:rPr lang="zh-CN" altLang="en-US" sz="4400" dirty="0" smtClean="0">
-                <a:latin typeface="Times New Roman" charset="0"/>
                 <a:ea typeface="Times New Roman" charset="0"/>
                 <a:cs typeface="Times New Roman" charset="0"/>
               </a:rPr>
@@ -4370,7 +4196,6 @@
             </a:r>
             <a:r>
               <a:rPr lang="en-US" altLang="zh-CN" sz="4400" dirty="0" smtClean="0">
-                <a:latin typeface="Times New Roman" charset="0"/>
                 <a:ea typeface="Times New Roman" charset="0"/>
                 <a:cs typeface="Times New Roman" charset="0"/>
               </a:rPr>
@@ -4378,7 +4203,6 @@
             </a:r>
             <a:r>
               <a:rPr lang="zh-CN" altLang="en-US" sz="4400" dirty="0" smtClean="0">
-                <a:latin typeface="Times New Roman" charset="0"/>
                 <a:ea typeface="Times New Roman" charset="0"/>
                 <a:cs typeface="Times New Roman" charset="0"/>
               </a:rPr>
@@ -4386,7 +4210,6 @@
             </a:r>
             <a:r>
               <a:rPr lang="en-US" altLang="zh-CN" sz="4400" dirty="0" err="1" smtClean="0">
-                <a:latin typeface="Times New Roman" charset="0"/>
                 <a:ea typeface="Times New Roman" charset="0"/>
                 <a:cs typeface="Times New Roman" charset="0"/>
               </a:rPr>
@@ -4394,7 +4217,6 @@
             </a:r>
             <a:r>
               <a:rPr lang="zh-CN" altLang="en-US" sz="4400" dirty="0" smtClean="0">
-                <a:latin typeface="Times New Roman" charset="0"/>
                 <a:ea typeface="Times New Roman" charset="0"/>
                 <a:cs typeface="Times New Roman" charset="0"/>
               </a:rPr>
@@ -4402,7 +4224,6 @@
             </a:r>
             <a:r>
               <a:rPr lang="en-US" altLang="zh-CN" sz="4400" dirty="0" smtClean="0">
-                <a:latin typeface="Times New Roman" charset="0"/>
                 <a:ea typeface="Times New Roman" charset="0"/>
                 <a:cs typeface="Times New Roman" charset="0"/>
               </a:rPr>
@@ -4410,7 +4231,6 @@
             </a:r>
             <a:r>
               <a:rPr lang="zh-CN" altLang="en-US" sz="4400" dirty="0" smtClean="0">
-                <a:latin typeface="Times New Roman" charset="0"/>
                 <a:ea typeface="Times New Roman" charset="0"/>
                 <a:cs typeface="Times New Roman" charset="0"/>
               </a:rPr>
@@ -4418,7 +4238,6 @@
             </a:r>
             <a:r>
               <a:rPr lang="en-US" altLang="zh-CN" sz="4400" dirty="0" smtClean="0">
-                <a:latin typeface="Times New Roman" charset="0"/>
                 <a:ea typeface="Times New Roman" charset="0"/>
                 <a:cs typeface="Times New Roman" charset="0"/>
               </a:rPr>
@@ -4426,7 +4245,6 @@
             </a:r>
             <a:r>
               <a:rPr lang="zh-CN" altLang="en-US" sz="4400" dirty="0" smtClean="0">
-                <a:latin typeface="Times New Roman" charset="0"/>
                 <a:ea typeface="Times New Roman" charset="0"/>
                 <a:cs typeface="Times New Roman" charset="0"/>
               </a:rPr>
@@ -4434,7 +4252,6 @@
             </a:r>
             <a:r>
               <a:rPr lang="en-US" altLang="zh-CN" sz="4400" dirty="0" smtClean="0">
-                <a:latin typeface="Times New Roman" charset="0"/>
                 <a:ea typeface="Times New Roman" charset="0"/>
                 <a:cs typeface="Times New Roman" charset="0"/>
               </a:rPr>
@@ -4442,7 +4259,6 @@
             </a:r>
             <a:r>
               <a:rPr lang="zh-CN" altLang="en-US" sz="4400" dirty="0" smtClean="0">
-                <a:latin typeface="Times New Roman" charset="0"/>
                 <a:ea typeface="Times New Roman" charset="0"/>
                 <a:cs typeface="Times New Roman" charset="0"/>
               </a:rPr>
@@ -4450,7 +4266,6 @@
             </a:r>
             <a:r>
               <a:rPr lang="en-US" altLang="zh-CN" sz="4400" dirty="0" smtClean="0">
-                <a:latin typeface="Times New Roman" charset="0"/>
                 <a:ea typeface="Times New Roman" charset="0"/>
                 <a:cs typeface="Times New Roman" charset="0"/>
               </a:rPr>
@@ -4458,7 +4273,6 @@
             </a:r>
             <a:r>
               <a:rPr lang="zh-CN" altLang="en-US" sz="4400" dirty="0" smtClean="0">
-                <a:latin typeface="Times New Roman" charset="0"/>
                 <a:ea typeface="Times New Roman" charset="0"/>
                 <a:cs typeface="Times New Roman" charset="0"/>
               </a:rPr>
@@ -4466,7 +4280,6 @@
             </a:r>
             <a:r>
               <a:rPr lang="en-US" altLang="zh-CN" sz="4400" dirty="0" smtClean="0">
-                <a:latin typeface="Times New Roman" charset="0"/>
                 <a:ea typeface="Times New Roman" charset="0"/>
                 <a:cs typeface="Times New Roman" charset="0"/>
               </a:rPr>
@@ -4474,7 +4287,6 @@
             </a:r>
             <a:r>
               <a:rPr lang="zh-CN" altLang="en-US" sz="4400" dirty="0" smtClean="0">
-                <a:latin typeface="Times New Roman" charset="0"/>
                 <a:ea typeface="Times New Roman" charset="0"/>
                 <a:cs typeface="Times New Roman" charset="0"/>
               </a:rPr>
@@ -4482,7 +4294,6 @@
             </a:r>
             <a:r>
               <a:rPr lang="en-US" altLang="zh-CN" sz="4400" dirty="0" smtClean="0">
-                <a:latin typeface="Times New Roman" charset="0"/>
                 <a:ea typeface="Times New Roman" charset="0"/>
                 <a:cs typeface="Times New Roman" charset="0"/>
               </a:rPr>
@@ -4490,7 +4301,6 @@
             </a:r>
             <a:r>
               <a:rPr lang="zh-CN" altLang="en-US" sz="4400" dirty="0" smtClean="0">
-                <a:latin typeface="Times New Roman" charset="0"/>
                 <a:ea typeface="Times New Roman" charset="0"/>
                 <a:cs typeface="Times New Roman" charset="0"/>
               </a:rPr>
@@ -4498,7 +4308,6 @@
             </a:r>
             <a:r>
               <a:rPr lang="en-US" altLang="zh-CN" sz="4400" dirty="0" smtClean="0">
-                <a:latin typeface="Times New Roman" charset="0"/>
                 <a:ea typeface="Times New Roman" charset="0"/>
                 <a:cs typeface="Times New Roman" charset="0"/>
               </a:rPr>
@@ -4506,7 +4315,6 @@
             </a:r>
             <a:r>
               <a:rPr lang="zh-CN" altLang="en-US" sz="4400" dirty="0" smtClean="0">
-                <a:latin typeface="Times New Roman" charset="0"/>
                 <a:ea typeface="Times New Roman" charset="0"/>
                 <a:cs typeface="Times New Roman" charset="0"/>
               </a:rPr>
@@ -4514,7 +4322,6 @@
             </a:r>
             <a:r>
               <a:rPr lang="en-US" altLang="zh-CN" sz="4400" dirty="0" smtClean="0">
-                <a:latin typeface="Times New Roman" charset="0"/>
                 <a:ea typeface="Times New Roman" charset="0"/>
                 <a:cs typeface="Times New Roman" charset="0"/>
               </a:rPr>
@@ -4522,7 +4329,6 @@
             </a:r>
             <a:r>
               <a:rPr lang="zh-CN" altLang="en-US" sz="4400" dirty="0" smtClean="0">
-                <a:latin typeface="Times New Roman" charset="0"/>
                 <a:ea typeface="Times New Roman" charset="0"/>
                 <a:cs typeface="Times New Roman" charset="0"/>
               </a:rPr>
@@ -4530,7 +4336,6 @@
             </a:r>
             <a:r>
               <a:rPr lang="en-US" altLang="zh-CN" sz="4400" dirty="0" smtClean="0">
-                <a:latin typeface="Times New Roman" charset="0"/>
                 <a:ea typeface="Times New Roman" charset="0"/>
                 <a:cs typeface="Times New Roman" charset="0"/>
               </a:rPr>
@@ -4538,7 +4343,6 @@
             </a:r>
             <a:r>
               <a:rPr lang="zh-CN" altLang="en-US" sz="4400" dirty="0" smtClean="0">
-                <a:latin typeface="Times New Roman" charset="0"/>
                 <a:ea typeface="Times New Roman" charset="0"/>
                 <a:cs typeface="Times New Roman" charset="0"/>
               </a:rPr>
@@ -4546,7 +4350,6 @@
             </a:r>
             <a:r>
               <a:rPr lang="en-US" altLang="zh-CN" sz="4400" dirty="0" smtClean="0">
-                <a:latin typeface="Times New Roman" charset="0"/>
                 <a:ea typeface="Times New Roman" charset="0"/>
                 <a:cs typeface="Times New Roman" charset="0"/>
               </a:rPr>
@@ -4554,33 +4357,44 @@
             </a:r>
             <a:r>
               <a:rPr lang="en-US" sz="4400" dirty="0" smtClean="0">
-                <a:latin typeface="Times New Roman" charset="0"/>
-                <a:ea typeface="Times New Roman" charset="0"/>
-                <a:cs typeface="Times New Roman" charset="0"/>
-              </a:rPr>
-              <a:t>. </a:t>
+                <a:ea typeface="Times New Roman" charset="0"/>
+                <a:cs typeface="Times New Roman" charset="0"/>
+              </a:rPr>
+              <a:t>.</a:t>
+            </a:r>
+          </a:p>
+          <a:p>
+            <a:pPr>
+              <a:spcAft>
+                <a:spcPts val="1800"/>
+              </a:spcAft>
+            </a:pPr>
+            <a:r>
+              <a:rPr lang="en-US" sz="4400" dirty="0" smtClean="0">
+                <a:ea typeface="Times New Roman" charset="0"/>
+                <a:cs typeface="Times New Roman" charset="0"/>
+              </a:rPr>
+              <a:t>• Modern devices only support DSCP-based </a:t>
+            </a:r>
+            <a:r>
+              <a:rPr lang="en-US" sz="4400" dirty="0" err="1" smtClean="0">
+                <a:ea typeface="Times New Roman" charset="0"/>
+                <a:cs typeface="Times New Roman" charset="0"/>
+              </a:rPr>
+              <a:t>QoS</a:t>
+            </a:r>
+            <a:r>
+              <a:rPr lang="en-US" sz="4400" dirty="0" smtClean="0">
+                <a:ea typeface="Times New Roman" charset="0"/>
+                <a:cs typeface="Times New Roman" charset="0"/>
+              </a:rPr>
+              <a:t> requiring applications to proactively set the right fields in IP header.</a:t>
             </a:r>
             <a:endParaRPr lang="zh-CN" altLang="en-US" sz="4400" dirty="0" smtClean="0">
-              <a:latin typeface="Times New Roman" charset="0"/>
               <a:ea typeface="Times New Roman" charset="0"/>
               <a:cs typeface="Times New Roman" charset="0"/>
             </a:endParaRPr>
           </a:p>
-          <a:p>
-            <a:pPr marL="465138" indent="-465138">
-              <a:spcAft>
-                <a:spcPts val="1800"/>
-              </a:spcAft>
-              <a:tabLst>
-                <a:tab pos="1185863" algn="l"/>
-              </a:tabLst>
-            </a:pPr>
-            <a:endParaRPr lang="en-US" sz="4400" dirty="0">
-              <a:latin typeface="Times New Roman" charset="0"/>
-              <a:ea typeface="Times New Roman" charset="0"/>
-              <a:cs typeface="Times New Roman" charset="0"/>
-            </a:endParaRPr>
-          </a:p>
         </p:txBody>
       </p:sp>
       <p:sp>
@@ -4591,7 +4405,7 @@
         </p:nvSpPr>
         <p:spPr>
           <a:xfrm>
-            <a:off x="750902" y="11888869"/>
+            <a:off x="797673" y="11822719"/>
             <a:ext cx="11692890" cy="5293757"/>
           </a:xfrm>
           <a:prstGeom prst="rect">
@@ -4612,7 +4426,6 @@
             </a:pPr>
             <a:r>
               <a:rPr lang="en-US" sz="4400" dirty="0" smtClean="0">
-                <a:latin typeface="Times New Roman" charset="0"/>
                 <a:ea typeface="Times New Roman" charset="0"/>
                 <a:cs typeface="Times New Roman" charset="0"/>
               </a:rPr>
@@ -4620,7 +4433,6 @@
             </a:r>
             <a:r>
               <a:rPr lang="zh-CN" altLang="en-US" sz="4400" dirty="0" smtClean="0">
-                <a:latin typeface="Times New Roman" charset="0"/>
                 <a:ea typeface="Times New Roman" charset="0"/>
                 <a:cs typeface="Times New Roman" charset="0"/>
               </a:rPr>
@@ -4628,7 +4440,6 @@
             </a:r>
             <a:r>
               <a:rPr lang="en-US" altLang="zh-CN" sz="4400" dirty="0" smtClean="0">
-                <a:latin typeface="Times New Roman" charset="0"/>
                 <a:ea typeface="Times New Roman" charset="0"/>
                 <a:cs typeface="Times New Roman" charset="0"/>
               </a:rPr>
@@ -4636,7 +4447,6 @@
             </a:r>
             <a:r>
               <a:rPr lang="en-US" sz="4400" dirty="0" smtClean="0">
-                <a:latin typeface="Times New Roman" charset="0"/>
                 <a:ea typeface="Times New Roman" charset="0"/>
                 <a:cs typeface="Times New Roman" charset="0"/>
               </a:rPr>
@@ -4644,25 +4454,32 @@
             </a:r>
             <a:r>
               <a:rPr lang="en-US" sz="4400" dirty="0">
-                <a:latin typeface="Times New Roman" charset="0"/>
-                <a:ea typeface="Times New Roman" charset="0"/>
-                <a:cs typeface="Times New Roman" charset="0"/>
-              </a:rPr>
-              <a:t>different traffic in separate queues/channels that put a hard rate limit on the either type of </a:t>
+                <a:ea typeface="Times New Roman" charset="0"/>
+                <a:cs typeface="Times New Roman" charset="0"/>
+              </a:rPr>
+              <a:t>different traffic in separate </a:t>
             </a:r>
             <a:r>
               <a:rPr lang="en-US" sz="4400" dirty="0" smtClean="0">
-                <a:latin typeface="Times New Roman" charset="0"/>
-                <a:ea typeface="Times New Roman" charset="0"/>
-                <a:cs typeface="Times New Roman" charset="0"/>
-              </a:rPr>
-              <a:t>traffic</a:t>
-            </a:r>
-            <a:endParaRPr lang="zh-CN" altLang="en-US" sz="4400" dirty="0" smtClean="0">
-              <a:latin typeface="Times New Roman" charset="0"/>
-              <a:ea typeface="Times New Roman" charset="0"/>
-              <a:cs typeface="Times New Roman" charset="0"/>
-            </a:endParaRPr>
+                <a:ea typeface="Times New Roman" charset="0"/>
+                <a:cs typeface="Times New Roman" charset="0"/>
+              </a:rPr>
+              <a:t>queues each having </a:t>
+            </a:r>
+            <a:r>
+              <a:rPr lang="en-US" sz="4400" dirty="0">
+                <a:ea typeface="Times New Roman" charset="0"/>
+                <a:cs typeface="Times New Roman" charset="0"/>
+              </a:rPr>
+              <a:t>a hard rate limit on </a:t>
+            </a:r>
+            <a:r>
+              <a:rPr lang="en-US" sz="4400" dirty="0" smtClean="0">
+                <a:ea typeface="Times New Roman" charset="0"/>
+                <a:cs typeface="Times New Roman" charset="0"/>
+              </a:rPr>
+              <a:t>that traffic.</a:t>
+            </a:r>
           </a:p>
           <a:p>
             <a:pPr>
@@ -4671,2258 +4488,122 @@
               </a:spcAft>
             </a:pPr>
             <a:r>
+              <a:rPr lang="en-US" sz="4400" dirty="0">
+                <a:ea typeface="Times New Roman" charset="0"/>
+                <a:cs typeface="Times New Roman" charset="0"/>
+              </a:rPr>
+              <a:t>• </a:t>
+            </a:r>
+            <a:r>
+              <a:rPr lang="en-US" sz="4400" dirty="0" err="1" smtClean="0">
+                <a:ea typeface="Times New Roman" charset="0"/>
+                <a:cs typeface="Times New Roman" charset="0"/>
+              </a:rPr>
+              <a:t>Openflow</a:t>
+            </a:r>
+            <a:r>
               <a:rPr lang="en-US" sz="4400" dirty="0" smtClean="0">
-                <a:latin typeface="Times New Roman" charset="0"/>
-                <a:ea typeface="Times New Roman" charset="0"/>
-                <a:cs typeface="Times New Roman" charset="0"/>
-              </a:rPr>
-              <a:t>•</a:t>
-            </a:r>
-            <a:r>
-              <a:rPr lang="en-US" sz="4400" dirty="0">
-                <a:latin typeface="Times New Roman" charset="0"/>
-                <a:ea typeface="Times New Roman" charset="0"/>
-                <a:cs typeface="Times New Roman" charset="0"/>
-              </a:rPr>
-              <a:t> </a:t>
-            </a:r>
-            <a:r>
-              <a:rPr lang="en-US" altLang="zh-CN" sz="4400" dirty="0" smtClean="0">
-                <a:latin typeface="Times New Roman" charset="0"/>
-                <a:ea typeface="Times New Roman" charset="0"/>
-                <a:cs typeface="Times New Roman" charset="0"/>
-              </a:rPr>
-              <a:t>U</a:t>
-            </a:r>
-            <a:r>
-              <a:rPr lang="en-US" sz="4400" dirty="0" smtClean="0">
-                <a:latin typeface="Times New Roman" charset="0"/>
-                <a:ea typeface="Times New Roman" charset="0"/>
-                <a:cs typeface="Times New Roman" charset="0"/>
-              </a:rPr>
-              <a:t>tili</a:t>
-            </a:r>
-            <a:r>
-              <a:rPr lang="en-US" altLang="zh-CN" sz="4400" dirty="0" smtClean="0">
-                <a:latin typeface="Times New Roman" charset="0"/>
-                <a:ea typeface="Times New Roman" charset="0"/>
-                <a:cs typeface="Times New Roman" charset="0"/>
-              </a:rPr>
-              <a:t>z</a:t>
-            </a:r>
-            <a:r>
-              <a:rPr lang="en-US" sz="4400" dirty="0" smtClean="0">
-                <a:latin typeface="Times New Roman" charset="0"/>
-                <a:ea typeface="Times New Roman" charset="0"/>
-                <a:cs typeface="Times New Roman" charset="0"/>
-              </a:rPr>
-              <a:t>e </a:t>
-            </a:r>
-            <a:r>
-              <a:rPr lang="en-US" sz="4400" dirty="0">
-                <a:latin typeface="Times New Roman" charset="0"/>
-                <a:ea typeface="Times New Roman" charset="0"/>
-                <a:cs typeface="Times New Roman" charset="0"/>
-              </a:rPr>
-              <a:t>the Linux's advanced routing and traffic control to overcome the limitation of </a:t>
-            </a:r>
-            <a:r>
-              <a:rPr lang="en-US" sz="4400" dirty="0" smtClean="0">
-                <a:latin typeface="Times New Roman" charset="0"/>
-                <a:ea typeface="Times New Roman" charset="0"/>
-                <a:cs typeface="Times New Roman" charset="0"/>
-              </a:rPr>
-              <a:t>under-utili</a:t>
-            </a:r>
-            <a:r>
-              <a:rPr lang="en-US" altLang="zh-CN" sz="4400" dirty="0" smtClean="0">
-                <a:latin typeface="Times New Roman" charset="0"/>
-                <a:ea typeface="Times New Roman" charset="0"/>
-                <a:cs typeface="Times New Roman" charset="0"/>
-              </a:rPr>
-              <a:t>z</a:t>
-            </a:r>
-            <a:r>
-              <a:rPr lang="en-US" sz="4400" dirty="0" smtClean="0">
-                <a:latin typeface="Times New Roman" charset="0"/>
-                <a:ea typeface="Times New Roman" charset="0"/>
-                <a:cs typeface="Times New Roman" charset="0"/>
-              </a:rPr>
-              <a:t>ation </a:t>
-            </a:r>
-            <a:r>
-              <a:rPr lang="en-US" sz="4400" dirty="0">
-                <a:latin typeface="Times New Roman" charset="0"/>
-                <a:ea typeface="Times New Roman" charset="0"/>
-                <a:cs typeface="Times New Roman" charset="0"/>
-              </a:rPr>
-              <a:t>of available bandwidth</a:t>
+                <a:ea typeface="Times New Roman" charset="0"/>
+                <a:cs typeface="Times New Roman" charset="0"/>
+              </a:rPr>
+              <a:t>-based isolation and OVS ingress policing for rate limiting traffic.</a:t>
             </a:r>
             <a:endParaRPr lang="zh-CN" altLang="en-US" sz="4400" dirty="0" smtClean="0">
-              <a:latin typeface="Times New Roman" charset="0"/>
               <a:ea typeface="Times New Roman" charset="0"/>
               <a:cs typeface="Times New Roman" charset="0"/>
             </a:endParaRPr>
           </a:p>
           <a:p>
-            <a:pPr marL="465138" indent="-465138">
+            <a:pPr>
               <a:spcAft>
                 <a:spcPts val="1800"/>
               </a:spcAft>
-              <a:tabLst>
-                <a:tab pos="1185863" algn="l"/>
-              </a:tabLst>
             </a:pPr>
+            <a:r>
+              <a:rPr lang="en-US" sz="4400" dirty="0" smtClean="0">
+                <a:ea typeface="Times New Roman" charset="0"/>
+                <a:cs typeface="Times New Roman" charset="0"/>
+              </a:rPr>
+              <a:t>•</a:t>
+            </a:r>
+            <a:r>
+              <a:rPr lang="en-US" sz="4400" dirty="0">
+                <a:ea typeface="Times New Roman" charset="0"/>
+                <a:cs typeface="Times New Roman" charset="0"/>
+              </a:rPr>
+              <a:t> </a:t>
+            </a:r>
+            <a:r>
+              <a:rPr lang="en-US" altLang="zh-CN" sz="4400" dirty="0" smtClean="0">
+                <a:ea typeface="Times New Roman" charset="0"/>
+                <a:cs typeface="Times New Roman" charset="0"/>
+              </a:rPr>
+              <a:t>U</a:t>
+            </a:r>
+            <a:r>
+              <a:rPr lang="en-US" sz="4400" dirty="0" smtClean="0">
+                <a:ea typeface="Times New Roman" charset="0"/>
+                <a:cs typeface="Times New Roman" charset="0"/>
+              </a:rPr>
+              <a:t>tili</a:t>
+            </a:r>
+            <a:r>
+              <a:rPr lang="en-US" altLang="zh-CN" sz="4400" dirty="0" smtClean="0">
+                <a:ea typeface="Times New Roman" charset="0"/>
+                <a:cs typeface="Times New Roman" charset="0"/>
+              </a:rPr>
+              <a:t>z</a:t>
+            </a:r>
+            <a:r>
+              <a:rPr lang="en-US" sz="4400" dirty="0" smtClean="0">
+                <a:ea typeface="Times New Roman" charset="0"/>
+                <a:cs typeface="Times New Roman" charset="0"/>
+              </a:rPr>
+              <a:t>e </a:t>
+            </a:r>
+            <a:r>
+              <a:rPr lang="en-US" sz="4400" dirty="0">
+                <a:ea typeface="Times New Roman" charset="0"/>
+                <a:cs typeface="Times New Roman" charset="0"/>
+              </a:rPr>
+              <a:t>the Linux's advanced routing and traffic control to overcome the limitation of </a:t>
+            </a:r>
+            <a:r>
+              <a:rPr lang="en-US" sz="4400" dirty="0" smtClean="0">
+                <a:ea typeface="Times New Roman" charset="0"/>
+                <a:cs typeface="Times New Roman" charset="0"/>
+              </a:rPr>
+              <a:t>under-utili</a:t>
+            </a:r>
+            <a:r>
+              <a:rPr lang="en-US" altLang="zh-CN" sz="4400" dirty="0" smtClean="0">
+                <a:ea typeface="Times New Roman" charset="0"/>
+                <a:cs typeface="Times New Roman" charset="0"/>
+              </a:rPr>
+              <a:t>z</a:t>
+            </a:r>
+            <a:r>
+              <a:rPr lang="en-US" sz="4400" dirty="0" smtClean="0">
+                <a:ea typeface="Times New Roman" charset="0"/>
+                <a:cs typeface="Times New Roman" charset="0"/>
+              </a:rPr>
+              <a:t>ation </a:t>
+            </a:r>
+            <a:r>
+              <a:rPr lang="en-US" sz="4400" dirty="0">
+                <a:ea typeface="Times New Roman" charset="0"/>
+                <a:cs typeface="Times New Roman" charset="0"/>
+              </a:rPr>
+              <a:t>of available </a:t>
+            </a:r>
+            <a:r>
+              <a:rPr lang="en-US" sz="4400" dirty="0" smtClean="0">
+                <a:ea typeface="Times New Roman" charset="0"/>
+                <a:cs typeface="Times New Roman" charset="0"/>
+              </a:rPr>
+              <a:t>bandwidth.</a:t>
+            </a:r>
             <a:endParaRPr lang="en-US" sz="4400" dirty="0">
-              <a:latin typeface="Times New Roman" charset="0"/>
-              <a:ea typeface="Times New Roman" charset="0"/>
-              <a:cs typeface="Times New Roman" charset="0"/>
-            </a:endParaRPr>
-          </a:p>
-        </p:txBody>
-      </p:sp>
-      <p:sp>
-        <p:nvSpPr>
-          <p:cNvPr id="20" name="Rectangle 19"/>
-          <p:cNvSpPr/>
-          <p:nvPr/>
-        </p:nvSpPr>
-        <p:spPr>
-          <a:xfrm>
-            <a:off x="12774415" y="4884944"/>
-            <a:ext cx="30740258" cy="12166230"/>
-          </a:xfrm>
-          <a:prstGeom prst="rect">
-            <a:avLst/>
-          </a:prstGeom>
-          <a:solidFill>
-            <a:schemeClr val="bg1"/>
-          </a:solidFill>
-        </p:spPr>
-        <p:style>
-          <a:lnRef idx="1">
-            <a:schemeClr val="accent1"/>
-          </a:lnRef>
-          <a:fillRef idx="3">
-            <a:schemeClr val="accent1"/>
-          </a:fillRef>
-          <a:effectRef idx="2">
-            <a:schemeClr val="accent1"/>
-          </a:effectRef>
-          <a:fontRef idx="minor">
-            <a:schemeClr val="lt1"/>
-          </a:fontRef>
-        </p:style>
-        <p:txBody>
-          <a:bodyPr rtlCol="0" anchor="ctr"/>
-          <a:lstStyle/>
-          <a:p>
-            <a:pPr algn="ctr"/>
-            <a:endParaRPr lang="en-US"/>
-          </a:p>
-        </p:txBody>
-      </p:sp>
-      <p:sp>
-        <p:nvSpPr>
-          <p:cNvPr id="53" name="TextBox 52"/>
-          <p:cNvSpPr txBox="1"/>
-          <p:nvPr/>
-        </p:nvSpPr>
-        <p:spPr>
-          <a:xfrm>
-            <a:off x="12970575" y="5039188"/>
-            <a:ext cx="13811948" cy="828000"/>
-          </a:xfrm>
-          <a:prstGeom prst="rect">
-            <a:avLst/>
-          </a:prstGeom>
-          <a:solidFill>
-            <a:schemeClr val="tx2">
-              <a:lumMod val="60000"/>
-              <a:lumOff val="40000"/>
-            </a:schemeClr>
-          </a:solidFill>
-        </p:spPr>
-        <p:txBody>
-          <a:bodyPr wrap="none" lIns="127000" tIns="127000" rIns="127000" bIns="127000" rtlCol="0">
-            <a:normAutofit fontScale="77500" lnSpcReduction="20000"/>
-          </a:bodyPr>
-          <a:lstStyle/>
-          <a:p>
-            <a:pPr algn="ctr"/>
-            <a:r>
-              <a:rPr lang="en-US" altLang="zh-CN" sz="5600" dirty="0" err="1" smtClean="0">
-                <a:solidFill>
-                  <a:schemeClr val="bg1"/>
-                </a:solidFill>
-                <a:latin typeface="Franklin Gothic Medium"/>
-                <a:cs typeface="Franklin Gothic Medium"/>
-              </a:rPr>
-              <a:t>FlowQoS</a:t>
-            </a:r>
-            <a:r>
-              <a:rPr lang="zh-CN" altLang="en-US" sz="5600" dirty="0" smtClean="0">
-                <a:solidFill>
-                  <a:schemeClr val="bg1"/>
-                </a:solidFill>
-                <a:latin typeface="Franklin Gothic Medium"/>
-                <a:cs typeface="Franklin Gothic Medium"/>
-              </a:rPr>
-              <a:t> </a:t>
-            </a:r>
-            <a:r>
-              <a:rPr lang="en-US" altLang="zh-CN" sz="5600" dirty="0" smtClean="0">
-                <a:solidFill>
-                  <a:schemeClr val="bg1"/>
-                </a:solidFill>
-                <a:latin typeface="Franklin Gothic Medium"/>
-                <a:cs typeface="Franklin Gothic Medium"/>
-              </a:rPr>
-              <a:t>Architecture</a:t>
-            </a:r>
-            <a:endParaRPr lang="en-US" sz="5600" dirty="0">
-              <a:solidFill>
-                <a:schemeClr val="bg1"/>
-              </a:solidFill>
-              <a:latin typeface="Franklin Gothic Medium"/>
-              <a:cs typeface="Franklin Gothic Medium"/>
-            </a:endParaRPr>
-          </a:p>
-        </p:txBody>
-      </p:sp>
-      <p:sp>
-        <p:nvSpPr>
-          <p:cNvPr id="63" name="TextBox 62"/>
-          <p:cNvSpPr txBox="1"/>
-          <p:nvPr/>
-        </p:nvSpPr>
-        <p:spPr>
-          <a:xfrm>
-            <a:off x="26978683" y="5029520"/>
-            <a:ext cx="16252138" cy="828000"/>
-          </a:xfrm>
-          <a:prstGeom prst="rect">
-            <a:avLst/>
-          </a:prstGeom>
-          <a:solidFill>
-            <a:schemeClr val="tx2">
-              <a:lumMod val="60000"/>
-              <a:lumOff val="40000"/>
-            </a:schemeClr>
-          </a:solidFill>
-        </p:spPr>
-        <p:txBody>
-          <a:bodyPr wrap="none" lIns="127000" tIns="127000" rIns="127000" bIns="127000" rtlCol="0">
-            <a:normAutofit fontScale="77500" lnSpcReduction="20000"/>
-          </a:bodyPr>
-          <a:lstStyle/>
-          <a:p>
-            <a:pPr algn="ctr"/>
-            <a:r>
-              <a:rPr lang="en-US" altLang="zh-CN" sz="5600" dirty="0" smtClean="0">
-                <a:solidFill>
-                  <a:schemeClr val="bg1"/>
-                </a:solidFill>
-                <a:latin typeface="Franklin Gothic Medium"/>
-                <a:cs typeface="Franklin Gothic Medium"/>
-              </a:rPr>
-              <a:t>SDN-Based</a:t>
-            </a:r>
-            <a:r>
-              <a:rPr lang="zh-CN" altLang="en-US" sz="5600" dirty="0" smtClean="0">
-                <a:solidFill>
-                  <a:schemeClr val="bg1"/>
-                </a:solidFill>
-                <a:latin typeface="Franklin Gothic Medium"/>
-                <a:cs typeface="Franklin Gothic Medium"/>
-              </a:rPr>
-              <a:t> </a:t>
-            </a:r>
-            <a:r>
-              <a:rPr lang="en-US" altLang="zh-CN" sz="5600" dirty="0" smtClean="0">
-                <a:solidFill>
-                  <a:schemeClr val="bg1"/>
-                </a:solidFill>
-                <a:latin typeface="Franklin Gothic Medium"/>
-                <a:cs typeface="Franklin Gothic Medium"/>
-              </a:rPr>
-              <a:t>Rate</a:t>
-            </a:r>
-            <a:r>
-              <a:rPr lang="zh-CN" altLang="en-US" sz="5600" dirty="0" smtClean="0">
-                <a:solidFill>
-                  <a:schemeClr val="bg1"/>
-                </a:solidFill>
-                <a:latin typeface="Franklin Gothic Medium"/>
-                <a:cs typeface="Franklin Gothic Medium"/>
-              </a:rPr>
-              <a:t> </a:t>
-            </a:r>
-            <a:r>
-              <a:rPr lang="en-US" altLang="zh-CN" sz="5600" dirty="0" smtClean="0">
-                <a:solidFill>
-                  <a:schemeClr val="bg1"/>
-                </a:solidFill>
-                <a:latin typeface="Franklin Gothic Medium"/>
-                <a:cs typeface="Franklin Gothic Medium"/>
-              </a:rPr>
-              <a:t>Controller</a:t>
-            </a:r>
-            <a:endParaRPr lang="en-US" sz="5600" dirty="0" smtClean="0">
-              <a:solidFill>
-                <a:schemeClr val="bg1"/>
-              </a:solidFill>
-              <a:latin typeface="Franklin Gothic Medium"/>
-              <a:cs typeface="Franklin Gothic Medium"/>
-            </a:endParaRPr>
-          </a:p>
-        </p:txBody>
-      </p:sp>
-      <p:sp>
-        <p:nvSpPr>
-          <p:cNvPr id="66" name="TextBox 65"/>
-          <p:cNvSpPr txBox="1"/>
-          <p:nvPr/>
-        </p:nvSpPr>
-        <p:spPr>
-          <a:xfrm>
-            <a:off x="12970575" y="12465346"/>
-            <a:ext cx="13679107" cy="828000"/>
-          </a:xfrm>
-          <a:prstGeom prst="rect">
-            <a:avLst/>
-          </a:prstGeom>
-          <a:solidFill>
-            <a:schemeClr val="tx2">
-              <a:lumMod val="60000"/>
-              <a:lumOff val="40000"/>
-            </a:schemeClr>
-          </a:solidFill>
-        </p:spPr>
-        <p:txBody>
-          <a:bodyPr wrap="none" lIns="127000" tIns="127000" rIns="127000" bIns="127000" rtlCol="0">
-            <a:normAutofit fontScale="77500" lnSpcReduction="20000"/>
-          </a:bodyPr>
-          <a:lstStyle/>
-          <a:p>
-            <a:pPr algn="ctr"/>
-            <a:r>
-              <a:rPr lang="en-US" altLang="zh-CN" sz="5600" dirty="0" smtClean="0">
-                <a:solidFill>
-                  <a:schemeClr val="bg1"/>
-                </a:solidFill>
-                <a:latin typeface="Franklin Gothic Medium"/>
-                <a:cs typeface="Franklin Gothic Medium"/>
-              </a:rPr>
-              <a:t>Flow</a:t>
-            </a:r>
-            <a:r>
-              <a:rPr lang="zh-CN" altLang="en-US" sz="5600" dirty="0" smtClean="0">
-                <a:solidFill>
-                  <a:schemeClr val="bg1"/>
-                </a:solidFill>
-                <a:latin typeface="Franklin Gothic Medium"/>
-                <a:cs typeface="Franklin Gothic Medium"/>
-              </a:rPr>
-              <a:t> </a:t>
-            </a:r>
-            <a:r>
-              <a:rPr lang="en-US" altLang="zh-CN" sz="5600" dirty="0" smtClean="0">
-                <a:solidFill>
-                  <a:schemeClr val="bg1"/>
-                </a:solidFill>
-                <a:latin typeface="Franklin Gothic Medium"/>
-                <a:cs typeface="Franklin Gothic Medium"/>
-              </a:rPr>
-              <a:t>Classifier</a:t>
-            </a:r>
-            <a:endParaRPr lang="en-US" sz="5600" dirty="0" smtClean="0">
-              <a:solidFill>
-                <a:schemeClr val="bg1"/>
-              </a:solidFill>
-              <a:latin typeface="Franklin Gothic Medium"/>
-              <a:cs typeface="Franklin Gothic Medium"/>
-            </a:endParaRPr>
-          </a:p>
-        </p:txBody>
-      </p:sp>
-      <p:sp>
-        <p:nvSpPr>
-          <p:cNvPr id="68" name="TextBox 67"/>
-          <p:cNvSpPr txBox="1"/>
-          <p:nvPr/>
-        </p:nvSpPr>
-        <p:spPr>
-          <a:xfrm>
-            <a:off x="26978683" y="12465346"/>
-            <a:ext cx="16252138" cy="828000"/>
-          </a:xfrm>
-          <a:prstGeom prst="rect">
-            <a:avLst/>
-          </a:prstGeom>
-          <a:solidFill>
-            <a:schemeClr val="tx2">
-              <a:lumMod val="60000"/>
-              <a:lumOff val="40000"/>
-            </a:schemeClr>
-          </a:solidFill>
-        </p:spPr>
-        <p:txBody>
-          <a:bodyPr wrap="none" lIns="127000" tIns="127000" rIns="127000" bIns="127000" rtlCol="0">
-            <a:normAutofit fontScale="77500" lnSpcReduction="20000"/>
-          </a:bodyPr>
-          <a:lstStyle/>
-          <a:p>
-            <a:pPr algn="ctr"/>
-            <a:r>
-              <a:rPr lang="en-US" altLang="zh-CN" sz="5600" dirty="0" smtClean="0">
-                <a:solidFill>
-                  <a:schemeClr val="bg1"/>
-                </a:solidFill>
-                <a:latin typeface="Franklin Gothic Medium"/>
-                <a:cs typeface="Franklin Gothic Medium"/>
-              </a:rPr>
-              <a:t>Linux</a:t>
-            </a:r>
-            <a:r>
-              <a:rPr lang="zh-CN" altLang="en-US" sz="5600" dirty="0" smtClean="0">
-                <a:solidFill>
-                  <a:schemeClr val="bg1"/>
-                </a:solidFill>
-                <a:latin typeface="Franklin Gothic Medium"/>
-                <a:cs typeface="Franklin Gothic Medium"/>
-              </a:rPr>
-              <a:t> </a:t>
-            </a:r>
-            <a:r>
-              <a:rPr lang="en-US" altLang="zh-CN" sz="5600" dirty="0" smtClean="0">
-                <a:solidFill>
-                  <a:schemeClr val="bg1"/>
-                </a:solidFill>
-                <a:latin typeface="Franklin Gothic Medium"/>
-                <a:cs typeface="Franklin Gothic Medium"/>
-              </a:rPr>
-              <a:t>traffic</a:t>
-            </a:r>
-            <a:r>
-              <a:rPr lang="zh-CN" altLang="en-US" sz="5600" dirty="0" smtClean="0">
-                <a:solidFill>
-                  <a:schemeClr val="bg1"/>
-                </a:solidFill>
-                <a:latin typeface="Franklin Gothic Medium"/>
-                <a:cs typeface="Franklin Gothic Medium"/>
-              </a:rPr>
-              <a:t> </a:t>
-            </a:r>
-            <a:r>
-              <a:rPr lang="en-US" altLang="zh-CN" sz="5600" dirty="0" smtClean="0">
-                <a:solidFill>
-                  <a:schemeClr val="bg1"/>
-                </a:solidFill>
-                <a:latin typeface="Franklin Gothic Medium"/>
-                <a:cs typeface="Franklin Gothic Medium"/>
-              </a:rPr>
-              <a:t>control</a:t>
-            </a:r>
-            <a:r>
-              <a:rPr lang="zh-CN" altLang="en-US" sz="5600" dirty="0" smtClean="0">
-                <a:solidFill>
-                  <a:schemeClr val="bg1"/>
-                </a:solidFill>
-                <a:latin typeface="Franklin Gothic Medium"/>
-                <a:cs typeface="Franklin Gothic Medium"/>
-              </a:rPr>
-              <a:t> </a:t>
-            </a:r>
-            <a:r>
-              <a:rPr lang="en-US" altLang="zh-CN" sz="5600" dirty="0" smtClean="0">
-                <a:solidFill>
-                  <a:schemeClr val="bg1"/>
-                </a:solidFill>
-                <a:latin typeface="Franklin Gothic Medium"/>
-                <a:cs typeface="Franklin Gothic Medium"/>
-              </a:rPr>
-              <a:t>structure</a:t>
-            </a:r>
-            <a:endParaRPr lang="en-US" sz="5600" dirty="0" smtClean="0">
-              <a:solidFill>
-                <a:schemeClr val="bg1"/>
-              </a:solidFill>
-              <a:latin typeface="Franklin Gothic Medium"/>
-              <a:cs typeface="Franklin Gothic Medium"/>
-            </a:endParaRPr>
-          </a:p>
-        </p:txBody>
-      </p:sp>
-      <p:pic>
-        <p:nvPicPr>
-          <p:cNvPr id="25" name="Picture 24"/>
-          <p:cNvPicPr>
-            <a:picLocks noChangeAspect="1"/>
-          </p:cNvPicPr>
-          <p:nvPr/>
-        </p:nvPicPr>
-        <p:blipFill>
-          <a:blip r:embed="rId8">
-            <a:extLst>
-              <a:ext uri="{28A0092B-C50C-407E-A947-70E740481C1C}">
-                <a14:useLocalDpi xmlns:a14="http://schemas.microsoft.com/office/drawing/2010/main" val="0"/>
-              </a:ext>
-            </a:extLst>
-          </a:blip>
-          <a:stretch>
-            <a:fillRect/>
-          </a:stretch>
-        </p:blipFill>
-        <p:spPr>
-          <a:xfrm>
-            <a:off x="35872629" y="5973703"/>
-            <a:ext cx="6938021" cy="6172708"/>
-          </a:xfrm>
-          <a:prstGeom prst="rect">
-            <a:avLst/>
-          </a:prstGeom>
-        </p:spPr>
-      </p:pic>
-      <p:pic>
-        <p:nvPicPr>
-          <p:cNvPr id="26" name="Picture 25"/>
-          <p:cNvPicPr>
-            <a:picLocks noChangeAspect="1"/>
-          </p:cNvPicPr>
-          <p:nvPr/>
-        </p:nvPicPr>
-        <p:blipFill>
-          <a:blip r:embed="rId9">
-            <a:extLst>
-              <a:ext uri="{28A0092B-C50C-407E-A947-70E740481C1C}">
-                <a14:useLocalDpi xmlns:a14="http://schemas.microsoft.com/office/drawing/2010/main" val="0"/>
-              </a:ext>
-            </a:extLst>
-          </a:blip>
-          <a:stretch>
-            <a:fillRect/>
-          </a:stretch>
-        </p:blipFill>
-        <p:spPr>
-          <a:xfrm>
-            <a:off x="19797475" y="6105273"/>
-            <a:ext cx="6815510" cy="6167557"/>
-          </a:xfrm>
-          <a:prstGeom prst="rect">
-            <a:avLst/>
-          </a:prstGeom>
-        </p:spPr>
-      </p:pic>
-      <p:sp>
-        <p:nvSpPr>
-          <p:cNvPr id="69" name="TextBox 68"/>
-          <p:cNvSpPr txBox="1"/>
-          <p:nvPr/>
-        </p:nvSpPr>
-        <p:spPr>
-          <a:xfrm>
-            <a:off x="13014666" y="6017047"/>
-            <a:ext cx="6877164" cy="5509200"/>
-          </a:xfrm>
-          <a:prstGeom prst="rect">
-            <a:avLst/>
-          </a:prstGeom>
-          <a:noFill/>
-        </p:spPr>
-        <p:txBody>
-          <a:bodyPr wrap="square" rtlCol="0">
-            <a:spAutoFit/>
-          </a:bodyPr>
-          <a:lstStyle/>
-          <a:p>
-            <a:r>
-              <a:rPr lang="en-US" sz="4400" dirty="0" smtClean="0">
-                <a:latin typeface="Times New Roman" charset="0"/>
-                <a:ea typeface="Times New Roman" charset="0"/>
-                <a:cs typeface="Times New Roman" charset="0"/>
-              </a:rPr>
-              <a:t>•</a:t>
-            </a:r>
-            <a:r>
-              <a:rPr lang="en-US" sz="4400" dirty="0">
-                <a:latin typeface="Times New Roman" charset="0"/>
-                <a:ea typeface="Times New Roman" charset="0"/>
-                <a:cs typeface="Times New Roman" charset="0"/>
-              </a:rPr>
-              <a:t> </a:t>
-            </a:r>
-            <a:r>
-              <a:rPr lang="en-US" sz="4400" dirty="0" smtClean="0">
-                <a:latin typeface="Times New Roman" charset="0"/>
-                <a:ea typeface="Times New Roman" charset="0"/>
-                <a:cs typeface="Times New Roman" charset="0"/>
-              </a:rPr>
-              <a:t>Users</a:t>
-            </a:r>
-            <a:r>
-              <a:rPr lang="zh-CN" altLang="en-US" sz="4400" dirty="0" smtClean="0">
-                <a:latin typeface="Times New Roman" charset="0"/>
-                <a:ea typeface="Times New Roman" charset="0"/>
-                <a:cs typeface="Times New Roman" charset="0"/>
-              </a:rPr>
-              <a:t> </a:t>
-            </a:r>
-            <a:r>
-              <a:rPr lang="en-US" sz="4400" dirty="0" smtClean="0">
-                <a:latin typeface="Times New Roman" charset="0"/>
-                <a:ea typeface="Times New Roman" charset="0"/>
-                <a:cs typeface="Times New Roman" charset="0"/>
-              </a:rPr>
-              <a:t>configure</a:t>
-            </a:r>
-            <a:r>
-              <a:rPr lang="zh-CN" altLang="en-US" sz="4400" dirty="0">
-                <a:latin typeface="Times New Roman" charset="0"/>
-                <a:ea typeface="Times New Roman" charset="0"/>
-                <a:cs typeface="Times New Roman" charset="0"/>
-              </a:rPr>
-              <a:t> </a:t>
-            </a:r>
-            <a:r>
-              <a:rPr lang="en-US" sz="4400" dirty="0" smtClean="0">
-                <a:latin typeface="Times New Roman" charset="0"/>
-                <a:ea typeface="Times New Roman" charset="0"/>
-                <a:cs typeface="Times New Roman" charset="0"/>
-              </a:rPr>
-              <a:t>priori</a:t>
-            </a:r>
-            <a:r>
-              <a:rPr lang="en-US" altLang="zh-CN" sz="4400" dirty="0" smtClean="0">
-                <a:latin typeface="Times New Roman" charset="0"/>
-                <a:ea typeface="Times New Roman" charset="0"/>
-                <a:cs typeface="Times New Roman" charset="0"/>
-              </a:rPr>
-              <a:t>ti</a:t>
-            </a:r>
-            <a:r>
-              <a:rPr lang="en-US" sz="4400" dirty="0" smtClean="0">
-                <a:latin typeface="Times New Roman" charset="0"/>
-                <a:ea typeface="Times New Roman" charset="0"/>
-                <a:cs typeface="Times New Roman" charset="0"/>
-              </a:rPr>
-              <a:t>es</a:t>
-            </a:r>
-            <a:r>
-              <a:rPr lang="zh-CN" altLang="en-US" sz="4400" dirty="0" smtClean="0">
-                <a:latin typeface="Times New Roman" charset="0"/>
-                <a:ea typeface="Times New Roman" charset="0"/>
-                <a:cs typeface="Times New Roman" charset="0"/>
-              </a:rPr>
-              <a:t> </a:t>
-            </a:r>
-            <a:r>
-              <a:rPr lang="en-US" sz="4400" dirty="0" smtClean="0">
-                <a:latin typeface="Times New Roman" charset="0"/>
-                <a:ea typeface="Times New Roman" charset="0"/>
-                <a:cs typeface="Times New Roman" charset="0"/>
-              </a:rPr>
-              <a:t>for</a:t>
-            </a:r>
-            <a:r>
-              <a:rPr lang="zh-CN" altLang="en-US" sz="4400" dirty="0">
-                <a:latin typeface="Times New Roman" charset="0"/>
-                <a:ea typeface="Times New Roman" charset="0"/>
-                <a:cs typeface="Times New Roman" charset="0"/>
-              </a:rPr>
-              <a:t> </a:t>
-            </a:r>
-            <a:r>
-              <a:rPr lang="en-US" sz="4400" dirty="0" smtClean="0">
-                <a:latin typeface="Times New Roman" charset="0"/>
-                <a:ea typeface="Times New Roman" charset="0"/>
-                <a:cs typeface="Times New Roman" charset="0"/>
-              </a:rPr>
-              <a:t>specific</a:t>
-            </a:r>
-            <a:r>
-              <a:rPr lang="zh-CN" altLang="en-US" sz="4400" dirty="0">
-                <a:latin typeface="Times New Roman" charset="0"/>
-                <a:ea typeface="Times New Roman" charset="0"/>
-                <a:cs typeface="Times New Roman" charset="0"/>
-              </a:rPr>
-              <a:t> </a:t>
-            </a:r>
-            <a:r>
-              <a:rPr lang="en-US" sz="4400" dirty="0" smtClean="0">
-                <a:latin typeface="Times New Roman" charset="0"/>
-                <a:ea typeface="Times New Roman" charset="0"/>
-                <a:cs typeface="Times New Roman" charset="0"/>
-              </a:rPr>
-              <a:t>high</a:t>
-            </a:r>
-            <a:r>
-              <a:rPr lang="en-US" altLang="zh-CN" sz="4400" dirty="0" smtClean="0">
-                <a:latin typeface="Times New Roman" charset="0"/>
-                <a:ea typeface="Times New Roman" charset="0"/>
-                <a:cs typeface="Times New Roman" charset="0"/>
-              </a:rPr>
-              <a:t>-</a:t>
-            </a:r>
-            <a:r>
-              <a:rPr lang="en-US" sz="4400" dirty="0" smtClean="0">
-                <a:latin typeface="Times New Roman" charset="0"/>
-                <a:ea typeface="Times New Roman" charset="0"/>
-                <a:cs typeface="Times New Roman" charset="0"/>
-              </a:rPr>
-              <a:t>level</a:t>
-            </a:r>
-            <a:r>
-              <a:rPr lang="zh-CN" altLang="en-US" sz="4400" dirty="0">
-                <a:latin typeface="Times New Roman" charset="0"/>
-                <a:ea typeface="Times New Roman" charset="0"/>
-                <a:cs typeface="Times New Roman" charset="0"/>
-              </a:rPr>
-              <a:t> </a:t>
-            </a:r>
-            <a:r>
-              <a:rPr lang="en-US" sz="4400" dirty="0" smtClean="0">
-                <a:latin typeface="Times New Roman" charset="0"/>
-                <a:ea typeface="Times New Roman" charset="0"/>
-                <a:cs typeface="Times New Roman" charset="0"/>
-              </a:rPr>
-              <a:t>applica</a:t>
-            </a:r>
-            <a:r>
-              <a:rPr lang="en-US" altLang="zh-CN" sz="4400" dirty="0" smtClean="0">
-                <a:latin typeface="Times New Roman" charset="0"/>
-                <a:ea typeface="Times New Roman" charset="0"/>
-                <a:cs typeface="Times New Roman" charset="0"/>
-              </a:rPr>
-              <a:t>ti</a:t>
-            </a:r>
-            <a:r>
-              <a:rPr lang="en-US" sz="4400" dirty="0" smtClean="0">
-                <a:latin typeface="Times New Roman" charset="0"/>
-                <a:ea typeface="Times New Roman" charset="0"/>
-                <a:cs typeface="Times New Roman" charset="0"/>
-              </a:rPr>
-              <a:t>ons</a:t>
-            </a:r>
-            <a:r>
-              <a:rPr lang="en-US" sz="4400" dirty="0">
-                <a:latin typeface="Times New Roman" charset="0"/>
-                <a:ea typeface="Times New Roman" charset="0"/>
-                <a:cs typeface="Times New Roman" charset="0"/>
-              </a:rPr>
-              <a:t>.</a:t>
-            </a:r>
-            <a:endParaRPr lang="zh-CN" altLang="en-US" sz="4400" dirty="0" smtClean="0">
-              <a:latin typeface="Times New Roman" charset="0"/>
-              <a:ea typeface="Times New Roman" charset="0"/>
-              <a:cs typeface="Times New Roman" charset="0"/>
-            </a:endParaRPr>
-          </a:p>
-          <a:p>
-            <a:r>
-              <a:rPr lang="en-US" sz="4400" dirty="0" smtClean="0">
-                <a:latin typeface="Times New Roman" charset="0"/>
-                <a:ea typeface="Times New Roman" charset="0"/>
-                <a:cs typeface="Times New Roman" charset="0"/>
-              </a:rPr>
-              <a:t>•</a:t>
-            </a:r>
-            <a:r>
-              <a:rPr lang="en-US" sz="4400" dirty="0" smtClean="0">
-                <a:latin typeface="Times New Roman" charset="0"/>
-                <a:ea typeface="Times New Roman" charset="0"/>
-                <a:cs typeface="Times New Roman" charset="0"/>
-              </a:rPr>
-              <a:t>The</a:t>
-            </a:r>
-            <a:r>
-              <a:rPr lang="zh-CN" altLang="en-US" sz="4400" dirty="0" smtClean="0">
-                <a:latin typeface="Times New Roman" charset="0"/>
-                <a:ea typeface="Times New Roman" charset="0"/>
-                <a:cs typeface="Times New Roman" charset="0"/>
-              </a:rPr>
-              <a:t> </a:t>
-            </a:r>
-            <a:r>
-              <a:rPr lang="en-US" sz="4400" dirty="0" smtClean="0">
-                <a:latin typeface="Times New Roman" charset="0"/>
-                <a:ea typeface="Times New Roman" charset="0"/>
-                <a:cs typeface="Times New Roman" charset="0"/>
-              </a:rPr>
-              <a:t>output</a:t>
-            </a:r>
-            <a:r>
-              <a:rPr lang="zh-CN" altLang="en-US" sz="4400" dirty="0">
-                <a:latin typeface="Times New Roman" charset="0"/>
-                <a:ea typeface="Times New Roman" charset="0"/>
-                <a:cs typeface="Times New Roman" charset="0"/>
-              </a:rPr>
-              <a:t> </a:t>
-            </a:r>
-            <a:r>
-              <a:rPr lang="en-US" sz="4400" dirty="0" smtClean="0">
-                <a:latin typeface="Times New Roman" charset="0"/>
-                <a:ea typeface="Times New Roman" charset="0"/>
-                <a:cs typeface="Times New Roman" charset="0"/>
-              </a:rPr>
-              <a:t>from</a:t>
-            </a:r>
-            <a:r>
-              <a:rPr lang="zh-CN" altLang="en-US" sz="4400" dirty="0">
-                <a:latin typeface="Times New Roman" charset="0"/>
-                <a:ea typeface="Times New Roman" charset="0"/>
-                <a:cs typeface="Times New Roman" charset="0"/>
-              </a:rPr>
-              <a:t> </a:t>
-            </a:r>
-            <a:r>
-              <a:rPr lang="en-US" sz="4400" dirty="0" smtClean="0">
-                <a:latin typeface="Times New Roman" charset="0"/>
-                <a:ea typeface="Times New Roman" charset="0"/>
-                <a:cs typeface="Times New Roman" charset="0"/>
-              </a:rPr>
-              <a:t>the</a:t>
-            </a:r>
-            <a:r>
-              <a:rPr lang="zh-CN" altLang="en-US" sz="4400" dirty="0">
-                <a:latin typeface="Times New Roman" charset="0"/>
-                <a:ea typeface="Times New Roman" charset="0"/>
-                <a:cs typeface="Times New Roman" charset="0"/>
-              </a:rPr>
-              <a:t> </a:t>
-            </a:r>
-            <a:r>
-              <a:rPr lang="en-US" sz="4400" dirty="0" smtClean="0">
-                <a:latin typeface="Times New Roman" charset="0"/>
-                <a:ea typeface="Times New Roman" charset="0"/>
-                <a:cs typeface="Times New Roman" charset="0"/>
-              </a:rPr>
-              <a:t>portal</a:t>
-            </a:r>
-            <a:r>
-              <a:rPr lang="zh-CN" altLang="en-US" sz="4400" dirty="0">
-                <a:latin typeface="Times New Roman" charset="0"/>
-                <a:ea typeface="Times New Roman" charset="0"/>
-                <a:cs typeface="Times New Roman" charset="0"/>
-              </a:rPr>
-              <a:t> </a:t>
-            </a:r>
-            <a:r>
-              <a:rPr lang="en-US" sz="4400" dirty="0" smtClean="0">
-                <a:latin typeface="Times New Roman" charset="0"/>
-                <a:ea typeface="Times New Roman" charset="0"/>
-                <a:cs typeface="Times New Roman" charset="0"/>
-              </a:rPr>
-              <a:t>is</a:t>
-            </a:r>
-            <a:r>
-              <a:rPr lang="zh-CN" altLang="en-US" sz="4400" dirty="0">
-                <a:latin typeface="Times New Roman" charset="0"/>
-                <a:ea typeface="Times New Roman" charset="0"/>
-                <a:cs typeface="Times New Roman" charset="0"/>
-              </a:rPr>
-              <a:t> </a:t>
-            </a:r>
-            <a:r>
-              <a:rPr lang="en-US" sz="4400" dirty="0" smtClean="0">
-                <a:latin typeface="Times New Roman" charset="0"/>
-                <a:ea typeface="Times New Roman" charset="0"/>
-                <a:cs typeface="Times New Roman" charset="0"/>
-              </a:rPr>
-              <a:t>a</a:t>
-            </a:r>
-            <a:r>
-              <a:rPr lang="zh-CN" altLang="en-US" sz="4400" dirty="0">
-                <a:latin typeface="Times New Roman" charset="0"/>
-                <a:ea typeface="Times New Roman" charset="0"/>
-                <a:cs typeface="Times New Roman" charset="0"/>
-              </a:rPr>
-              <a:t> </a:t>
-            </a:r>
-            <a:r>
-              <a:rPr lang="en-US" sz="4400" dirty="0" smtClean="0">
-                <a:latin typeface="Times New Roman" charset="0"/>
-                <a:ea typeface="Times New Roman" charset="0"/>
-                <a:cs typeface="Times New Roman" charset="0"/>
-              </a:rPr>
-              <a:t>configura</a:t>
-            </a:r>
-            <a:r>
-              <a:rPr lang="en-US" altLang="zh-CN" sz="4400" dirty="0" smtClean="0">
-                <a:latin typeface="Times New Roman" charset="0"/>
-                <a:ea typeface="Times New Roman" charset="0"/>
-                <a:cs typeface="Times New Roman" charset="0"/>
-              </a:rPr>
-              <a:t>ti</a:t>
-            </a:r>
-            <a:r>
-              <a:rPr lang="en-US" sz="4400" dirty="0" smtClean="0">
-                <a:latin typeface="Times New Roman" charset="0"/>
-                <a:ea typeface="Times New Roman" charset="0"/>
-                <a:cs typeface="Times New Roman" charset="0"/>
-              </a:rPr>
-              <a:t>on</a:t>
-            </a:r>
-            <a:r>
-              <a:rPr lang="zh-CN" altLang="en-US" sz="4400" dirty="0">
-                <a:latin typeface="Times New Roman" charset="0"/>
-                <a:ea typeface="Times New Roman" charset="0"/>
-                <a:cs typeface="Times New Roman" charset="0"/>
-              </a:rPr>
-              <a:t> </a:t>
-            </a:r>
-            <a:r>
-              <a:rPr lang="en-US" sz="4400" dirty="0" smtClean="0">
-                <a:latin typeface="Times New Roman" charset="0"/>
-                <a:ea typeface="Times New Roman" charset="0"/>
-                <a:cs typeface="Times New Roman" charset="0"/>
-              </a:rPr>
-              <a:t>file</a:t>
-            </a:r>
-            <a:r>
-              <a:rPr lang="zh-CN" altLang="en-US" sz="4400" dirty="0">
-                <a:latin typeface="Times New Roman" charset="0"/>
-                <a:ea typeface="Times New Roman" charset="0"/>
-                <a:cs typeface="Times New Roman" charset="0"/>
-              </a:rPr>
-              <a:t> </a:t>
-            </a:r>
-            <a:r>
-              <a:rPr lang="en-US" sz="4400" dirty="0" smtClean="0">
-                <a:latin typeface="Times New Roman" charset="0"/>
-                <a:ea typeface="Times New Roman" charset="0"/>
-                <a:cs typeface="Times New Roman" charset="0"/>
-              </a:rPr>
-              <a:t>that</a:t>
-            </a:r>
-            <a:r>
-              <a:rPr lang="zh-CN" altLang="en-US" sz="4400" dirty="0">
-                <a:latin typeface="Times New Roman" charset="0"/>
-                <a:ea typeface="Times New Roman" charset="0"/>
-                <a:cs typeface="Times New Roman" charset="0"/>
-              </a:rPr>
-              <a:t> </a:t>
-            </a:r>
-            <a:r>
-              <a:rPr lang="en-US" sz="4400" dirty="0" smtClean="0">
-                <a:latin typeface="Times New Roman" charset="0"/>
-                <a:ea typeface="Times New Roman" charset="0"/>
-                <a:cs typeface="Times New Roman" charset="0"/>
-              </a:rPr>
-              <a:t>the</a:t>
-            </a:r>
-            <a:r>
-              <a:rPr lang="zh-CN" altLang="en-US" sz="4400" dirty="0">
-                <a:latin typeface="Times New Roman" charset="0"/>
-                <a:ea typeface="Times New Roman" charset="0"/>
-                <a:cs typeface="Times New Roman" charset="0"/>
-              </a:rPr>
-              <a:t> </a:t>
-            </a:r>
-            <a:r>
-              <a:rPr lang="en-US" sz="4400" dirty="0" smtClean="0">
-                <a:latin typeface="Times New Roman" charset="0"/>
-                <a:ea typeface="Times New Roman" charset="0"/>
-                <a:cs typeface="Times New Roman" charset="0"/>
-              </a:rPr>
-              <a:t>rate</a:t>
-            </a:r>
-            <a:r>
-              <a:rPr lang="zh-CN" altLang="en-US" sz="4400" dirty="0">
-                <a:latin typeface="Times New Roman" charset="0"/>
-                <a:ea typeface="Times New Roman" charset="0"/>
-                <a:cs typeface="Times New Roman" charset="0"/>
-              </a:rPr>
-              <a:t> </a:t>
-            </a:r>
-            <a:r>
-              <a:rPr lang="en-US" sz="4400" dirty="0" smtClean="0">
-                <a:latin typeface="Times New Roman" charset="0"/>
-                <a:ea typeface="Times New Roman" charset="0"/>
-                <a:cs typeface="Times New Roman" charset="0"/>
-              </a:rPr>
-              <a:t>shaper</a:t>
-            </a:r>
-            <a:r>
-              <a:rPr lang="zh-CN" altLang="en-US" sz="4400" dirty="0">
-                <a:latin typeface="Times New Roman" charset="0"/>
-                <a:ea typeface="Times New Roman" charset="0"/>
-                <a:cs typeface="Times New Roman" charset="0"/>
-              </a:rPr>
-              <a:t> </a:t>
-            </a:r>
-            <a:r>
-              <a:rPr lang="en-US" sz="4400" dirty="0" smtClean="0">
-                <a:latin typeface="Times New Roman" charset="0"/>
-                <a:ea typeface="Times New Roman" charset="0"/>
-                <a:cs typeface="Times New Roman" charset="0"/>
-              </a:rPr>
-              <a:t>uses</a:t>
-            </a:r>
-            <a:r>
-              <a:rPr lang="zh-CN" altLang="en-US" sz="4400" dirty="0">
-                <a:latin typeface="Times New Roman" charset="0"/>
-                <a:ea typeface="Times New Roman" charset="0"/>
-                <a:cs typeface="Times New Roman" charset="0"/>
-              </a:rPr>
-              <a:t> </a:t>
-            </a:r>
-            <a:r>
-              <a:rPr lang="en-US" sz="4400" dirty="0" smtClean="0">
-                <a:latin typeface="Times New Roman" charset="0"/>
-                <a:ea typeface="Times New Roman" charset="0"/>
-                <a:cs typeface="Times New Roman" charset="0"/>
-              </a:rPr>
-              <a:t>for</a:t>
-            </a:r>
-            <a:r>
-              <a:rPr lang="zh-CN" altLang="en-US" sz="4400" dirty="0">
-                <a:latin typeface="Times New Roman" charset="0"/>
-                <a:ea typeface="Times New Roman" charset="0"/>
-                <a:cs typeface="Times New Roman" charset="0"/>
-              </a:rPr>
-              <a:t> </a:t>
-            </a:r>
-            <a:r>
-              <a:rPr lang="en-US" sz="4400" dirty="0" smtClean="0">
-                <a:latin typeface="Times New Roman" charset="0"/>
-                <a:ea typeface="Times New Roman" charset="0"/>
-                <a:cs typeface="Times New Roman" charset="0"/>
-              </a:rPr>
-              <a:t>shaping</a:t>
-            </a:r>
-            <a:r>
-              <a:rPr lang="zh-CN" altLang="en-US" sz="4400" dirty="0">
-                <a:latin typeface="Times New Roman" charset="0"/>
-                <a:ea typeface="Times New Roman" charset="0"/>
-                <a:cs typeface="Times New Roman" charset="0"/>
-              </a:rPr>
-              <a:t> </a:t>
-            </a:r>
-            <a:r>
-              <a:rPr lang="en-US" sz="4400" dirty="0" smtClean="0">
-                <a:latin typeface="Times New Roman" charset="0"/>
-                <a:ea typeface="Times New Roman" charset="0"/>
-                <a:cs typeface="Times New Roman" charset="0"/>
-              </a:rPr>
-              <a:t>traffic</a:t>
-            </a:r>
-            <a:r>
-              <a:rPr lang="en-US" sz="4400" dirty="0">
-                <a:latin typeface="Times New Roman" charset="0"/>
-                <a:ea typeface="Times New Roman" charset="0"/>
-                <a:cs typeface="Times New Roman" charset="0"/>
-              </a:rPr>
-              <a:t>.</a:t>
-            </a:r>
-            <a:endParaRPr lang="zh-CN" altLang="en-US" sz="4400" dirty="0" smtClean="0">
-              <a:latin typeface="Times New Roman" charset="0"/>
-              <a:ea typeface="Times New Roman" charset="0"/>
-              <a:cs typeface="Times New Roman" charset="0"/>
-            </a:endParaRPr>
-          </a:p>
-          <a:p>
-            <a:pPr marL="465138" indent="-465138">
-              <a:spcAft>
-                <a:spcPts val="1800"/>
-              </a:spcAft>
-              <a:tabLst>
-                <a:tab pos="1185863" algn="l"/>
-              </a:tabLst>
-            </a:pPr>
-            <a:endParaRPr lang="en-US" sz="4400" dirty="0">
-              <a:latin typeface="Times New Roman" charset="0"/>
-              <a:ea typeface="Times New Roman" charset="0"/>
-              <a:cs typeface="Times New Roman" charset="0"/>
-            </a:endParaRPr>
-          </a:p>
-        </p:txBody>
-      </p:sp>
-      <p:sp>
-        <p:nvSpPr>
-          <p:cNvPr id="70" name="TextBox 69"/>
-          <p:cNvSpPr txBox="1"/>
-          <p:nvPr/>
-        </p:nvSpPr>
-        <p:spPr>
-          <a:xfrm>
-            <a:off x="26978683" y="6060777"/>
-            <a:ext cx="8734308" cy="5509200"/>
-          </a:xfrm>
-          <a:prstGeom prst="rect">
-            <a:avLst/>
-          </a:prstGeom>
-          <a:noFill/>
-        </p:spPr>
-        <p:txBody>
-          <a:bodyPr wrap="square" rtlCol="0">
-            <a:spAutoFit/>
-          </a:bodyPr>
-          <a:lstStyle/>
-          <a:p>
-            <a:r>
-              <a:rPr lang="en-US" sz="4400" dirty="0" smtClean="0">
-                <a:latin typeface="Times New Roman" charset="0"/>
-                <a:ea typeface="Times New Roman" charset="0"/>
-                <a:cs typeface="Times New Roman" charset="0"/>
-              </a:rPr>
-              <a:t>•Enables</a:t>
-            </a:r>
-            <a:r>
-              <a:rPr lang="zh-CN" altLang="en-US" sz="4400" dirty="0" smtClean="0">
-                <a:latin typeface="Times New Roman" charset="0"/>
-                <a:ea typeface="Times New Roman" charset="0"/>
-                <a:cs typeface="Times New Roman" charset="0"/>
-              </a:rPr>
-              <a:t> </a:t>
-            </a:r>
-            <a:r>
-              <a:rPr lang="en-US" sz="4400" dirty="0" smtClean="0">
-                <a:latin typeface="Times New Roman" charset="0"/>
-                <a:ea typeface="Times New Roman" charset="0"/>
-                <a:cs typeface="Times New Roman" charset="0"/>
-              </a:rPr>
-              <a:t>per</a:t>
-            </a:r>
-            <a:r>
-              <a:rPr lang="en-US" altLang="zh-CN" sz="4400" dirty="0" smtClean="0">
-                <a:latin typeface="Times New Roman" charset="0"/>
-                <a:ea typeface="Times New Roman" charset="0"/>
-                <a:cs typeface="Times New Roman" charset="0"/>
-              </a:rPr>
-              <a:t>-</a:t>
-            </a:r>
-            <a:r>
-              <a:rPr lang="en-US" sz="4400" dirty="0" smtClean="0">
-                <a:latin typeface="Times New Roman" charset="0"/>
-                <a:ea typeface="Times New Roman" charset="0"/>
-                <a:cs typeface="Times New Roman" charset="0"/>
-              </a:rPr>
-              <a:t>flow</a:t>
-            </a:r>
-            <a:r>
-              <a:rPr lang="zh-CN" altLang="en-US" sz="4400" dirty="0" smtClean="0">
-                <a:latin typeface="Times New Roman" charset="0"/>
-                <a:ea typeface="Times New Roman" charset="0"/>
-                <a:cs typeface="Times New Roman" charset="0"/>
-              </a:rPr>
-              <a:t> </a:t>
-            </a:r>
-            <a:r>
-              <a:rPr lang="en-US" sz="4400" dirty="0" err="1" smtClean="0">
-                <a:latin typeface="Times New Roman" charset="0"/>
-                <a:ea typeface="Times New Roman" charset="0"/>
-                <a:cs typeface="Times New Roman" charset="0"/>
-              </a:rPr>
-              <a:t>QoS</a:t>
-            </a:r>
-            <a:r>
-              <a:rPr lang="zh-CN" altLang="en-US" sz="4400" dirty="0" smtClean="0">
-                <a:latin typeface="Times New Roman" charset="0"/>
-                <a:ea typeface="Times New Roman" charset="0"/>
-                <a:cs typeface="Times New Roman" charset="0"/>
-              </a:rPr>
-              <a:t> </a:t>
-            </a:r>
-            <a:r>
-              <a:rPr lang="en-US" sz="4400" dirty="0" smtClean="0">
-                <a:latin typeface="Times New Roman" charset="0"/>
-                <a:ea typeface="Times New Roman" charset="0"/>
-                <a:cs typeface="Times New Roman" charset="0"/>
-              </a:rPr>
-              <a:t>by</a:t>
-            </a:r>
-            <a:r>
-              <a:rPr lang="zh-CN" altLang="en-US" sz="4400" dirty="0" smtClean="0">
-                <a:latin typeface="Times New Roman" charset="0"/>
-                <a:ea typeface="Times New Roman" charset="0"/>
-                <a:cs typeface="Times New Roman" charset="0"/>
-              </a:rPr>
-              <a:t> </a:t>
-            </a:r>
-            <a:r>
-              <a:rPr lang="en-US" sz="4400" dirty="0" smtClean="0">
-                <a:latin typeface="Times New Roman" charset="0"/>
-                <a:ea typeface="Times New Roman" charset="0"/>
-                <a:cs typeface="Times New Roman" charset="0"/>
-              </a:rPr>
-              <a:t>instan</a:t>
-            </a:r>
-            <a:r>
-              <a:rPr lang="en-US" altLang="zh-CN" sz="4400" dirty="0" smtClean="0">
-                <a:latin typeface="Times New Roman" charset="0"/>
-                <a:ea typeface="Times New Roman" charset="0"/>
-                <a:cs typeface="Times New Roman" charset="0"/>
-              </a:rPr>
-              <a:t>ti</a:t>
-            </a:r>
-            <a:r>
-              <a:rPr lang="en-US" sz="4400" dirty="0" smtClean="0">
-                <a:latin typeface="Times New Roman" charset="0"/>
-                <a:ea typeface="Times New Roman" charset="0"/>
-                <a:cs typeface="Times New Roman" charset="0"/>
-              </a:rPr>
-              <a:t>a</a:t>
-            </a:r>
-            <a:r>
-              <a:rPr lang="en-US" altLang="zh-CN" sz="4400" dirty="0" smtClean="0">
-                <a:latin typeface="Times New Roman" charset="0"/>
-                <a:ea typeface="Times New Roman" charset="0"/>
-                <a:cs typeface="Times New Roman" charset="0"/>
-              </a:rPr>
-              <a:t>ti</a:t>
-            </a:r>
-            <a:r>
-              <a:rPr lang="en-US" sz="4400" dirty="0" smtClean="0">
-                <a:latin typeface="Times New Roman" charset="0"/>
-                <a:ea typeface="Times New Roman" charset="0"/>
-                <a:cs typeface="Times New Roman" charset="0"/>
-              </a:rPr>
-              <a:t>ng</a:t>
-            </a:r>
-            <a:r>
-              <a:rPr lang="zh-CN" altLang="en-US" sz="4400" dirty="0" smtClean="0">
-                <a:latin typeface="Times New Roman" charset="0"/>
-                <a:ea typeface="Times New Roman" charset="0"/>
-                <a:cs typeface="Times New Roman" charset="0"/>
-              </a:rPr>
-              <a:t> </a:t>
-            </a:r>
-            <a:r>
-              <a:rPr lang="en-US" sz="4400" dirty="0" smtClean="0">
-                <a:latin typeface="Times New Roman" charset="0"/>
-                <a:ea typeface="Times New Roman" charset="0"/>
-                <a:cs typeface="Times New Roman" charset="0"/>
-              </a:rPr>
-              <a:t>a</a:t>
-            </a:r>
-            <a:r>
-              <a:rPr lang="zh-CN" altLang="en-US" sz="4400" dirty="0" smtClean="0">
-                <a:latin typeface="Times New Roman" charset="0"/>
-                <a:ea typeface="Times New Roman" charset="0"/>
-                <a:cs typeface="Times New Roman" charset="0"/>
-              </a:rPr>
-              <a:t> </a:t>
-            </a:r>
-            <a:r>
-              <a:rPr lang="en-US" sz="4400" dirty="0" smtClean="0">
-                <a:latin typeface="Times New Roman" charset="0"/>
-                <a:ea typeface="Times New Roman" charset="0"/>
-                <a:cs typeface="Times New Roman" charset="0"/>
-              </a:rPr>
-              <a:t>two-switch</a:t>
-            </a:r>
-            <a:r>
-              <a:rPr lang="zh-CN" altLang="en-US" sz="4400" dirty="0" smtClean="0">
-                <a:latin typeface="Times New Roman" charset="0"/>
-                <a:ea typeface="Times New Roman" charset="0"/>
-                <a:cs typeface="Times New Roman" charset="0"/>
-              </a:rPr>
-              <a:t> </a:t>
-            </a:r>
-            <a:r>
-              <a:rPr lang="en-US" sz="4400" dirty="0" smtClean="0">
-                <a:latin typeface="Times New Roman" charset="0"/>
-                <a:ea typeface="Times New Roman" charset="0"/>
-                <a:cs typeface="Times New Roman" charset="0"/>
-              </a:rPr>
-              <a:t>virtual</a:t>
-            </a:r>
-            <a:r>
-              <a:rPr lang="zh-CN" altLang="en-US" sz="4400" dirty="0" smtClean="0">
-                <a:latin typeface="Times New Roman" charset="0"/>
-                <a:ea typeface="Times New Roman" charset="0"/>
-                <a:cs typeface="Times New Roman" charset="0"/>
-              </a:rPr>
-              <a:t> </a:t>
-            </a:r>
-            <a:r>
-              <a:rPr lang="en-US" sz="4400" dirty="0" smtClean="0">
-                <a:latin typeface="Times New Roman" charset="0"/>
-                <a:ea typeface="Times New Roman" charset="0"/>
-                <a:cs typeface="Times New Roman" charset="0"/>
-              </a:rPr>
-              <a:t>topology</a:t>
-            </a:r>
-            <a:r>
-              <a:rPr lang="en-US" sz="4400" dirty="0">
-                <a:latin typeface="Times New Roman" charset="0"/>
-                <a:ea typeface="Times New Roman" charset="0"/>
-                <a:cs typeface="Times New Roman" charset="0"/>
-              </a:rPr>
-              <a:t>.</a:t>
-            </a:r>
-          </a:p>
-          <a:p>
-            <a:r>
-              <a:rPr lang="en-US" sz="4400" dirty="0">
-                <a:latin typeface="Times New Roman" charset="0"/>
-                <a:ea typeface="Times New Roman" charset="0"/>
-                <a:cs typeface="Times New Roman" charset="0"/>
-              </a:rPr>
-              <a:t>• </a:t>
-            </a:r>
-            <a:r>
-              <a:rPr lang="en-US" sz="4400" dirty="0" smtClean="0">
-                <a:latin typeface="Times New Roman" charset="0"/>
-                <a:ea typeface="Times New Roman" charset="0"/>
-                <a:cs typeface="Times New Roman" charset="0"/>
-              </a:rPr>
-              <a:t>Each</a:t>
-            </a:r>
-            <a:r>
-              <a:rPr lang="zh-CN" altLang="en-US" sz="4400" dirty="0" smtClean="0">
-                <a:latin typeface="Times New Roman" charset="0"/>
-                <a:ea typeface="Times New Roman" charset="0"/>
-                <a:cs typeface="Times New Roman" charset="0"/>
-              </a:rPr>
-              <a:t> </a:t>
-            </a:r>
-            <a:r>
-              <a:rPr lang="en-US" sz="4400" dirty="0" smtClean="0">
-                <a:latin typeface="Times New Roman" charset="0"/>
-                <a:ea typeface="Times New Roman" charset="0"/>
-                <a:cs typeface="Times New Roman" charset="0"/>
-              </a:rPr>
-              <a:t>virtual</a:t>
-            </a:r>
-            <a:r>
-              <a:rPr lang="zh-CN" altLang="en-US" sz="4400" dirty="0" smtClean="0">
-                <a:latin typeface="Times New Roman" charset="0"/>
-                <a:ea typeface="Times New Roman" charset="0"/>
-                <a:cs typeface="Times New Roman" charset="0"/>
-              </a:rPr>
-              <a:t> </a:t>
-            </a:r>
-            <a:r>
-              <a:rPr lang="en-US" sz="4400" dirty="0" smtClean="0">
-                <a:latin typeface="Times New Roman" charset="0"/>
-                <a:ea typeface="Times New Roman" charset="0"/>
-                <a:cs typeface="Times New Roman" charset="0"/>
-              </a:rPr>
-              <a:t>link</a:t>
-            </a:r>
-            <a:r>
-              <a:rPr lang="zh-CN" altLang="en-US" sz="4400" dirty="0" smtClean="0">
-                <a:latin typeface="Times New Roman" charset="0"/>
-                <a:ea typeface="Times New Roman" charset="0"/>
-                <a:cs typeface="Times New Roman" charset="0"/>
-              </a:rPr>
-              <a:t> </a:t>
-            </a:r>
-            <a:r>
-              <a:rPr lang="en-US" sz="4400" dirty="0" smtClean="0">
-                <a:latin typeface="Times New Roman" charset="0"/>
-                <a:ea typeface="Times New Roman" charset="0"/>
-                <a:cs typeface="Times New Roman" charset="0"/>
-              </a:rPr>
-              <a:t>between</a:t>
-            </a:r>
-            <a:r>
-              <a:rPr lang="zh-CN" altLang="en-US" sz="4400" dirty="0" smtClean="0">
-                <a:latin typeface="Times New Roman" charset="0"/>
-                <a:ea typeface="Times New Roman" charset="0"/>
-                <a:cs typeface="Times New Roman" charset="0"/>
-              </a:rPr>
-              <a:t> </a:t>
-            </a:r>
-            <a:r>
-              <a:rPr lang="en-US" sz="4400" dirty="0" smtClean="0">
-                <a:latin typeface="Times New Roman" charset="0"/>
-                <a:ea typeface="Times New Roman" charset="0"/>
-                <a:cs typeface="Times New Roman" charset="0"/>
-              </a:rPr>
-              <a:t>the</a:t>
-            </a:r>
-            <a:r>
-              <a:rPr lang="zh-CN" altLang="en-US" sz="4400" dirty="0" smtClean="0">
-                <a:latin typeface="Times New Roman" charset="0"/>
-                <a:ea typeface="Times New Roman" charset="0"/>
-                <a:cs typeface="Times New Roman" charset="0"/>
-              </a:rPr>
-              <a:t> </a:t>
-            </a:r>
-            <a:r>
-              <a:rPr lang="en-US" sz="4400" dirty="0" smtClean="0">
-                <a:latin typeface="Times New Roman" charset="0"/>
-                <a:ea typeface="Times New Roman" charset="0"/>
-                <a:cs typeface="Times New Roman" charset="0"/>
-              </a:rPr>
-              <a:t>two</a:t>
-            </a:r>
-            <a:r>
-              <a:rPr lang="zh-CN" altLang="en-US" sz="4400" dirty="0" smtClean="0">
-                <a:latin typeface="Times New Roman" charset="0"/>
-                <a:ea typeface="Times New Roman" charset="0"/>
-                <a:cs typeface="Times New Roman" charset="0"/>
-              </a:rPr>
-              <a:t> </a:t>
-            </a:r>
-            <a:r>
-              <a:rPr lang="en-US" sz="4400" dirty="0" smtClean="0">
-                <a:latin typeface="Times New Roman" charset="0"/>
-                <a:ea typeface="Times New Roman" charset="0"/>
-                <a:cs typeface="Times New Roman" charset="0"/>
-              </a:rPr>
-              <a:t>switches</a:t>
-            </a:r>
-            <a:r>
-              <a:rPr lang="zh-CN" altLang="en-US" sz="4400" dirty="0" smtClean="0">
-                <a:latin typeface="Times New Roman" charset="0"/>
-                <a:ea typeface="Times New Roman" charset="0"/>
-                <a:cs typeface="Times New Roman" charset="0"/>
-              </a:rPr>
-              <a:t> </a:t>
-            </a:r>
-            <a:r>
-              <a:rPr lang="en-US" sz="4400" dirty="0" smtClean="0">
-                <a:latin typeface="Times New Roman" charset="0"/>
-                <a:ea typeface="Times New Roman" charset="0"/>
-                <a:cs typeface="Times New Roman" charset="0"/>
-              </a:rPr>
-              <a:t>corresponds</a:t>
-            </a:r>
-            <a:r>
-              <a:rPr lang="zh-CN" altLang="en-US" sz="4400" dirty="0" smtClean="0">
-                <a:latin typeface="Times New Roman" charset="0"/>
-                <a:ea typeface="Times New Roman" charset="0"/>
-                <a:cs typeface="Times New Roman" charset="0"/>
-              </a:rPr>
-              <a:t> </a:t>
-            </a:r>
-            <a:r>
-              <a:rPr lang="en-US" sz="4400" dirty="0" smtClean="0">
-                <a:latin typeface="Times New Roman" charset="0"/>
-                <a:ea typeface="Times New Roman" charset="0"/>
-                <a:cs typeface="Times New Roman" charset="0"/>
-              </a:rPr>
-              <a:t>to</a:t>
-            </a:r>
-            <a:r>
-              <a:rPr lang="zh-CN" altLang="en-US" sz="4400" dirty="0" smtClean="0">
-                <a:latin typeface="Times New Roman" charset="0"/>
-                <a:ea typeface="Times New Roman" charset="0"/>
-                <a:cs typeface="Times New Roman" charset="0"/>
-              </a:rPr>
-              <a:t> </a:t>
-            </a:r>
-            <a:r>
-              <a:rPr lang="en-US" sz="4400" dirty="0" smtClean="0">
-                <a:latin typeface="Times New Roman" charset="0"/>
-                <a:ea typeface="Times New Roman" charset="0"/>
-                <a:cs typeface="Times New Roman" charset="0"/>
-              </a:rPr>
-              <a:t>a</a:t>
-            </a:r>
-            <a:r>
-              <a:rPr lang="zh-CN" altLang="en-US" sz="4400" dirty="0" smtClean="0">
-                <a:latin typeface="Times New Roman" charset="0"/>
-                <a:ea typeface="Times New Roman" charset="0"/>
-                <a:cs typeface="Times New Roman" charset="0"/>
-              </a:rPr>
-              <a:t> </a:t>
-            </a:r>
-            <a:r>
-              <a:rPr lang="en-US" sz="4400" dirty="0" smtClean="0">
-                <a:latin typeface="Times New Roman" charset="0"/>
-                <a:ea typeface="Times New Roman" charset="0"/>
-                <a:cs typeface="Times New Roman" charset="0"/>
-              </a:rPr>
-              <a:t>different</a:t>
-            </a:r>
-            <a:endParaRPr lang="en-US" sz="4400" dirty="0">
-              <a:latin typeface="Times New Roman" charset="0"/>
-              <a:ea typeface="Times New Roman" charset="0"/>
-              <a:cs typeface="Times New Roman" charset="0"/>
-            </a:endParaRPr>
-          </a:p>
-          <a:p>
-            <a:r>
-              <a:rPr lang="en-US" altLang="zh-CN" sz="4400" dirty="0" smtClean="0">
-                <a:latin typeface="Times New Roman" charset="0"/>
-                <a:ea typeface="Times New Roman" charset="0"/>
-                <a:cs typeface="Times New Roman" charset="0"/>
-              </a:rPr>
-              <a:t>a</a:t>
-            </a:r>
-            <a:r>
-              <a:rPr lang="en-US" sz="4400" dirty="0" smtClean="0">
-                <a:latin typeface="Times New Roman" charset="0"/>
-                <a:ea typeface="Times New Roman" charset="0"/>
-                <a:cs typeface="Times New Roman" charset="0"/>
-              </a:rPr>
-              <a:t>pplica</a:t>
-            </a:r>
-            <a:r>
-              <a:rPr lang="en-US" altLang="zh-CN" sz="4400" dirty="0" smtClean="0">
-                <a:latin typeface="Times New Roman" charset="0"/>
-                <a:ea typeface="Times New Roman" charset="0"/>
-                <a:cs typeface="Times New Roman" charset="0"/>
-              </a:rPr>
-              <a:t>ti</a:t>
-            </a:r>
-            <a:r>
-              <a:rPr lang="en-US" sz="4400" dirty="0" smtClean="0">
-                <a:latin typeface="Times New Roman" charset="0"/>
-                <a:ea typeface="Times New Roman" charset="0"/>
-                <a:cs typeface="Times New Roman" charset="0"/>
-              </a:rPr>
-              <a:t>on</a:t>
-            </a:r>
-            <a:r>
-              <a:rPr lang="zh-CN" altLang="en-US" sz="4400" dirty="0" smtClean="0">
-                <a:latin typeface="Times New Roman" charset="0"/>
-                <a:ea typeface="Times New Roman" charset="0"/>
-                <a:cs typeface="Times New Roman" charset="0"/>
-              </a:rPr>
-              <a:t> </a:t>
-            </a:r>
-            <a:r>
-              <a:rPr lang="en-US" sz="4400" dirty="0" smtClean="0">
-                <a:latin typeface="Times New Roman" charset="0"/>
-                <a:ea typeface="Times New Roman" charset="0"/>
-                <a:cs typeface="Times New Roman" charset="0"/>
-              </a:rPr>
-              <a:t>group</a:t>
-            </a:r>
-            <a:r>
-              <a:rPr lang="en-US" sz="4400" dirty="0">
-                <a:latin typeface="Times New Roman" charset="0"/>
-                <a:ea typeface="Times New Roman" charset="0"/>
-                <a:cs typeface="Times New Roman" charset="0"/>
-              </a:rPr>
-              <a:t>.</a:t>
-            </a:r>
-          </a:p>
-          <a:p>
-            <a:r>
-              <a:rPr lang="en-US" sz="4400" dirty="0">
-                <a:latin typeface="Times New Roman" charset="0"/>
-                <a:ea typeface="Times New Roman" charset="0"/>
-                <a:cs typeface="Times New Roman" charset="0"/>
-              </a:rPr>
-              <a:t>• </a:t>
-            </a:r>
-            <a:r>
-              <a:rPr lang="en-US" sz="4400" dirty="0" smtClean="0">
-                <a:latin typeface="Times New Roman" charset="0"/>
-                <a:ea typeface="Times New Roman" charset="0"/>
-                <a:cs typeface="Times New Roman" charset="0"/>
-              </a:rPr>
-              <a:t>Each</a:t>
-            </a:r>
-            <a:r>
-              <a:rPr lang="zh-CN" altLang="en-US" sz="4400" dirty="0" smtClean="0">
-                <a:latin typeface="Times New Roman" charset="0"/>
-                <a:ea typeface="Times New Roman" charset="0"/>
-                <a:cs typeface="Times New Roman" charset="0"/>
-              </a:rPr>
-              <a:t> </a:t>
-            </a:r>
-            <a:r>
-              <a:rPr lang="en-US" sz="4400" dirty="0" smtClean="0">
-                <a:latin typeface="Times New Roman" charset="0"/>
-                <a:ea typeface="Times New Roman" charset="0"/>
-                <a:cs typeface="Times New Roman" charset="0"/>
-              </a:rPr>
-              <a:t>link</a:t>
-            </a:r>
-            <a:r>
-              <a:rPr lang="zh-CN" altLang="en-US" sz="4400" dirty="0" smtClean="0">
-                <a:latin typeface="Times New Roman" charset="0"/>
-                <a:ea typeface="Times New Roman" charset="0"/>
-                <a:cs typeface="Times New Roman" charset="0"/>
-              </a:rPr>
-              <a:t> </a:t>
-            </a:r>
-            <a:r>
-              <a:rPr lang="en-US" sz="4400" dirty="0" smtClean="0">
-                <a:latin typeface="Times New Roman" charset="0"/>
-                <a:ea typeface="Times New Roman" charset="0"/>
-                <a:cs typeface="Times New Roman" charset="0"/>
-              </a:rPr>
-              <a:t>has</a:t>
-            </a:r>
-            <a:r>
-              <a:rPr lang="zh-CN" altLang="en-US" sz="4400" dirty="0" smtClean="0">
-                <a:latin typeface="Times New Roman" charset="0"/>
-                <a:ea typeface="Times New Roman" charset="0"/>
-                <a:cs typeface="Times New Roman" charset="0"/>
-              </a:rPr>
-              <a:t> </a:t>
-            </a:r>
-            <a:r>
-              <a:rPr lang="en-US" sz="4400" dirty="0" smtClean="0">
-                <a:latin typeface="Times New Roman" charset="0"/>
-                <a:ea typeface="Times New Roman" charset="0"/>
-                <a:cs typeface="Times New Roman" charset="0"/>
-              </a:rPr>
-              <a:t>a</a:t>
-            </a:r>
-            <a:r>
-              <a:rPr lang="zh-CN" altLang="en-US" sz="4400" dirty="0" smtClean="0">
-                <a:latin typeface="Times New Roman" charset="0"/>
-                <a:ea typeface="Times New Roman" charset="0"/>
-                <a:cs typeface="Times New Roman" charset="0"/>
-              </a:rPr>
-              <a:t> </a:t>
-            </a:r>
-            <a:r>
-              <a:rPr lang="en-US" sz="4400" dirty="0" smtClean="0">
-                <a:latin typeface="Times New Roman" charset="0"/>
-                <a:ea typeface="Times New Roman" charset="0"/>
-                <a:cs typeface="Times New Roman" charset="0"/>
-              </a:rPr>
-              <a:t>traffic</a:t>
-            </a:r>
-            <a:r>
-              <a:rPr lang="zh-CN" altLang="en-US" sz="4400" dirty="0" smtClean="0">
-                <a:latin typeface="Times New Roman" charset="0"/>
-                <a:ea typeface="Times New Roman" charset="0"/>
-                <a:cs typeface="Times New Roman" charset="0"/>
-              </a:rPr>
-              <a:t> </a:t>
-            </a:r>
-            <a:r>
-              <a:rPr lang="en-US" sz="4400" dirty="0" smtClean="0">
-                <a:latin typeface="Times New Roman" charset="0"/>
-                <a:ea typeface="Times New Roman" charset="0"/>
-                <a:cs typeface="Times New Roman" charset="0"/>
-              </a:rPr>
-              <a:t>shaper</a:t>
-            </a:r>
-            <a:r>
-              <a:rPr lang="zh-CN" altLang="en-US" sz="4400" dirty="0" smtClean="0">
-                <a:latin typeface="Times New Roman" charset="0"/>
-                <a:ea typeface="Times New Roman" charset="0"/>
-                <a:cs typeface="Times New Roman" charset="0"/>
-              </a:rPr>
-              <a:t> </a:t>
-            </a:r>
-            <a:r>
-              <a:rPr lang="en-US" sz="4400" dirty="0" smtClean="0">
-                <a:latin typeface="Times New Roman" charset="0"/>
-                <a:ea typeface="Times New Roman" charset="0"/>
-                <a:cs typeface="Times New Roman" charset="0"/>
-              </a:rPr>
-              <a:t>that</a:t>
-            </a:r>
-            <a:r>
-              <a:rPr lang="zh-CN" altLang="en-US" sz="4400" dirty="0" smtClean="0">
-                <a:latin typeface="Times New Roman" charset="0"/>
-                <a:ea typeface="Times New Roman" charset="0"/>
-                <a:cs typeface="Times New Roman" charset="0"/>
-              </a:rPr>
-              <a:t> </a:t>
-            </a:r>
-            <a:r>
-              <a:rPr lang="en-US" sz="4400" dirty="0" smtClean="0">
-                <a:latin typeface="Times New Roman" charset="0"/>
-                <a:ea typeface="Times New Roman" charset="0"/>
-                <a:cs typeface="Times New Roman" charset="0"/>
-              </a:rPr>
-              <a:t>corresponds</a:t>
-            </a:r>
-            <a:r>
-              <a:rPr lang="zh-CN" altLang="en-US" sz="4400" dirty="0" smtClean="0">
-                <a:latin typeface="Times New Roman" charset="0"/>
-                <a:ea typeface="Times New Roman" charset="0"/>
-                <a:cs typeface="Times New Roman" charset="0"/>
-              </a:rPr>
-              <a:t> </a:t>
-            </a:r>
-            <a:r>
-              <a:rPr lang="en-US" sz="4400" dirty="0" smtClean="0">
-                <a:latin typeface="Times New Roman" charset="0"/>
-                <a:ea typeface="Times New Roman" charset="0"/>
-                <a:cs typeface="Times New Roman" charset="0"/>
-              </a:rPr>
-              <a:t>to</a:t>
-            </a:r>
-            <a:r>
-              <a:rPr lang="zh-CN" altLang="en-US" sz="4400" dirty="0" smtClean="0">
-                <a:latin typeface="Times New Roman" charset="0"/>
-                <a:ea typeface="Times New Roman" charset="0"/>
-                <a:cs typeface="Times New Roman" charset="0"/>
-              </a:rPr>
-              <a:t> </a:t>
-            </a:r>
-            <a:r>
-              <a:rPr lang="en-US" sz="4400" dirty="0" smtClean="0">
-                <a:latin typeface="Times New Roman" charset="0"/>
-                <a:ea typeface="Times New Roman" charset="0"/>
-                <a:cs typeface="Times New Roman" charset="0"/>
-              </a:rPr>
-              <a:t>the</a:t>
-            </a:r>
-            <a:r>
-              <a:rPr lang="zh-CN" altLang="en-US" sz="4400" dirty="0" smtClean="0">
-                <a:latin typeface="Times New Roman" charset="0"/>
-                <a:ea typeface="Times New Roman" charset="0"/>
-                <a:cs typeface="Times New Roman" charset="0"/>
-              </a:rPr>
-              <a:t> </a:t>
-            </a:r>
-            <a:r>
-              <a:rPr lang="en-US" sz="4400" dirty="0" smtClean="0">
-                <a:latin typeface="Times New Roman" charset="0"/>
-                <a:ea typeface="Times New Roman" charset="0"/>
-                <a:cs typeface="Times New Roman" charset="0"/>
-              </a:rPr>
-              <a:t>user‐specified</a:t>
-            </a:r>
-            <a:r>
-              <a:rPr lang="zh-CN" altLang="en-US" sz="4400" dirty="0" smtClean="0">
-                <a:latin typeface="Times New Roman" charset="0"/>
-                <a:ea typeface="Times New Roman" charset="0"/>
-                <a:cs typeface="Times New Roman" charset="0"/>
-              </a:rPr>
-              <a:t> </a:t>
-            </a:r>
-            <a:r>
-              <a:rPr lang="en-US" sz="4400" dirty="0" smtClean="0">
-                <a:latin typeface="Times New Roman" charset="0"/>
-                <a:ea typeface="Times New Roman" charset="0"/>
-                <a:cs typeface="Times New Roman" charset="0"/>
-              </a:rPr>
-              <a:t>rate.</a:t>
-            </a:r>
-            <a:endParaRPr lang="zh-CN" altLang="en-US" sz="4400" dirty="0" smtClean="0">
-              <a:latin typeface="Times New Roman" charset="0"/>
-              <a:ea typeface="Times New Roman" charset="0"/>
-              <a:cs typeface="Times New Roman" charset="0"/>
-            </a:endParaRPr>
-          </a:p>
-        </p:txBody>
-      </p:sp>
-      <p:sp>
-        <p:nvSpPr>
-          <p:cNvPr id="71" name="TextBox 70"/>
-          <p:cNvSpPr txBox="1"/>
-          <p:nvPr/>
-        </p:nvSpPr>
-        <p:spPr>
-          <a:xfrm>
-            <a:off x="12970575" y="13422184"/>
-            <a:ext cx="13653801" cy="3477875"/>
-          </a:xfrm>
-          <a:prstGeom prst="rect">
-            <a:avLst/>
-          </a:prstGeom>
-          <a:noFill/>
-        </p:spPr>
-        <p:txBody>
-          <a:bodyPr wrap="square" rtlCol="0">
-            <a:spAutoFit/>
-          </a:bodyPr>
-          <a:lstStyle/>
-          <a:p>
-            <a:r>
-              <a:rPr lang="en-US" sz="4400" dirty="0">
-                <a:latin typeface="Times New Roman" charset="0"/>
-                <a:ea typeface="Times New Roman" charset="0"/>
-                <a:cs typeface="Times New Roman" charset="0"/>
-              </a:rPr>
-              <a:t>• </a:t>
-            </a:r>
-            <a:r>
-              <a:rPr lang="en-US" sz="4400" dirty="0" smtClean="0">
-                <a:latin typeface="Times New Roman" charset="0"/>
-                <a:ea typeface="Times New Roman" charset="0"/>
-                <a:cs typeface="Times New Roman" charset="0"/>
-              </a:rPr>
-              <a:t>Maintains</a:t>
-            </a:r>
-            <a:r>
-              <a:rPr lang="zh-CN" altLang="en-US" sz="4400" dirty="0" smtClean="0">
-                <a:latin typeface="Times New Roman" charset="0"/>
-                <a:ea typeface="Times New Roman" charset="0"/>
-                <a:cs typeface="Times New Roman" charset="0"/>
-              </a:rPr>
-              <a:t> </a:t>
-            </a:r>
-            <a:r>
-              <a:rPr lang="en-US" sz="4400" dirty="0" smtClean="0">
-                <a:latin typeface="Times New Roman" charset="0"/>
-                <a:ea typeface="Times New Roman" charset="0"/>
-                <a:cs typeface="Times New Roman" charset="0"/>
-              </a:rPr>
-              <a:t>a</a:t>
-            </a:r>
-            <a:r>
-              <a:rPr lang="zh-CN" altLang="en-US" sz="4400" dirty="0" smtClean="0">
-                <a:latin typeface="Times New Roman" charset="0"/>
-                <a:ea typeface="Times New Roman" charset="0"/>
-                <a:cs typeface="Times New Roman" charset="0"/>
-              </a:rPr>
-              <a:t> </a:t>
-            </a:r>
-            <a:r>
-              <a:rPr lang="en-US" sz="4400" dirty="0" smtClean="0">
-                <a:latin typeface="Times New Roman" charset="0"/>
-                <a:ea typeface="Times New Roman" charset="0"/>
-                <a:cs typeface="Times New Roman" charset="0"/>
-              </a:rPr>
-              <a:t>lookup</a:t>
-            </a:r>
-            <a:r>
-              <a:rPr lang="zh-CN" altLang="en-US" sz="4400" dirty="0" smtClean="0">
-                <a:latin typeface="Times New Roman" charset="0"/>
-                <a:ea typeface="Times New Roman" charset="0"/>
-                <a:cs typeface="Times New Roman" charset="0"/>
-              </a:rPr>
-              <a:t> </a:t>
-            </a:r>
-            <a:r>
-              <a:rPr lang="en-US" sz="4400" dirty="0" smtClean="0">
-                <a:latin typeface="Times New Roman" charset="0"/>
-                <a:ea typeface="Times New Roman" charset="0"/>
-                <a:cs typeface="Times New Roman" charset="0"/>
-              </a:rPr>
-              <a:t>table</a:t>
-            </a:r>
-            <a:endParaRPr lang="zh-CN" altLang="en-US" sz="4400" dirty="0" smtClean="0">
-              <a:latin typeface="Times New Roman" charset="0"/>
-              <a:ea typeface="Times New Roman" charset="0"/>
-              <a:cs typeface="Times New Roman" charset="0"/>
-            </a:endParaRPr>
-          </a:p>
-          <a:p>
-            <a:r>
-              <a:rPr lang="en-US" sz="4400" dirty="0">
-                <a:latin typeface="Times New Roman" charset="0"/>
-                <a:ea typeface="Times New Roman" charset="0"/>
-                <a:cs typeface="Times New Roman" charset="0"/>
-              </a:rPr>
-              <a:t>• </a:t>
-            </a:r>
-            <a:r>
-              <a:rPr lang="en-US" sz="4400" dirty="0" smtClean="0">
-                <a:latin typeface="Times New Roman" charset="0"/>
-                <a:ea typeface="Times New Roman" charset="0"/>
-                <a:cs typeface="Times New Roman" charset="0"/>
-              </a:rPr>
-              <a:t>The</a:t>
-            </a:r>
-            <a:r>
-              <a:rPr lang="zh-CN" altLang="en-US" sz="4400" dirty="0" smtClean="0">
-                <a:latin typeface="Times New Roman" charset="0"/>
-                <a:ea typeface="Times New Roman" charset="0"/>
-                <a:cs typeface="Times New Roman" charset="0"/>
-              </a:rPr>
-              <a:t> </a:t>
-            </a:r>
-            <a:r>
-              <a:rPr lang="en-US" sz="4400" dirty="0" smtClean="0">
-                <a:latin typeface="Times New Roman" charset="0"/>
-                <a:ea typeface="Times New Roman" charset="0"/>
-                <a:cs typeface="Times New Roman" charset="0"/>
-              </a:rPr>
-              <a:t>key</a:t>
-            </a:r>
-            <a:r>
-              <a:rPr lang="zh-CN" altLang="en-US" sz="4400" dirty="0" smtClean="0">
-                <a:latin typeface="Times New Roman" charset="0"/>
-                <a:ea typeface="Times New Roman" charset="0"/>
-                <a:cs typeface="Times New Roman" charset="0"/>
-              </a:rPr>
-              <a:t> </a:t>
-            </a:r>
-            <a:r>
-              <a:rPr lang="en-US" sz="4400" dirty="0" smtClean="0">
-                <a:latin typeface="Times New Roman" charset="0"/>
-                <a:ea typeface="Times New Roman" charset="0"/>
-                <a:cs typeface="Times New Roman" charset="0"/>
-              </a:rPr>
-              <a:t>is</a:t>
-            </a:r>
-            <a:r>
-              <a:rPr lang="zh-CN" altLang="en-US" sz="4400" dirty="0" smtClean="0">
-                <a:latin typeface="Times New Roman" charset="0"/>
-                <a:ea typeface="Times New Roman" charset="0"/>
-                <a:cs typeface="Times New Roman" charset="0"/>
-              </a:rPr>
-              <a:t> </a:t>
-            </a:r>
-            <a:r>
-              <a:rPr lang="en-US" sz="4400" dirty="0" smtClean="0">
-                <a:latin typeface="Times New Roman" charset="0"/>
-                <a:ea typeface="Times New Roman" charset="0"/>
-                <a:cs typeface="Times New Roman" charset="0"/>
-              </a:rPr>
-              <a:t>a</a:t>
-            </a:r>
-            <a:r>
-              <a:rPr lang="zh-CN" altLang="en-US" sz="4400" dirty="0" smtClean="0">
-                <a:latin typeface="Times New Roman" charset="0"/>
-                <a:ea typeface="Times New Roman" charset="0"/>
-                <a:cs typeface="Times New Roman" charset="0"/>
-              </a:rPr>
-              <a:t> </a:t>
-            </a:r>
-            <a:r>
-              <a:rPr lang="en-US" sz="4400" dirty="0" smtClean="0">
-                <a:latin typeface="Times New Roman" charset="0"/>
-                <a:ea typeface="Times New Roman" charset="0"/>
-                <a:cs typeface="Times New Roman" charset="0"/>
-              </a:rPr>
-              <a:t>tuple</a:t>
-            </a:r>
-            <a:r>
-              <a:rPr lang="zh-CN" altLang="en-US" sz="4400" dirty="0" smtClean="0">
-                <a:latin typeface="Times New Roman" charset="0"/>
-                <a:ea typeface="Times New Roman" charset="0"/>
-                <a:cs typeface="Times New Roman" charset="0"/>
-              </a:rPr>
-              <a:t> </a:t>
-            </a:r>
-            <a:r>
-              <a:rPr lang="en-US" sz="4400" dirty="0" smtClean="0">
-                <a:latin typeface="Times New Roman" charset="0"/>
-                <a:ea typeface="Times New Roman" charset="0"/>
-                <a:cs typeface="Times New Roman" charset="0"/>
-              </a:rPr>
-              <a:t>consis</a:t>
-            </a:r>
-            <a:r>
-              <a:rPr lang="en-US" altLang="zh-CN" sz="4400" dirty="0" smtClean="0">
-                <a:latin typeface="Times New Roman" charset="0"/>
-                <a:ea typeface="Times New Roman" charset="0"/>
-                <a:cs typeface="Times New Roman" charset="0"/>
-              </a:rPr>
-              <a:t>ti</a:t>
-            </a:r>
-            <a:r>
-              <a:rPr lang="en-US" sz="4400" dirty="0" smtClean="0">
-                <a:latin typeface="Times New Roman" charset="0"/>
-                <a:ea typeface="Times New Roman" charset="0"/>
-                <a:cs typeface="Times New Roman" charset="0"/>
-              </a:rPr>
-              <a:t>ng</a:t>
-            </a:r>
-            <a:r>
-              <a:rPr lang="zh-CN" altLang="en-US" sz="4400" dirty="0" smtClean="0">
-                <a:latin typeface="Times New Roman" charset="0"/>
-                <a:ea typeface="Times New Roman" charset="0"/>
-                <a:cs typeface="Times New Roman" charset="0"/>
-              </a:rPr>
-              <a:t> </a:t>
-            </a:r>
-            <a:r>
-              <a:rPr lang="en-US" sz="4400" dirty="0" smtClean="0">
-                <a:latin typeface="Times New Roman" charset="0"/>
-                <a:ea typeface="Times New Roman" charset="0"/>
-                <a:cs typeface="Times New Roman" charset="0"/>
-              </a:rPr>
-              <a:t>of</a:t>
-            </a:r>
-            <a:r>
-              <a:rPr lang="zh-CN" altLang="en-US" sz="4400" dirty="0" smtClean="0">
-                <a:latin typeface="Times New Roman" charset="0"/>
-                <a:ea typeface="Times New Roman" charset="0"/>
-                <a:cs typeface="Times New Roman" charset="0"/>
-              </a:rPr>
-              <a:t> </a:t>
-            </a:r>
-            <a:r>
-              <a:rPr lang="en-US" sz="4400" dirty="0" smtClean="0">
-                <a:latin typeface="Times New Roman" charset="0"/>
-                <a:ea typeface="Times New Roman" charset="0"/>
-                <a:cs typeface="Times New Roman" charset="0"/>
-              </a:rPr>
-              <a:t>the</a:t>
-            </a:r>
-            <a:r>
-              <a:rPr lang="zh-CN" altLang="en-US" sz="4400" dirty="0" smtClean="0">
-                <a:latin typeface="Times New Roman" charset="0"/>
-                <a:ea typeface="Times New Roman" charset="0"/>
-                <a:cs typeface="Times New Roman" charset="0"/>
-              </a:rPr>
-              <a:t> </a:t>
-            </a:r>
-            <a:r>
-              <a:rPr lang="en-US" sz="4400" dirty="0" smtClean="0">
-                <a:latin typeface="Times New Roman" charset="0"/>
-                <a:ea typeface="Times New Roman" charset="0"/>
-                <a:cs typeface="Times New Roman" charset="0"/>
-              </a:rPr>
-              <a:t>source</a:t>
-            </a:r>
-            <a:r>
-              <a:rPr lang="zh-CN" altLang="en-US" sz="4400" dirty="0" smtClean="0">
-                <a:latin typeface="Times New Roman" charset="0"/>
-                <a:ea typeface="Times New Roman" charset="0"/>
-                <a:cs typeface="Times New Roman" charset="0"/>
-              </a:rPr>
-              <a:t> </a:t>
-            </a:r>
-            <a:r>
-              <a:rPr lang="en-US" sz="4400" dirty="0" smtClean="0">
-                <a:latin typeface="Times New Roman" charset="0"/>
-                <a:ea typeface="Times New Roman" charset="0"/>
-                <a:cs typeface="Times New Roman" charset="0"/>
-              </a:rPr>
-              <a:t>IP</a:t>
-            </a:r>
-            <a:r>
-              <a:rPr lang="zh-CN" altLang="en-US" sz="4400" dirty="0" smtClean="0">
-                <a:latin typeface="Times New Roman" charset="0"/>
-                <a:ea typeface="Times New Roman" charset="0"/>
-                <a:cs typeface="Times New Roman" charset="0"/>
-              </a:rPr>
-              <a:t> </a:t>
-            </a:r>
-            <a:r>
-              <a:rPr lang="en-US" sz="4400" dirty="0" smtClean="0">
-                <a:latin typeface="Times New Roman" charset="0"/>
-                <a:ea typeface="Times New Roman" charset="0"/>
-                <a:cs typeface="Times New Roman" charset="0"/>
-              </a:rPr>
-              <a:t>address</a:t>
-            </a:r>
-            <a:r>
-              <a:rPr lang="en-US" sz="4400" dirty="0">
-                <a:latin typeface="Times New Roman" charset="0"/>
-                <a:ea typeface="Times New Roman" charset="0"/>
-                <a:cs typeface="Times New Roman" charset="0"/>
-              </a:rPr>
-              <a:t>,</a:t>
-            </a:r>
-          </a:p>
-          <a:p>
-            <a:r>
-              <a:rPr lang="en-US" altLang="zh-CN" sz="4400" dirty="0" smtClean="0">
-                <a:latin typeface="Times New Roman" charset="0"/>
-                <a:ea typeface="Times New Roman" charset="0"/>
-                <a:cs typeface="Times New Roman" charset="0"/>
-              </a:rPr>
-              <a:t>d</a:t>
-            </a:r>
-            <a:r>
-              <a:rPr lang="en-US" sz="4400" dirty="0" smtClean="0">
-                <a:latin typeface="Times New Roman" charset="0"/>
-                <a:ea typeface="Times New Roman" charset="0"/>
-                <a:cs typeface="Times New Roman" charset="0"/>
-              </a:rPr>
-              <a:t>es</a:t>
-            </a:r>
-            <a:r>
-              <a:rPr lang="en-US" altLang="zh-CN" sz="4400" dirty="0" smtClean="0">
-                <a:latin typeface="Times New Roman" charset="0"/>
-                <a:ea typeface="Times New Roman" charset="0"/>
-                <a:cs typeface="Times New Roman" charset="0"/>
-              </a:rPr>
-              <a:t>ti</a:t>
-            </a:r>
-            <a:r>
-              <a:rPr lang="en-US" sz="4400" dirty="0" smtClean="0">
-                <a:latin typeface="Times New Roman" charset="0"/>
-                <a:ea typeface="Times New Roman" charset="0"/>
-                <a:cs typeface="Times New Roman" charset="0"/>
-              </a:rPr>
-              <a:t>na</a:t>
-            </a:r>
-            <a:r>
-              <a:rPr lang="en-US" altLang="zh-CN" sz="4400" dirty="0" smtClean="0">
-                <a:latin typeface="Times New Roman" charset="0"/>
-                <a:ea typeface="Times New Roman" charset="0"/>
-                <a:cs typeface="Times New Roman" charset="0"/>
-              </a:rPr>
-              <a:t>ti</a:t>
-            </a:r>
-            <a:r>
-              <a:rPr lang="en-US" sz="4400" dirty="0" smtClean="0">
-                <a:latin typeface="Times New Roman" charset="0"/>
-                <a:ea typeface="Times New Roman" charset="0"/>
-                <a:cs typeface="Times New Roman" charset="0"/>
-              </a:rPr>
-              <a:t>on</a:t>
-            </a:r>
-            <a:r>
-              <a:rPr lang="zh-CN" altLang="en-US" sz="4400" dirty="0" smtClean="0">
-                <a:latin typeface="Times New Roman" charset="0"/>
-                <a:ea typeface="Times New Roman" charset="0"/>
-                <a:cs typeface="Times New Roman" charset="0"/>
-              </a:rPr>
-              <a:t> </a:t>
-            </a:r>
-            <a:r>
-              <a:rPr lang="en-US" sz="4400" dirty="0" smtClean="0">
-                <a:latin typeface="Times New Roman" charset="0"/>
-                <a:ea typeface="Times New Roman" charset="0"/>
-                <a:cs typeface="Times New Roman" charset="0"/>
-              </a:rPr>
-              <a:t>IP</a:t>
-            </a:r>
-            <a:r>
-              <a:rPr lang="zh-CN" altLang="en-US" sz="4400" dirty="0" smtClean="0">
-                <a:latin typeface="Times New Roman" charset="0"/>
-                <a:ea typeface="Times New Roman" charset="0"/>
-                <a:cs typeface="Times New Roman" charset="0"/>
-              </a:rPr>
-              <a:t> </a:t>
-            </a:r>
-            <a:r>
-              <a:rPr lang="en-US" sz="4400" dirty="0" smtClean="0">
-                <a:latin typeface="Times New Roman" charset="0"/>
-                <a:ea typeface="Times New Roman" charset="0"/>
-                <a:cs typeface="Times New Roman" charset="0"/>
-              </a:rPr>
-              <a:t>address,</a:t>
-            </a:r>
-            <a:r>
-              <a:rPr lang="zh-CN" altLang="en-US" sz="4400" dirty="0" smtClean="0">
-                <a:latin typeface="Times New Roman" charset="0"/>
-                <a:ea typeface="Times New Roman" charset="0"/>
-                <a:cs typeface="Times New Roman" charset="0"/>
-              </a:rPr>
-              <a:t> </a:t>
-            </a:r>
-            <a:r>
-              <a:rPr lang="en-US" sz="4400" dirty="0" smtClean="0">
-                <a:latin typeface="Times New Roman" charset="0"/>
-                <a:ea typeface="Times New Roman" charset="0"/>
-                <a:cs typeface="Times New Roman" charset="0"/>
-              </a:rPr>
-              <a:t>protocol,</a:t>
-            </a:r>
-            <a:r>
-              <a:rPr lang="zh-CN" altLang="en-US" sz="4400" dirty="0" smtClean="0">
-                <a:latin typeface="Times New Roman" charset="0"/>
-                <a:ea typeface="Times New Roman" charset="0"/>
-                <a:cs typeface="Times New Roman" charset="0"/>
-              </a:rPr>
-              <a:t> </a:t>
-            </a:r>
-            <a:r>
-              <a:rPr lang="en-US" sz="4400" dirty="0" smtClean="0">
-                <a:latin typeface="Times New Roman" charset="0"/>
-                <a:ea typeface="Times New Roman" charset="0"/>
-                <a:cs typeface="Times New Roman" charset="0"/>
-              </a:rPr>
-              <a:t>source</a:t>
-            </a:r>
-            <a:r>
-              <a:rPr lang="zh-CN" altLang="en-US" sz="4400" dirty="0" smtClean="0">
-                <a:latin typeface="Times New Roman" charset="0"/>
-                <a:ea typeface="Times New Roman" charset="0"/>
-                <a:cs typeface="Times New Roman" charset="0"/>
-              </a:rPr>
-              <a:t> </a:t>
-            </a:r>
-            <a:r>
-              <a:rPr lang="en-US" sz="4400" dirty="0" smtClean="0">
-                <a:latin typeface="Times New Roman" charset="0"/>
-                <a:ea typeface="Times New Roman" charset="0"/>
-                <a:cs typeface="Times New Roman" charset="0"/>
-              </a:rPr>
-              <a:t>port,</a:t>
-            </a:r>
-            <a:r>
-              <a:rPr lang="zh-CN" altLang="en-US" sz="4400" dirty="0" smtClean="0">
-                <a:latin typeface="Times New Roman" charset="0"/>
-                <a:ea typeface="Times New Roman" charset="0"/>
-                <a:cs typeface="Times New Roman" charset="0"/>
-              </a:rPr>
-              <a:t> </a:t>
-            </a:r>
-            <a:r>
-              <a:rPr lang="en-US" sz="4400" dirty="0" smtClean="0">
-                <a:latin typeface="Times New Roman" charset="0"/>
-                <a:ea typeface="Times New Roman" charset="0"/>
-                <a:cs typeface="Times New Roman" charset="0"/>
-              </a:rPr>
-              <a:t>and</a:t>
-            </a:r>
-            <a:r>
-              <a:rPr lang="zh-CN" altLang="en-US" sz="4400" dirty="0" smtClean="0">
-                <a:latin typeface="Times New Roman" charset="0"/>
-                <a:ea typeface="Times New Roman" charset="0"/>
-                <a:cs typeface="Times New Roman" charset="0"/>
-              </a:rPr>
-              <a:t> </a:t>
-            </a:r>
-            <a:r>
-              <a:rPr lang="en-US" sz="4400" dirty="0" smtClean="0">
-                <a:latin typeface="Times New Roman" charset="0"/>
-                <a:ea typeface="Times New Roman" charset="0"/>
-                <a:cs typeface="Times New Roman" charset="0"/>
-              </a:rPr>
-              <a:t>des</a:t>
-            </a:r>
-            <a:r>
-              <a:rPr lang="en-US" altLang="zh-CN" sz="4400" dirty="0" smtClean="0">
-                <a:latin typeface="Times New Roman" charset="0"/>
-                <a:ea typeface="Times New Roman" charset="0"/>
-                <a:cs typeface="Times New Roman" charset="0"/>
-              </a:rPr>
-              <a:t>ti</a:t>
-            </a:r>
-            <a:r>
-              <a:rPr lang="en-US" sz="4400" dirty="0" smtClean="0">
-                <a:latin typeface="Times New Roman" charset="0"/>
-                <a:ea typeface="Times New Roman" charset="0"/>
-                <a:cs typeface="Times New Roman" charset="0"/>
-              </a:rPr>
-              <a:t>na</a:t>
-            </a:r>
-            <a:r>
-              <a:rPr lang="en-US" altLang="zh-CN" sz="4400" dirty="0" smtClean="0">
-                <a:latin typeface="Times New Roman" charset="0"/>
-                <a:ea typeface="Times New Roman" charset="0"/>
-                <a:cs typeface="Times New Roman" charset="0"/>
-              </a:rPr>
-              <a:t>ti</a:t>
-            </a:r>
-            <a:r>
-              <a:rPr lang="en-US" sz="4400" dirty="0" smtClean="0">
-                <a:latin typeface="Times New Roman" charset="0"/>
-                <a:ea typeface="Times New Roman" charset="0"/>
-                <a:cs typeface="Times New Roman" charset="0"/>
-              </a:rPr>
-              <a:t>on</a:t>
-            </a:r>
-            <a:r>
-              <a:rPr lang="zh-CN" altLang="en-US" sz="4400" dirty="0" smtClean="0">
-                <a:latin typeface="Times New Roman" charset="0"/>
-                <a:ea typeface="Times New Roman" charset="0"/>
-                <a:cs typeface="Times New Roman" charset="0"/>
-              </a:rPr>
-              <a:t> </a:t>
-            </a:r>
-            <a:r>
-              <a:rPr lang="en-US" sz="4400" dirty="0" smtClean="0">
-                <a:latin typeface="Times New Roman" charset="0"/>
-                <a:ea typeface="Times New Roman" charset="0"/>
-                <a:cs typeface="Times New Roman" charset="0"/>
-              </a:rPr>
-              <a:t>port</a:t>
-            </a:r>
-            <a:r>
-              <a:rPr lang="en-US" sz="4400" dirty="0">
-                <a:latin typeface="Times New Roman" charset="0"/>
-                <a:ea typeface="Times New Roman" charset="0"/>
-                <a:cs typeface="Times New Roman" charset="0"/>
-              </a:rPr>
-              <a:t>.</a:t>
-            </a:r>
-            <a:endParaRPr lang="zh-CN" altLang="en-US" sz="4400" dirty="0" smtClean="0">
-              <a:latin typeface="Times New Roman" charset="0"/>
-              <a:ea typeface="Times New Roman" charset="0"/>
-              <a:cs typeface="Times New Roman" charset="0"/>
-            </a:endParaRPr>
-          </a:p>
-          <a:p>
-            <a:pPr marL="465138" indent="-465138">
-              <a:spcAft>
-                <a:spcPts val="1800"/>
-              </a:spcAft>
-              <a:tabLst>
-                <a:tab pos="1185863" algn="l"/>
-              </a:tabLst>
-            </a:pPr>
-            <a:endParaRPr lang="en-US" sz="4400" dirty="0">
-              <a:latin typeface="Times New Roman" charset="0"/>
               <a:ea typeface="Times New Roman" charset="0"/>
               <a:cs typeface="Times New Roman" charset="0"/>
             </a:endParaRPr>
@@ -6985,7 +4666,6 @@
             <a:pPr algn="ctr"/>
             <a:r>
               <a:rPr lang="en-US" altLang="zh-CN" sz="4400" dirty="0" smtClean="0">
-                <a:latin typeface="Times New Roman" charset="0"/>
                 <a:ea typeface="Times New Roman" charset="0"/>
                 <a:cs typeface="Times New Roman" charset="0"/>
               </a:rPr>
@@ -6993,7 +4673,6 @@
             </a:r>
             <a:r>
               <a:rPr lang="zh-CN" altLang="en-US" sz="4400" dirty="0" smtClean="0">
-                <a:latin typeface="Times New Roman" charset="0"/>
                 <a:ea typeface="Times New Roman" charset="0"/>
                 <a:cs typeface="Times New Roman" charset="0"/>
               </a:rPr>
@@ -7001,7 +4680,6 @@
             </a:r>
             <a:r>
               <a:rPr lang="en-US" altLang="zh-CN" sz="4400" dirty="0" smtClean="0">
-                <a:latin typeface="Times New Roman" charset="0"/>
                 <a:ea typeface="Times New Roman" charset="0"/>
                 <a:cs typeface="Times New Roman" charset="0"/>
               </a:rPr>
@@ -7009,23 +4687,27 @@
             </a:r>
             <a:r>
               <a:rPr lang="zh-CN" altLang="en-US" sz="4400" dirty="0" smtClean="0">
-                <a:latin typeface="Times New Roman" charset="0"/>
                 <a:ea typeface="Times New Roman" charset="0"/>
                 <a:cs typeface="Times New Roman" charset="0"/>
               </a:rPr>
               <a:t> </a:t>
             </a:r>
             <a:r>
+              <a:rPr lang="en-US" altLang="zh-CN" sz="4400" dirty="0">
+                <a:ea typeface="Times New Roman" charset="0"/>
+                <a:cs typeface="Times New Roman" charset="0"/>
+              </a:rPr>
+              <a:t>A</a:t>
+            </a:r>
+            <a:r>
               <a:rPr lang="en-US" altLang="zh-CN" sz="4400" dirty="0" smtClean="0">
-                <a:latin typeface="Times New Roman" charset="0"/>
-                <a:ea typeface="Times New Roman" charset="0"/>
-                <a:cs typeface="Times New Roman" charset="0"/>
-              </a:rPr>
-              <a:t>application</a:t>
+                <a:ea typeface="Times New Roman" charset="0"/>
+                <a:cs typeface="Times New Roman" charset="0"/>
+              </a:rPr>
+              <a:t>pplication</a:t>
             </a:r>
             <a:r>
               <a:rPr lang="zh-CN" altLang="en-US" sz="4400" dirty="0" smtClean="0">
-                <a:latin typeface="Times New Roman" charset="0"/>
                 <a:ea typeface="Times New Roman" charset="0"/>
                 <a:cs typeface="Times New Roman" charset="0"/>
               </a:rPr>
@@ -7033,14 +4715,26 @@
             </a:r>
             <a:r>
               <a:rPr lang="en-US" altLang="zh-CN" sz="4400" dirty="0" smtClean="0">
-                <a:latin typeface="Times New Roman" charset="0"/>
-                <a:ea typeface="Times New Roman" charset="0"/>
-                <a:cs typeface="Times New Roman" charset="0"/>
-              </a:rPr>
-              <a:t>performance</a:t>
+                <a:ea typeface="Times New Roman" charset="0"/>
+                <a:cs typeface="Times New Roman" charset="0"/>
+              </a:rPr>
+              <a:t>Performance using OVS-</a:t>
+            </a:r>
+            <a:r>
+              <a:rPr lang="en-US" altLang="zh-CN" sz="4400" dirty="0" err="1" smtClean="0">
+                <a:ea typeface="Times New Roman" charset="0"/>
+                <a:cs typeface="Times New Roman" charset="0"/>
+              </a:rPr>
+              <a:t>Openflow</a:t>
+            </a:r>
+            <a:r>
+              <a:rPr lang="en-US" altLang="zh-CN" sz="4400" dirty="0" smtClean="0">
+                <a:ea typeface="Times New Roman" charset="0"/>
+                <a:cs typeface="Times New Roman" charset="0"/>
+              </a:rPr>
+              <a:t> Classification</a:t>
             </a:r>
             <a:endParaRPr lang="en-US" sz="4400" dirty="0">
-              <a:latin typeface="Times New Roman" charset="0"/>
               <a:ea typeface="Times New Roman" charset="0"/>
               <a:cs typeface="Times New Roman" charset="0"/>
             </a:endParaRPr>
@@ -7055,7 +4749,7 @@
         </p:nvSpPr>
         <p:spPr>
           <a:xfrm>
-            <a:off x="22132787" y="18518469"/>
+            <a:off x="22403116" y="18369516"/>
             <a:ext cx="20677863" cy="769441"/>
           </a:xfrm>
           <a:prstGeom prst="rect">
@@ -7072,46 +4766,400 @@
             <a:pPr algn="ctr"/>
             <a:r>
               <a:rPr lang="en-US" altLang="zh-CN" sz="4400" dirty="0" smtClean="0">
-                <a:latin typeface="Times New Roman" charset="0"/>
-                <a:ea typeface="Times New Roman" charset="0"/>
-                <a:cs typeface="Times New Roman" charset="0"/>
-              </a:rPr>
-              <a:t>Classifier</a:t>
-            </a:r>
-            <a:r>
-              <a:rPr lang="zh-CN" altLang="en-US" sz="4400" dirty="0" smtClean="0">
-                <a:latin typeface="Times New Roman" charset="0"/>
-                <a:ea typeface="Times New Roman" charset="0"/>
-                <a:cs typeface="Times New Roman" charset="0"/>
-              </a:rPr>
-              <a:t> </a:t>
-            </a:r>
-            <a:r>
-              <a:rPr lang="en-US" altLang="zh-CN" sz="4400" dirty="0" smtClean="0">
-                <a:latin typeface="Times New Roman" charset="0"/>
-                <a:ea typeface="Times New Roman" charset="0"/>
-                <a:cs typeface="Times New Roman" charset="0"/>
-              </a:rPr>
-              <a:t>delay</a:t>
+                <a:ea typeface="Times New Roman" charset="0"/>
+                <a:cs typeface="Times New Roman" charset="0"/>
+              </a:rPr>
+              <a:t>Additional Gains from using Hierarchical Token Bucket (HTB) in Linux Traffic Control</a:t>
             </a:r>
             <a:endParaRPr lang="en-US" sz="4400" dirty="0">
-              <a:latin typeface="Times New Roman" charset="0"/>
               <a:ea typeface="Times New Roman" charset="0"/>
               <a:cs typeface="Times New Roman" charset="0"/>
             </a:endParaRPr>
           </a:p>
         </p:txBody>
       </p:sp>
+      <p:graphicFrame>
+        <p:nvGraphicFramePr>
+          <p:cNvPr id="7" name="Object 6"/>
+          <p:cNvGraphicFramePr>
+            <a:graphicFrameLocks noChangeAspect="1"/>
+          </p:cNvGraphicFramePr>
+          <p:nvPr>
+            <p:extLst>
+              <p:ext uri="{D42A27DB-BD31-4B8C-83A1-F6EECF244321}">
+                <p14:modId xmlns:p14="http://schemas.microsoft.com/office/powerpoint/2010/main" val="397508593"/>
+              </p:ext>
+            </p:extLst>
+          </p:nvPr>
+        </p:nvGraphicFramePr>
+        <p:xfrm>
+          <a:off x="33500947" y="26547739"/>
+          <a:ext cx="9171162" cy="5063128"/>
+        </p:xfrm>
+        <a:graphic>
+          <a:graphicData uri="http://schemas.openxmlformats.org/presentationml/2006/ole">
+            <mc:AlternateContent xmlns:mc="http://schemas.openxmlformats.org/markup-compatibility/2006">
+              <mc:Choice xmlns:v="urn:schemas-microsoft-com:vml" Requires="v">
+                <p:oleObj spid="_x0000_s1453" name="Acrobat Document" r:id="rId5" imgW="2742882" imgH="1919957" progId="AcroExch.Document.DC">
+                  <p:embed/>
+                </p:oleObj>
+              </mc:Choice>
+              <mc:Fallback>
+                <p:oleObj name="Acrobat Document" r:id="rId5" imgW="2742882" imgH="1919957" progId="AcroExch.Document.DC">
+                  <p:embed/>
+                  <p:pic>
+                    <p:nvPicPr>
+                      <p:cNvPr id="0" name=""/>
+                      <p:cNvPicPr/>
+                      <p:nvPr/>
+                    </p:nvPicPr>
+                    <p:blipFill>
+                      <a:blip r:embed="rId6"/>
+                      <a:stretch>
+                        <a:fillRect/>
+                      </a:stretch>
+                    </p:blipFill>
+                    <p:spPr>
+                      <a:xfrm>
+                        <a:off x="33500947" y="26547739"/>
+                        <a:ext cx="9171162" cy="5063128"/>
+                      </a:xfrm>
+                      <a:prstGeom prst="rect">
+                        <a:avLst/>
+                      </a:prstGeom>
+                      <a:ln>
+                        <a:solidFill>
+                          <a:schemeClr val="tx1"/>
+                        </a:solidFill>
+                      </a:ln>
+                    </p:spPr>
+                  </p:pic>
+                </p:oleObj>
+              </mc:Fallback>
+            </mc:AlternateContent>
+          </a:graphicData>
+        </a:graphic>
+      </p:graphicFrame>
+      <p:graphicFrame>
+        <p:nvGraphicFramePr>
+          <p:cNvPr id="8" name="Object 7"/>
+          <p:cNvGraphicFramePr>
+            <a:graphicFrameLocks noChangeAspect="1"/>
+          </p:cNvGraphicFramePr>
+          <p:nvPr>
+            <p:extLst>
+              <p:ext uri="{D42A27DB-BD31-4B8C-83A1-F6EECF244321}">
+                <p14:modId xmlns:p14="http://schemas.microsoft.com/office/powerpoint/2010/main" val="2987532227"/>
+              </p:ext>
+            </p:extLst>
+          </p:nvPr>
+        </p:nvGraphicFramePr>
+        <p:xfrm>
+          <a:off x="33500947" y="19260109"/>
+          <a:ext cx="9126268" cy="5172220"/>
+        </p:xfrm>
+        <a:graphic>
+          <a:graphicData uri="http://schemas.openxmlformats.org/presentationml/2006/ole">
+            <mc:AlternateContent xmlns:mc="http://schemas.openxmlformats.org/markup-compatibility/2006">
+              <mc:Choice xmlns:v="urn:schemas-microsoft-com:vml" Requires="v">
+                <p:oleObj spid="_x0000_s1454" name="Acrobat Document" r:id="rId7" imgW="2742882" imgH="1919957" progId="AcroExch.Document.DC">
+                  <p:embed/>
+                </p:oleObj>
+              </mc:Choice>
+              <mc:Fallback>
+                <p:oleObj name="Acrobat Document" r:id="rId7" imgW="2742882" imgH="1919957" progId="AcroExch.Document.DC">
+                  <p:embed/>
+                  <p:pic>
+                    <p:nvPicPr>
+                      <p:cNvPr id="0" name=""/>
+                      <p:cNvPicPr/>
+                      <p:nvPr/>
+                    </p:nvPicPr>
+                    <p:blipFill>
+                      <a:blip r:embed="rId8"/>
+                      <a:stretch>
+                        <a:fillRect/>
+                      </a:stretch>
+                    </p:blipFill>
+                    <p:spPr>
+                      <a:xfrm>
+                        <a:off x="33500947" y="19260109"/>
+                        <a:ext cx="9126268" cy="5172220"/>
+                      </a:xfrm>
+                      <a:prstGeom prst="rect">
+                        <a:avLst/>
+                      </a:prstGeom>
+                      <a:ln>
+                        <a:solidFill>
+                          <a:schemeClr val="tx1"/>
+                        </a:solidFill>
+                      </a:ln>
+                    </p:spPr>
+                  </p:pic>
+                </p:oleObj>
+              </mc:Fallback>
+            </mc:AlternateContent>
+          </a:graphicData>
+        </a:graphic>
+      </p:graphicFrame>
+      <p:graphicFrame>
+        <p:nvGraphicFramePr>
+          <p:cNvPr id="9" name="Object 8"/>
+          <p:cNvGraphicFramePr>
+            <a:graphicFrameLocks noChangeAspect="1"/>
+          </p:cNvGraphicFramePr>
+          <p:nvPr>
+            <p:extLst>
+              <p:ext uri="{D42A27DB-BD31-4B8C-83A1-F6EECF244321}">
+                <p14:modId xmlns:p14="http://schemas.microsoft.com/office/powerpoint/2010/main" val="1770112403"/>
+              </p:ext>
+            </p:extLst>
+          </p:nvPr>
+        </p:nvGraphicFramePr>
+        <p:xfrm>
+          <a:off x="22735978" y="25995843"/>
+          <a:ext cx="9328982" cy="5371356"/>
+        </p:xfrm>
+        <a:graphic>
+          <a:graphicData uri="http://schemas.openxmlformats.org/presentationml/2006/ole">
+            <mc:AlternateContent xmlns:mc="http://schemas.openxmlformats.org/markup-compatibility/2006">
+              <mc:Choice xmlns:v="urn:schemas-microsoft-com:vml" Requires="v">
+                <p:oleObj spid="_x0000_s1455" name="Acrobat Document" r:id="rId9" imgW="2742882" imgH="1919957" progId="AcroExch.Document.DC">
+                  <p:embed/>
+                </p:oleObj>
+              </mc:Choice>
+              <mc:Fallback>
+                <p:oleObj name="Acrobat Document" r:id="rId9" imgW="2742882" imgH="1919957" progId="AcroExch.Document.DC">
+                  <p:embed/>
+                  <p:pic>
+                    <p:nvPicPr>
+                      <p:cNvPr id="0" name=""/>
+                      <p:cNvPicPr/>
+                      <p:nvPr/>
+                    </p:nvPicPr>
+                    <p:blipFill>
+                      <a:blip r:embed="rId10"/>
+                      <a:stretch>
+                        <a:fillRect/>
+                      </a:stretch>
+                    </p:blipFill>
+                    <p:spPr>
+                      <a:xfrm>
+                        <a:off x="22735978" y="25995843"/>
+                        <a:ext cx="9328982" cy="5371356"/>
+                      </a:xfrm>
+                      <a:prstGeom prst="rect">
+                        <a:avLst/>
+                      </a:prstGeom>
+                      <a:ln>
+                        <a:solidFill>
+                          <a:schemeClr val="tx1"/>
+                        </a:solidFill>
+                      </a:ln>
+                    </p:spPr>
+                  </p:pic>
+                </p:oleObj>
+              </mc:Fallback>
+            </mc:AlternateContent>
+          </a:graphicData>
+        </a:graphic>
+      </p:graphicFrame>
+      <p:graphicFrame>
+        <p:nvGraphicFramePr>
+          <p:cNvPr id="10" name="Object 9"/>
+          <p:cNvGraphicFramePr>
+            <a:graphicFrameLocks noChangeAspect="1"/>
+          </p:cNvGraphicFramePr>
+          <p:nvPr>
+            <p:extLst>
+              <p:ext uri="{D42A27DB-BD31-4B8C-83A1-F6EECF244321}">
+                <p14:modId xmlns:p14="http://schemas.microsoft.com/office/powerpoint/2010/main" val="2568193536"/>
+              </p:ext>
+            </p:extLst>
+          </p:nvPr>
+        </p:nvGraphicFramePr>
+        <p:xfrm>
+          <a:off x="1337129" y="19333619"/>
+          <a:ext cx="8965111" cy="5429077"/>
+        </p:xfrm>
+        <a:graphic>
+          <a:graphicData uri="http://schemas.openxmlformats.org/presentationml/2006/ole">
+            <mc:AlternateContent xmlns:mc="http://schemas.openxmlformats.org/markup-compatibility/2006">
+              <mc:Choice xmlns:v="urn:schemas-microsoft-com:vml" Requires="v">
+                <p:oleObj spid="_x0000_s1456" name="Acrobat Document" r:id="rId11" imgW="2742882" imgH="1919957" progId="AcroExch.Document.DC">
+                  <p:embed/>
+                </p:oleObj>
+              </mc:Choice>
+              <mc:Fallback>
+                <p:oleObj name="Acrobat Document" r:id="rId11" imgW="2742882" imgH="1919957" progId="AcroExch.Document.DC">
+                  <p:embed/>
+                  <p:pic>
+                    <p:nvPicPr>
+                      <p:cNvPr id="0" name=""/>
+                      <p:cNvPicPr/>
+                      <p:nvPr/>
+                    </p:nvPicPr>
+                    <p:blipFill>
+                      <a:blip r:embed="rId12"/>
+                      <a:stretch>
+                        <a:fillRect/>
+                      </a:stretch>
+                    </p:blipFill>
+                    <p:spPr>
+                      <a:xfrm>
+                        <a:off x="1337129" y="19333619"/>
+                        <a:ext cx="8965111" cy="5429077"/>
+                      </a:xfrm>
+                      <a:prstGeom prst="rect">
+                        <a:avLst/>
+                      </a:prstGeom>
+                      <a:ln>
+                        <a:solidFill>
+                          <a:schemeClr val="tx1"/>
+                        </a:solidFill>
+                      </a:ln>
+                    </p:spPr>
+                  </p:pic>
+                </p:oleObj>
+              </mc:Fallback>
+            </mc:AlternateContent>
+          </a:graphicData>
+        </a:graphic>
+      </p:graphicFrame>
+      <p:graphicFrame>
+        <p:nvGraphicFramePr>
+          <p:cNvPr id="11" name="Object 10"/>
+          <p:cNvGraphicFramePr>
+            <a:graphicFrameLocks noChangeAspect="1"/>
+          </p:cNvGraphicFramePr>
+          <p:nvPr>
+            <p:extLst>
+              <p:ext uri="{D42A27DB-BD31-4B8C-83A1-F6EECF244321}">
+                <p14:modId xmlns:p14="http://schemas.microsoft.com/office/powerpoint/2010/main" val="353444429"/>
+              </p:ext>
+            </p:extLst>
+          </p:nvPr>
+        </p:nvGraphicFramePr>
+        <p:xfrm>
+          <a:off x="11863229" y="19333619"/>
+          <a:ext cx="9100534" cy="5436204"/>
+        </p:xfrm>
+        <a:graphic>
+          <a:graphicData uri="http://schemas.openxmlformats.org/presentationml/2006/ole">
+            <mc:AlternateContent xmlns:mc="http://schemas.openxmlformats.org/markup-compatibility/2006">
+              <mc:Choice xmlns:v="urn:schemas-microsoft-com:vml" Requires="v">
+                <p:oleObj spid="_x0000_s1457" name="Acrobat Document" r:id="rId13" imgW="2742882" imgH="1919957" progId="AcroExch.Document.DC">
+                  <p:embed/>
+                </p:oleObj>
+              </mc:Choice>
+              <mc:Fallback>
+                <p:oleObj name="Acrobat Document" r:id="rId13" imgW="2742882" imgH="1919957" progId="AcroExch.Document.DC">
+                  <p:embed/>
+                  <p:pic>
+                    <p:nvPicPr>
+                      <p:cNvPr id="0" name=""/>
+                      <p:cNvPicPr/>
+                      <p:nvPr/>
+                    </p:nvPicPr>
+                    <p:blipFill>
+                      <a:blip r:embed="rId14"/>
+                      <a:stretch>
+                        <a:fillRect/>
+                      </a:stretch>
+                    </p:blipFill>
+                    <p:spPr>
+                      <a:xfrm>
+                        <a:off x="11863229" y="19333619"/>
+                        <a:ext cx="9100534" cy="5436204"/>
+                      </a:xfrm>
+                      <a:prstGeom prst="rect">
+                        <a:avLst/>
+                      </a:prstGeom>
+                      <a:ln>
+                        <a:solidFill>
+                          <a:schemeClr val="tx1"/>
+                        </a:solidFill>
+                      </a:ln>
+                    </p:spPr>
+                  </p:pic>
+                </p:oleObj>
+              </mc:Fallback>
+            </mc:AlternateContent>
+          </a:graphicData>
+        </a:graphic>
+      </p:graphicFrame>
+      <p:graphicFrame>
+        <p:nvGraphicFramePr>
+          <p:cNvPr id="12" name="Object 11"/>
+          <p:cNvGraphicFramePr>
+            <a:graphicFrameLocks noChangeAspect="1"/>
+          </p:cNvGraphicFramePr>
+          <p:nvPr>
+            <p:extLst>
+              <p:ext uri="{D42A27DB-BD31-4B8C-83A1-F6EECF244321}">
+                <p14:modId xmlns:p14="http://schemas.microsoft.com/office/powerpoint/2010/main" val="930026391"/>
+              </p:ext>
+            </p:extLst>
+          </p:nvPr>
+        </p:nvGraphicFramePr>
+        <p:xfrm>
+          <a:off x="22735977" y="19333619"/>
+          <a:ext cx="9328981" cy="5429077"/>
+        </p:xfrm>
+        <a:graphic>
+          <a:graphicData uri="http://schemas.openxmlformats.org/presentationml/2006/ole">
+            <mc:AlternateContent xmlns:mc="http://schemas.openxmlformats.org/markup-compatibility/2006">
+              <mc:Choice xmlns:v="urn:schemas-microsoft-com:vml" Requires="v">
+                <p:oleObj spid="_x0000_s1458" name="Acrobat Document" r:id="rId15" imgW="2742882" imgH="1919957" progId="AcroExch.Document.DC">
+                  <p:embed/>
+                </p:oleObj>
+              </mc:Choice>
+              <mc:Fallback>
+                <p:oleObj name="Acrobat Document" r:id="rId15" imgW="2742882" imgH="1919957" progId="AcroExch.Document.DC">
+                  <p:embed/>
+                  <p:pic>
+                    <p:nvPicPr>
+                      <p:cNvPr id="0" name=""/>
+                      <p:cNvPicPr/>
+                      <p:nvPr/>
+                    </p:nvPicPr>
+                    <p:blipFill>
+                      <a:blip r:embed="rId16"/>
+                      <a:stretch>
+                        <a:fillRect/>
+                      </a:stretch>
+                    </p:blipFill>
+                    <p:spPr>
+                      <a:xfrm>
+                        <a:off x="22735977" y="19333619"/>
+                        <a:ext cx="9328981" cy="5429077"/>
+                      </a:xfrm>
+                      <a:prstGeom prst="rect">
+                        <a:avLst/>
+                      </a:prstGeom>
+                      <a:ln>
+                        <a:solidFill>
+                          <a:schemeClr val="tx1"/>
+                        </a:solidFill>
+                      </a:ln>
+                    </p:spPr>
+                  </p:pic>
+                </p:oleObj>
+              </mc:Fallback>
+            </mc:AlternateContent>
+          </a:graphicData>
+        </a:graphic>
+      </p:graphicFrame>
       <p:pic>
         <p:nvPicPr>
-          <p:cNvPr id="36" name="Picture 35"/>
+          <p:cNvPr id="40" name="Picture 39"/>
           <p:cNvPicPr>
             <a:picLocks noChangeAspect="1"/>
           </p:cNvPicPr>
           <p:nvPr/>
         </p:nvPicPr>
         <p:blipFill>
-          <a:blip r:embed="rId10">
+          <a:blip r:embed="rId17">
             <a:extLst>
               <a:ext uri="{28A0092B-C50C-407E-A947-70E740481C1C}">
                 <a14:useLocalDpi xmlns:a14="http://schemas.microsoft.com/office/drawing/2010/main" val="0"/>
@@ -7124,24 +5172,29 @@
         </p:blipFill>
         <p:spPr>
           <a:xfrm>
-            <a:off x="22597465" y="19693646"/>
-            <a:ext cx="9316902" cy="5691840"/>
+            <a:off x="1337129" y="25995843"/>
+            <a:ext cx="8965111" cy="5371356"/>
           </a:xfrm>
           <a:prstGeom prst="rect">
             <a:avLst/>
           </a:prstGeom>
+          <a:ln>
+            <a:solidFill>
+              <a:schemeClr val="tx1"/>
+            </a:solidFill>
+          </a:ln>
         </p:spPr>
       </p:pic>
       <p:pic>
         <p:nvPicPr>
-          <p:cNvPr id="39" name="Picture 38"/>
+          <p:cNvPr id="41" name="Picture 40"/>
           <p:cNvPicPr>
             <a:picLocks noChangeAspect="1"/>
           </p:cNvPicPr>
           <p:nvPr/>
         </p:nvPicPr>
         <p:blipFill>
-          <a:blip r:embed="rId11">
+          <a:blip r:embed="rId18">
             <a:extLst>
               <a:ext uri="{28A0092B-C50C-407E-A947-70E740481C1C}">
                 <a14:useLocalDpi xmlns:a14="http://schemas.microsoft.com/office/drawing/2010/main" val="0"/>
@@ -7154,44 +5207,1727 @@
         </p:blipFill>
         <p:spPr>
           <a:xfrm>
-            <a:off x="33439088" y="19693646"/>
-            <a:ext cx="7845509" cy="5691840"/>
+            <a:off x="11863230" y="25995843"/>
+            <a:ext cx="9100533" cy="5371356"/>
           </a:xfrm>
           <a:prstGeom prst="rect">
             <a:avLst/>
           </a:prstGeom>
+          <a:ln>
+            <a:solidFill>
+              <a:schemeClr val="tx1"/>
+            </a:solidFill>
+          </a:ln>
         </p:spPr>
       </p:pic>
-      <p:pic>
-        <p:nvPicPr>
-          <p:cNvPr id="42" name="Picture 41"/>
-          <p:cNvPicPr>
-            <a:picLocks noChangeAspect="1"/>
-          </p:cNvPicPr>
+      <p:sp>
+        <p:nvSpPr>
+          <p:cNvPr id="45" name="TextBox 44"/>
+          <p:cNvSpPr txBox="1"/>
           <p:nvPr/>
-        </p:nvPicPr>
-        <p:blipFill>
-          <a:blip r:embed="rId12">
-            <a:extLst>
-              <a:ext uri="{28A0092B-C50C-407E-A947-70E740481C1C}">
-                <a14:useLocalDpi xmlns:a14="http://schemas.microsoft.com/office/drawing/2010/main" val="0"/>
-              </a:ext>
-            </a:extLst>
-          </a:blip>
-          <a:stretch>
-            <a:fillRect/>
-          </a:stretch>
-        </p:blipFill>
+        </p:nvSpPr>
         <p:spPr>
           <a:xfrm>
-            <a:off x="22750268" y="25791222"/>
-            <a:ext cx="9992134" cy="5987933"/>
+            <a:off x="635147" y="24770292"/>
+            <a:ext cx="10233585" cy="769441"/>
           </a:xfrm>
           <a:prstGeom prst="rect">
             <a:avLst/>
           </a:prstGeom>
+          <a:noFill/>
         </p:spPr>
-      </p:pic>
+        <p:txBody>
+          <a:bodyPr wrap="square" rtlCol="0">
+            <a:spAutoFit/>
+          </a:bodyPr>
+          <a:lstStyle/>
+          <a:p>
+            <a:pPr algn="ctr"/>
+            <a:r>
+              <a:rPr lang="en-US" sz="4400" dirty="0" smtClean="0">
+                <a:ea typeface="Times New Roman" charset="0"/>
+                <a:cs typeface="Times New Roman" charset="0"/>
+              </a:rPr>
+              <a:t>Reduced Skype Call Jitter</a:t>
+            </a:r>
+            <a:endParaRPr lang="en-US" sz="4400" dirty="0">
+              <a:ea typeface="Times New Roman" charset="0"/>
+              <a:cs typeface="Times New Roman" charset="0"/>
+            </a:endParaRPr>
+          </a:p>
+        </p:txBody>
+      </p:sp>
+      <p:sp>
+        <p:nvSpPr>
+          <p:cNvPr id="49" name="TextBox 48"/>
+          <p:cNvSpPr txBox="1"/>
+          <p:nvPr/>
+        </p:nvSpPr>
+        <p:spPr>
+          <a:xfrm>
+            <a:off x="11336455" y="24770292"/>
+            <a:ext cx="10233585" cy="769441"/>
+          </a:xfrm>
+          <a:prstGeom prst="rect">
+            <a:avLst/>
+          </a:prstGeom>
+          <a:noFill/>
+        </p:spPr>
+        <p:txBody>
+          <a:bodyPr wrap="square" rtlCol="0">
+            <a:spAutoFit/>
+          </a:bodyPr>
+          <a:lstStyle/>
+          <a:p>
+            <a:pPr algn="ctr"/>
+            <a:r>
+              <a:rPr lang="en-US" sz="4400" dirty="0" smtClean="0">
+                <a:ea typeface="Times New Roman" charset="0"/>
+                <a:cs typeface="Times New Roman" charset="0"/>
+              </a:rPr>
+              <a:t>Improved VLC </a:t>
+            </a:r>
+            <a:r>
+              <a:rPr lang="en-US" sz="4400" dirty="0" err="1" smtClean="0">
+                <a:ea typeface="Times New Roman" charset="0"/>
+                <a:cs typeface="Times New Roman" charset="0"/>
+              </a:rPr>
+              <a:t>Realtime</a:t>
+            </a:r>
+            <a:r>
+              <a:rPr lang="en-US" sz="4400" dirty="0" smtClean="0">
+                <a:ea typeface="Times New Roman" charset="0"/>
+                <a:cs typeface="Times New Roman" charset="0"/>
+              </a:rPr>
+              <a:t> Streaming Bitrate</a:t>
+            </a:r>
+            <a:endParaRPr lang="en-US" sz="4400" dirty="0">
+              <a:ea typeface="Times New Roman" charset="0"/>
+              <a:cs typeface="Times New Roman" charset="0"/>
+            </a:endParaRPr>
+          </a:p>
+        </p:txBody>
+      </p:sp>
+      <p:sp>
+        <p:nvSpPr>
+          <p:cNvPr id="50" name="TextBox 49"/>
+          <p:cNvSpPr txBox="1"/>
+          <p:nvPr/>
+        </p:nvSpPr>
+        <p:spPr>
+          <a:xfrm>
+            <a:off x="2181887" y="31438588"/>
+            <a:ext cx="17693983" cy="769441"/>
+          </a:xfrm>
+          <a:prstGeom prst="rect">
+            <a:avLst/>
+          </a:prstGeom>
+          <a:noFill/>
+        </p:spPr>
+        <p:txBody>
+          <a:bodyPr wrap="square" rtlCol="0">
+            <a:spAutoFit/>
+          </a:bodyPr>
+          <a:lstStyle/>
+          <a:p>
+            <a:pPr algn="ctr"/>
+            <a:r>
+              <a:rPr lang="en-US" sz="4400" dirty="0" smtClean="0">
+                <a:ea typeface="Times New Roman" charset="0"/>
+                <a:cs typeface="Times New Roman" charset="0"/>
+              </a:rPr>
+              <a:t>Reduced Frame Drops and Segment Latency in DASH (HTTP) Video Streaming</a:t>
+            </a:r>
+            <a:endParaRPr lang="en-US" sz="4400" dirty="0">
+              <a:ea typeface="Times New Roman" charset="0"/>
+              <a:cs typeface="Times New Roman" charset="0"/>
+            </a:endParaRPr>
+          </a:p>
+        </p:txBody>
+      </p:sp>
+      <p:sp>
+        <p:nvSpPr>
+          <p:cNvPr id="54" name="TextBox 53"/>
+          <p:cNvSpPr txBox="1"/>
+          <p:nvPr/>
+        </p:nvSpPr>
+        <p:spPr>
+          <a:xfrm>
+            <a:off x="21769428" y="24770292"/>
+            <a:ext cx="11325914" cy="769441"/>
+          </a:xfrm>
+          <a:prstGeom prst="rect">
+            <a:avLst/>
+          </a:prstGeom>
+          <a:noFill/>
+        </p:spPr>
+        <p:txBody>
+          <a:bodyPr wrap="square" rtlCol="0">
+            <a:spAutoFit/>
+          </a:bodyPr>
+          <a:lstStyle/>
+          <a:p>
+            <a:pPr algn="ctr"/>
+            <a:r>
+              <a:rPr lang="en-US" sz="4400" dirty="0" smtClean="0">
+                <a:ea typeface="Times New Roman" charset="0"/>
+                <a:cs typeface="Times New Roman" charset="0"/>
+              </a:rPr>
+              <a:t>Improved Worst-Case VLC Streaming Bitrate</a:t>
+            </a:r>
+            <a:endParaRPr lang="en-US" sz="4400" dirty="0">
+              <a:ea typeface="Times New Roman" charset="0"/>
+              <a:cs typeface="Times New Roman" charset="0"/>
+            </a:endParaRPr>
+          </a:p>
+        </p:txBody>
+      </p:sp>
+      <p:sp>
+        <p:nvSpPr>
+          <p:cNvPr id="55" name="TextBox 54"/>
+          <p:cNvSpPr txBox="1"/>
+          <p:nvPr/>
+        </p:nvSpPr>
+        <p:spPr>
+          <a:xfrm>
+            <a:off x="21835560" y="31418838"/>
+            <a:ext cx="11129813" cy="769441"/>
+          </a:xfrm>
+          <a:prstGeom prst="rect">
+            <a:avLst/>
+          </a:prstGeom>
+          <a:noFill/>
+        </p:spPr>
+        <p:txBody>
+          <a:bodyPr wrap="square" rtlCol="0">
+            <a:spAutoFit/>
+          </a:bodyPr>
+          <a:lstStyle/>
+          <a:p>
+            <a:pPr algn="ctr"/>
+            <a:r>
+              <a:rPr lang="en-US" sz="4400" dirty="0" smtClean="0">
+                <a:ea typeface="Times New Roman" charset="0"/>
+                <a:cs typeface="Times New Roman" charset="0"/>
+              </a:rPr>
+              <a:t>Reduced Latencies in DASH Video Streaming</a:t>
+            </a:r>
+            <a:endParaRPr lang="en-US" sz="4400" dirty="0">
+              <a:ea typeface="Times New Roman" charset="0"/>
+              <a:cs typeface="Times New Roman" charset="0"/>
+            </a:endParaRPr>
+          </a:p>
+        </p:txBody>
+      </p:sp>
+      <p:sp>
+        <p:nvSpPr>
+          <p:cNvPr id="56" name="TextBox 55"/>
+          <p:cNvSpPr txBox="1"/>
+          <p:nvPr/>
+        </p:nvSpPr>
+        <p:spPr>
+          <a:xfrm>
+            <a:off x="33500947" y="24466891"/>
+            <a:ext cx="9126268" cy="646331"/>
+          </a:xfrm>
+          <a:prstGeom prst="rect">
+            <a:avLst/>
+          </a:prstGeom>
+          <a:noFill/>
+        </p:spPr>
+        <p:txBody>
+          <a:bodyPr wrap="square" rtlCol="0">
+            <a:spAutoFit/>
+          </a:bodyPr>
+          <a:lstStyle/>
+          <a:p>
+            <a:pPr algn="ctr"/>
+            <a:r>
+              <a:rPr lang="en-US" sz="3600" dirty="0" smtClean="0">
+                <a:ea typeface="Times New Roman" charset="0"/>
+                <a:cs typeface="Times New Roman" charset="0"/>
+              </a:rPr>
+              <a:t>OVS-</a:t>
+            </a:r>
+            <a:r>
+              <a:rPr lang="en-US" sz="3600" dirty="0" err="1" smtClean="0">
+                <a:ea typeface="Times New Roman" charset="0"/>
+                <a:cs typeface="Times New Roman" charset="0"/>
+              </a:rPr>
+              <a:t>OpenFlow</a:t>
+            </a:r>
+            <a:r>
+              <a:rPr lang="en-US" sz="3600" dirty="0" smtClean="0">
+                <a:ea typeface="Times New Roman" charset="0"/>
+                <a:cs typeface="Times New Roman" charset="0"/>
+              </a:rPr>
+              <a:t> Policing Bandwidth Utilization</a:t>
+            </a:r>
+            <a:endParaRPr lang="en-US" sz="3600" dirty="0">
+              <a:ea typeface="Times New Roman" charset="0"/>
+              <a:cs typeface="Times New Roman" charset="0"/>
+            </a:endParaRPr>
+          </a:p>
+        </p:txBody>
+      </p:sp>
+      <p:sp>
+        <p:nvSpPr>
+          <p:cNvPr id="13" name="Rectangle 12"/>
+          <p:cNvSpPr/>
+          <p:nvPr/>
+        </p:nvSpPr>
+        <p:spPr>
+          <a:xfrm>
+            <a:off x="33039309" y="19051874"/>
+            <a:ext cx="10041670" cy="13223173"/>
+          </a:xfrm>
+          <a:prstGeom prst="rect">
+            <a:avLst/>
+          </a:prstGeom>
+          <a:noFill/>
+          <a:ln w="3175">
+            <a:solidFill>
+              <a:schemeClr val="tx1"/>
+            </a:solidFill>
+          </a:ln>
+          <a:effectLst/>
+        </p:spPr>
+        <p:style>
+          <a:lnRef idx="1">
+            <a:schemeClr val="accent1"/>
+          </a:lnRef>
+          <a:fillRef idx="3">
+            <a:schemeClr val="accent1"/>
+          </a:fillRef>
+          <a:effectRef idx="2">
+            <a:schemeClr val="accent1"/>
+          </a:effectRef>
+          <a:fontRef idx="minor">
+            <a:schemeClr val="lt1"/>
+          </a:fontRef>
+        </p:style>
+        <p:txBody>
+          <a:bodyPr rtlCol="0" anchor="ctr"/>
+          <a:lstStyle/>
+          <a:p>
+            <a:pPr algn="ctr"/>
+            <a:endParaRPr lang="en-US"/>
+          </a:p>
+        </p:txBody>
+      </p:sp>
+      <p:sp>
+        <p:nvSpPr>
+          <p:cNvPr id="57" name="TextBox 56"/>
+          <p:cNvSpPr txBox="1"/>
+          <p:nvPr/>
+        </p:nvSpPr>
+        <p:spPr>
+          <a:xfrm>
+            <a:off x="33236617" y="31628716"/>
+            <a:ext cx="9435492" cy="646331"/>
+          </a:xfrm>
+          <a:prstGeom prst="rect">
+            <a:avLst/>
+          </a:prstGeom>
+          <a:noFill/>
+        </p:spPr>
+        <p:txBody>
+          <a:bodyPr wrap="square" rtlCol="0">
+            <a:spAutoFit/>
+          </a:bodyPr>
+          <a:lstStyle/>
+          <a:p>
+            <a:pPr algn="ctr"/>
+            <a:r>
+              <a:rPr lang="en-US" sz="3600" dirty="0" smtClean="0">
+                <a:ea typeface="Times New Roman" charset="0"/>
+                <a:cs typeface="Times New Roman" charset="0"/>
+              </a:rPr>
+              <a:t>HTB Traffic Shaping Bandwidth Utilization</a:t>
+            </a:r>
+            <a:endParaRPr lang="en-US" sz="3600" dirty="0">
+              <a:ea typeface="Times New Roman" charset="0"/>
+              <a:cs typeface="Times New Roman" charset="0"/>
+            </a:endParaRPr>
+          </a:p>
+        </p:txBody>
+      </p:sp>
+      <p:grpSp>
+        <p:nvGrpSpPr>
+          <p:cNvPr id="4" name="Group 3"/>
+          <p:cNvGrpSpPr/>
+          <p:nvPr/>
+        </p:nvGrpSpPr>
+        <p:grpSpPr>
+          <a:xfrm>
+            <a:off x="12984203" y="3766400"/>
+            <a:ext cx="30241492" cy="13991696"/>
+            <a:chOff x="12853621" y="3771628"/>
+            <a:chExt cx="30180606" cy="13991696"/>
+          </a:xfrm>
+        </p:grpSpPr>
+        <p:sp>
+          <p:nvSpPr>
+            <p:cNvPr id="53" name="TextBox 52"/>
+            <p:cNvSpPr txBox="1"/>
+            <p:nvPr/>
+          </p:nvSpPr>
+          <p:spPr>
+            <a:xfrm>
+              <a:off x="12853621" y="4041861"/>
+              <a:ext cx="15655369" cy="750471"/>
+            </a:xfrm>
+            <a:prstGeom prst="rect">
+              <a:avLst/>
+            </a:prstGeom>
+            <a:solidFill>
+              <a:schemeClr val="accent1">
+                <a:lumMod val="75000"/>
+              </a:schemeClr>
+            </a:solidFill>
+          </p:spPr>
+          <p:txBody>
+            <a:bodyPr wrap="none" lIns="127000" tIns="127000" rIns="127000" bIns="127000" rtlCol="0">
+              <a:normAutofit fontScale="70000" lnSpcReduction="20000"/>
+            </a:bodyPr>
+            <a:lstStyle>
+              <a:defPPr>
+                <a:defRPr lang="en-US"/>
+              </a:defPPr>
+              <a:lvl1pPr algn="ctr">
+                <a:defRPr sz="5600">
+                  <a:solidFill>
+                    <a:schemeClr val="bg1"/>
+                  </a:solidFill>
+                  <a:latin typeface="Franklin Gothic Medium"/>
+                  <a:cs typeface="Franklin Gothic Medium"/>
+                </a:defRPr>
+              </a:lvl1pPr>
+            </a:lstStyle>
+            <a:p>
+              <a:r>
+                <a:rPr lang="en-US" altLang="zh-CN" dirty="0" err="1"/>
+                <a:t>FlowQoS</a:t>
+              </a:r>
+              <a:r>
+                <a:rPr lang="zh-CN" altLang="en-US" dirty="0"/>
+                <a:t> </a:t>
+              </a:r>
+              <a:r>
+                <a:rPr lang="en-US" altLang="zh-CN" dirty="0" smtClean="0"/>
+                <a:t>Classification &amp; Rate Control</a:t>
+              </a:r>
+              <a:endParaRPr lang="en-US" dirty="0"/>
+            </a:p>
+          </p:txBody>
+        </p:sp>
+        <p:sp>
+          <p:nvSpPr>
+            <p:cNvPr id="66" name="TextBox 65"/>
+            <p:cNvSpPr txBox="1"/>
+            <p:nvPr/>
+          </p:nvSpPr>
+          <p:spPr>
+            <a:xfrm>
+              <a:off x="13058756" y="11039066"/>
+              <a:ext cx="15450234" cy="828000"/>
+            </a:xfrm>
+            <a:prstGeom prst="rect">
+              <a:avLst/>
+            </a:prstGeom>
+            <a:solidFill>
+              <a:schemeClr val="accent1">
+                <a:lumMod val="75000"/>
+              </a:schemeClr>
+            </a:solidFill>
+          </p:spPr>
+          <p:txBody>
+            <a:bodyPr wrap="none" lIns="127000" tIns="127000" rIns="127000" bIns="127000" rtlCol="0">
+              <a:normAutofit fontScale="77500" lnSpcReduction="20000"/>
+            </a:bodyPr>
+            <a:lstStyle>
+              <a:defPPr>
+                <a:defRPr lang="en-US"/>
+              </a:defPPr>
+              <a:lvl1pPr algn="ctr">
+                <a:defRPr sz="5600">
+                  <a:solidFill>
+                    <a:schemeClr val="bg1"/>
+                  </a:solidFill>
+                  <a:latin typeface="Franklin Gothic Medium"/>
+                  <a:cs typeface="Franklin Gothic Medium"/>
+                </a:defRPr>
+              </a:lvl1pPr>
+            </a:lstStyle>
+            <a:p>
+              <a:r>
+                <a:rPr lang="en-US" altLang="zh-CN" dirty="0" smtClean="0"/>
+                <a:t>Linux Traffic Control</a:t>
+              </a:r>
+              <a:endParaRPr lang="en-US" dirty="0"/>
+            </a:p>
+          </p:txBody>
+        </p:sp>
+        <p:graphicFrame>
+          <p:nvGraphicFramePr>
+            <p:cNvPr id="3" name="Object 2"/>
+            <p:cNvGraphicFramePr>
+              <a:graphicFrameLocks noChangeAspect="1"/>
+            </p:cNvGraphicFramePr>
+            <p:nvPr>
+              <p:extLst>
+                <p:ext uri="{D42A27DB-BD31-4B8C-83A1-F6EECF244321}">
+                  <p14:modId xmlns:p14="http://schemas.microsoft.com/office/powerpoint/2010/main" val="2651351725"/>
+                </p:ext>
+              </p:extLst>
+            </p:nvPr>
+          </p:nvGraphicFramePr>
+          <p:xfrm>
+            <a:off x="30575716" y="11024840"/>
+            <a:ext cx="11070818" cy="6738484"/>
+          </p:xfrm>
+          <a:graphic>
+            <a:graphicData uri="http://schemas.openxmlformats.org/presentationml/2006/ole">
+              <mc:AlternateContent xmlns:mc="http://schemas.openxmlformats.org/markup-compatibility/2006">
+                <mc:Choice xmlns:v="urn:schemas-microsoft-com:vml" Requires="v">
+                  <p:oleObj spid="_x0000_s1459" name="Acrobat Document" r:id="rId19" imgW="6034934" imgH="4663299" progId="AcroExch.Document.DC">
+                    <p:embed/>
+                  </p:oleObj>
+                </mc:Choice>
+                <mc:Fallback>
+                  <p:oleObj name="Acrobat Document" r:id="rId19" imgW="6034934" imgH="4663299" progId="AcroExch.Document.DC">
+                    <p:embed/>
+                    <p:pic>
+                      <p:nvPicPr>
+                        <p:cNvPr id="0" name=""/>
+                        <p:cNvPicPr/>
+                        <p:nvPr/>
+                      </p:nvPicPr>
+                      <p:blipFill>
+                        <a:blip r:embed="rId20"/>
+                        <a:stretch>
+                          <a:fillRect/>
+                        </a:stretch>
+                      </p:blipFill>
+                      <p:spPr>
+                        <a:xfrm>
+                          <a:off x="30575716" y="11024840"/>
+                          <a:ext cx="11070818" cy="6738484"/>
+                        </a:xfrm>
+                        <a:prstGeom prst="rect">
+                          <a:avLst/>
+                        </a:prstGeom>
+                      </p:spPr>
+                    </p:pic>
+                  </p:oleObj>
+                </mc:Fallback>
+              </mc:AlternateContent>
+            </a:graphicData>
+          </a:graphic>
+        </p:graphicFrame>
+        <p:sp>
+          <p:nvSpPr>
+            <p:cNvPr id="69" name="TextBox 68"/>
+            <p:cNvSpPr txBox="1"/>
+            <p:nvPr/>
+          </p:nvSpPr>
+          <p:spPr>
+            <a:xfrm>
+              <a:off x="13058756" y="5054322"/>
+              <a:ext cx="15450234" cy="5816977"/>
+            </a:xfrm>
+            <a:prstGeom prst="rect">
+              <a:avLst/>
+            </a:prstGeom>
+            <a:noFill/>
+          </p:spPr>
+          <p:txBody>
+            <a:bodyPr wrap="square" rtlCol="0">
+              <a:spAutoFit/>
+            </a:bodyPr>
+            <a:lstStyle/>
+            <a:p>
+              <a:pPr>
+                <a:spcAft>
+                  <a:spcPts val="600"/>
+                </a:spcAft>
+              </a:pPr>
+              <a:r>
+                <a:rPr lang="en-US" sz="4400" dirty="0" smtClean="0">
+                  <a:ea typeface="Times New Roman" charset="0"/>
+                  <a:cs typeface="Times New Roman" charset="0"/>
+                </a:rPr>
+                <a:t>•</a:t>
+              </a:r>
+              <a:r>
+                <a:rPr lang="en-US" sz="4400" dirty="0">
+                  <a:ea typeface="Times New Roman" charset="0"/>
+                  <a:cs typeface="Times New Roman" charset="0"/>
+                </a:rPr>
+                <a:t> </a:t>
+              </a:r>
+              <a:r>
+                <a:rPr lang="en-US" sz="4400" dirty="0" smtClean="0">
+                  <a:ea typeface="Times New Roman" charset="0"/>
+                  <a:cs typeface="Times New Roman" charset="0"/>
+                </a:rPr>
+                <a:t>Users</a:t>
+              </a:r>
+              <a:r>
+                <a:rPr lang="zh-CN" altLang="en-US" sz="4400" dirty="0" smtClean="0">
+                  <a:ea typeface="Times New Roman" charset="0"/>
+                  <a:cs typeface="Times New Roman" charset="0"/>
+                </a:rPr>
+                <a:t> </a:t>
+              </a:r>
+              <a:r>
+                <a:rPr lang="en-US" sz="4400" dirty="0" smtClean="0">
+                  <a:ea typeface="Times New Roman" charset="0"/>
+                  <a:cs typeface="Times New Roman" charset="0"/>
+                </a:rPr>
+                <a:t>configure</a:t>
+              </a:r>
+              <a:r>
+                <a:rPr lang="zh-CN" altLang="en-US" sz="4400" dirty="0">
+                  <a:ea typeface="Times New Roman" charset="0"/>
+                  <a:cs typeface="Times New Roman" charset="0"/>
+                </a:rPr>
+                <a:t> </a:t>
+              </a:r>
+              <a:r>
+                <a:rPr lang="en-US" sz="4400" dirty="0" smtClean="0">
+                  <a:ea typeface="Times New Roman" charset="0"/>
+                  <a:cs typeface="Times New Roman" charset="0"/>
+                </a:rPr>
+                <a:t>priori</a:t>
+              </a:r>
+              <a:r>
+                <a:rPr lang="en-US" altLang="zh-CN" sz="4400" dirty="0" smtClean="0">
+                  <a:ea typeface="Times New Roman" charset="0"/>
+                  <a:cs typeface="Times New Roman" charset="0"/>
+                </a:rPr>
+                <a:t>ti</a:t>
+              </a:r>
+              <a:r>
+                <a:rPr lang="en-US" sz="4400" dirty="0" smtClean="0">
+                  <a:ea typeface="Times New Roman" charset="0"/>
+                  <a:cs typeface="Times New Roman" charset="0"/>
+                </a:rPr>
+                <a:t>es</a:t>
+              </a:r>
+              <a:r>
+                <a:rPr lang="zh-CN" altLang="en-US" sz="4400" dirty="0" smtClean="0">
+                  <a:ea typeface="Times New Roman" charset="0"/>
+                  <a:cs typeface="Times New Roman" charset="0"/>
+                </a:rPr>
+                <a:t> </a:t>
+              </a:r>
+              <a:r>
+                <a:rPr lang="en-US" sz="4400" dirty="0" smtClean="0">
+                  <a:ea typeface="Times New Roman" charset="0"/>
+                  <a:cs typeface="Times New Roman" charset="0"/>
+                </a:rPr>
+                <a:t>for</a:t>
+              </a:r>
+              <a:r>
+                <a:rPr lang="zh-CN" altLang="en-US" sz="4400" dirty="0">
+                  <a:ea typeface="Times New Roman" charset="0"/>
+                  <a:cs typeface="Times New Roman" charset="0"/>
+                </a:rPr>
+                <a:t> </a:t>
+              </a:r>
+              <a:r>
+                <a:rPr lang="en-US" sz="4400" dirty="0" smtClean="0">
+                  <a:ea typeface="Times New Roman" charset="0"/>
+                  <a:cs typeface="Times New Roman" charset="0"/>
+                </a:rPr>
+                <a:t>specific</a:t>
+              </a:r>
+              <a:r>
+                <a:rPr lang="zh-CN" altLang="en-US" sz="4400" dirty="0">
+                  <a:ea typeface="Times New Roman" charset="0"/>
+                  <a:cs typeface="Times New Roman" charset="0"/>
+                </a:rPr>
+                <a:t> </a:t>
+              </a:r>
+              <a:r>
+                <a:rPr lang="en-US" sz="4400" dirty="0" smtClean="0">
+                  <a:ea typeface="Times New Roman" charset="0"/>
+                  <a:cs typeface="Times New Roman" charset="0"/>
+                </a:rPr>
+                <a:t>high</a:t>
+              </a:r>
+              <a:r>
+                <a:rPr lang="en-US" altLang="zh-CN" sz="4400" dirty="0" smtClean="0">
+                  <a:ea typeface="Times New Roman" charset="0"/>
+                  <a:cs typeface="Times New Roman" charset="0"/>
+                </a:rPr>
+                <a:t>-</a:t>
+              </a:r>
+              <a:r>
+                <a:rPr lang="en-US" sz="4400" dirty="0" smtClean="0">
+                  <a:ea typeface="Times New Roman" charset="0"/>
+                  <a:cs typeface="Times New Roman" charset="0"/>
+                </a:rPr>
+                <a:t>level</a:t>
+              </a:r>
+              <a:r>
+                <a:rPr lang="zh-CN" altLang="en-US" sz="4400" dirty="0">
+                  <a:ea typeface="Times New Roman" charset="0"/>
+                  <a:cs typeface="Times New Roman" charset="0"/>
+                </a:rPr>
+                <a:t> </a:t>
+              </a:r>
+              <a:r>
+                <a:rPr lang="en-US" sz="4400" dirty="0" smtClean="0">
+                  <a:ea typeface="Times New Roman" charset="0"/>
+                  <a:cs typeface="Times New Roman" charset="0"/>
+                </a:rPr>
+                <a:t>applica</a:t>
+              </a:r>
+              <a:r>
+                <a:rPr lang="en-US" altLang="zh-CN" sz="4400" dirty="0" smtClean="0">
+                  <a:ea typeface="Times New Roman" charset="0"/>
+                  <a:cs typeface="Times New Roman" charset="0"/>
+                </a:rPr>
+                <a:t>ti</a:t>
+              </a:r>
+              <a:r>
+                <a:rPr lang="en-US" sz="4400" dirty="0" smtClean="0">
+                  <a:ea typeface="Times New Roman" charset="0"/>
+                  <a:cs typeface="Times New Roman" charset="0"/>
+                </a:rPr>
+                <a:t>ons</a:t>
+              </a:r>
+              <a:r>
+                <a:rPr lang="en-US" sz="4400" dirty="0">
+                  <a:ea typeface="Times New Roman" charset="0"/>
+                  <a:cs typeface="Times New Roman" charset="0"/>
+                </a:rPr>
+                <a:t>.</a:t>
+              </a:r>
+              <a:endParaRPr lang="zh-CN" altLang="en-US" sz="4400" dirty="0" smtClean="0">
+                <a:ea typeface="Times New Roman" charset="0"/>
+                <a:cs typeface="Times New Roman" charset="0"/>
+              </a:endParaRPr>
+            </a:p>
+            <a:p>
+              <a:pPr>
+                <a:spcAft>
+                  <a:spcPts val="600"/>
+                </a:spcAft>
+              </a:pPr>
+              <a:r>
+                <a:rPr lang="en-US" sz="4400" dirty="0" smtClean="0">
+                  <a:ea typeface="Times New Roman" charset="0"/>
+                  <a:cs typeface="Times New Roman" charset="0"/>
+                </a:rPr>
+                <a:t>• The</a:t>
+              </a:r>
+              <a:r>
+                <a:rPr lang="zh-CN" altLang="en-US" sz="4400" dirty="0" smtClean="0">
+                  <a:ea typeface="Times New Roman" charset="0"/>
+                  <a:cs typeface="Times New Roman" charset="0"/>
+                </a:rPr>
+                <a:t> </a:t>
+              </a:r>
+              <a:r>
+                <a:rPr lang="en-US" sz="4400" dirty="0" smtClean="0">
+                  <a:ea typeface="Times New Roman" charset="0"/>
+                  <a:cs typeface="Times New Roman" charset="0"/>
+                </a:rPr>
+                <a:t>output</a:t>
+              </a:r>
+              <a:r>
+                <a:rPr lang="zh-CN" altLang="en-US" sz="4400" dirty="0">
+                  <a:ea typeface="Times New Roman" charset="0"/>
+                  <a:cs typeface="Times New Roman" charset="0"/>
+                </a:rPr>
+                <a:t> </a:t>
+              </a:r>
+              <a:r>
+                <a:rPr lang="en-US" sz="4400" dirty="0" smtClean="0">
+                  <a:ea typeface="Times New Roman" charset="0"/>
+                  <a:cs typeface="Times New Roman" charset="0"/>
+                </a:rPr>
+                <a:t>from</a:t>
+              </a:r>
+              <a:r>
+                <a:rPr lang="zh-CN" altLang="en-US" sz="4400" dirty="0">
+                  <a:ea typeface="Times New Roman" charset="0"/>
+                  <a:cs typeface="Times New Roman" charset="0"/>
+                </a:rPr>
+                <a:t> </a:t>
+              </a:r>
+              <a:r>
+                <a:rPr lang="en-US" sz="4400" dirty="0" smtClean="0">
+                  <a:ea typeface="Times New Roman" charset="0"/>
+                  <a:cs typeface="Times New Roman" charset="0"/>
+                </a:rPr>
+                <a:t>the</a:t>
+              </a:r>
+              <a:r>
+                <a:rPr lang="zh-CN" altLang="en-US" sz="4400" dirty="0">
+                  <a:ea typeface="Times New Roman" charset="0"/>
+                  <a:cs typeface="Times New Roman" charset="0"/>
+                </a:rPr>
+                <a:t> </a:t>
+              </a:r>
+              <a:r>
+                <a:rPr lang="en-US" sz="4400" dirty="0" smtClean="0">
+                  <a:ea typeface="Times New Roman" charset="0"/>
+                  <a:cs typeface="Times New Roman" charset="0"/>
+                </a:rPr>
+                <a:t>portal</a:t>
+              </a:r>
+              <a:r>
+                <a:rPr lang="zh-CN" altLang="en-US" sz="4400" dirty="0">
+                  <a:ea typeface="Times New Roman" charset="0"/>
+                  <a:cs typeface="Times New Roman" charset="0"/>
+                </a:rPr>
+                <a:t> </a:t>
+              </a:r>
+              <a:r>
+                <a:rPr lang="en-US" sz="4400" dirty="0" smtClean="0">
+                  <a:ea typeface="Times New Roman" charset="0"/>
+                  <a:cs typeface="Times New Roman" charset="0"/>
+                </a:rPr>
+                <a:t>is</a:t>
+              </a:r>
+              <a:r>
+                <a:rPr lang="zh-CN" altLang="en-US" sz="4400" dirty="0">
+                  <a:ea typeface="Times New Roman" charset="0"/>
+                  <a:cs typeface="Times New Roman" charset="0"/>
+                </a:rPr>
+                <a:t> </a:t>
+              </a:r>
+              <a:r>
+                <a:rPr lang="en-US" sz="4400" dirty="0" smtClean="0">
+                  <a:ea typeface="Times New Roman" charset="0"/>
+                  <a:cs typeface="Times New Roman" charset="0"/>
+                </a:rPr>
+                <a:t>a</a:t>
+              </a:r>
+              <a:r>
+                <a:rPr lang="zh-CN" altLang="en-US" sz="4400" dirty="0">
+                  <a:ea typeface="Times New Roman" charset="0"/>
+                  <a:cs typeface="Times New Roman" charset="0"/>
+                </a:rPr>
+                <a:t> </a:t>
+              </a:r>
+              <a:r>
+                <a:rPr lang="en-US" sz="4400" dirty="0" smtClean="0">
+                  <a:ea typeface="Times New Roman" charset="0"/>
+                  <a:cs typeface="Times New Roman" charset="0"/>
+                </a:rPr>
+                <a:t>configura</a:t>
+              </a:r>
+              <a:r>
+                <a:rPr lang="en-US" altLang="zh-CN" sz="4400" dirty="0" smtClean="0">
+                  <a:ea typeface="Times New Roman" charset="0"/>
+                  <a:cs typeface="Times New Roman" charset="0"/>
+                </a:rPr>
+                <a:t>ti</a:t>
+              </a:r>
+              <a:r>
+                <a:rPr lang="en-US" sz="4400" dirty="0" smtClean="0">
+                  <a:ea typeface="Times New Roman" charset="0"/>
+                  <a:cs typeface="Times New Roman" charset="0"/>
+                </a:rPr>
+                <a:t>on</a:t>
+              </a:r>
+              <a:r>
+                <a:rPr lang="zh-CN" altLang="en-US" sz="4400" dirty="0">
+                  <a:ea typeface="Times New Roman" charset="0"/>
+                  <a:cs typeface="Times New Roman" charset="0"/>
+                </a:rPr>
+                <a:t> </a:t>
+              </a:r>
+              <a:r>
+                <a:rPr lang="en-US" sz="4400" dirty="0" smtClean="0">
+                  <a:ea typeface="Times New Roman" charset="0"/>
+                  <a:cs typeface="Times New Roman" charset="0"/>
+                </a:rPr>
+                <a:t>file</a:t>
+              </a:r>
+              <a:r>
+                <a:rPr lang="zh-CN" altLang="en-US" sz="4400" dirty="0">
+                  <a:ea typeface="Times New Roman" charset="0"/>
+                  <a:cs typeface="Times New Roman" charset="0"/>
+                </a:rPr>
+                <a:t> </a:t>
+              </a:r>
+              <a:r>
+                <a:rPr lang="en-US" sz="4400" dirty="0" smtClean="0">
+                  <a:ea typeface="Times New Roman" charset="0"/>
+                  <a:cs typeface="Times New Roman" charset="0"/>
+                </a:rPr>
+                <a:t>that</a:t>
+              </a:r>
+              <a:r>
+                <a:rPr lang="zh-CN" altLang="en-US" sz="4400" dirty="0">
+                  <a:ea typeface="Times New Roman" charset="0"/>
+                  <a:cs typeface="Times New Roman" charset="0"/>
+                </a:rPr>
+                <a:t> </a:t>
+              </a:r>
+              <a:r>
+                <a:rPr lang="en-US" sz="4400" dirty="0" smtClean="0">
+                  <a:ea typeface="Times New Roman" charset="0"/>
+                  <a:cs typeface="Times New Roman" charset="0"/>
+                </a:rPr>
+                <a:t>the</a:t>
+              </a:r>
+              <a:r>
+                <a:rPr lang="zh-CN" altLang="en-US" sz="4400" dirty="0">
+                  <a:ea typeface="Times New Roman" charset="0"/>
+                  <a:cs typeface="Times New Roman" charset="0"/>
+                </a:rPr>
+                <a:t> </a:t>
+              </a:r>
+              <a:r>
+                <a:rPr lang="en-US" sz="4400" dirty="0" smtClean="0">
+                  <a:ea typeface="Times New Roman" charset="0"/>
+                  <a:cs typeface="Times New Roman" charset="0"/>
+                </a:rPr>
+                <a:t>rate</a:t>
+              </a:r>
+              <a:r>
+                <a:rPr lang="zh-CN" altLang="en-US" sz="4400" dirty="0">
+                  <a:ea typeface="Times New Roman" charset="0"/>
+                  <a:cs typeface="Times New Roman" charset="0"/>
+                </a:rPr>
+                <a:t> </a:t>
+              </a:r>
+              <a:r>
+                <a:rPr lang="en-US" sz="4400" dirty="0" smtClean="0">
+                  <a:ea typeface="Times New Roman" charset="0"/>
+                  <a:cs typeface="Times New Roman" charset="0"/>
+                </a:rPr>
+                <a:t>shaper</a:t>
+              </a:r>
+              <a:r>
+                <a:rPr lang="zh-CN" altLang="en-US" sz="4400" dirty="0">
+                  <a:ea typeface="Times New Roman" charset="0"/>
+                  <a:cs typeface="Times New Roman" charset="0"/>
+                </a:rPr>
+                <a:t> </a:t>
+              </a:r>
+              <a:r>
+                <a:rPr lang="en-US" sz="4400" dirty="0" smtClean="0">
+                  <a:ea typeface="Times New Roman" charset="0"/>
+                  <a:cs typeface="Times New Roman" charset="0"/>
+                </a:rPr>
+                <a:t>uses</a:t>
+              </a:r>
+              <a:r>
+                <a:rPr lang="zh-CN" altLang="en-US" sz="4400" dirty="0">
+                  <a:ea typeface="Times New Roman" charset="0"/>
+                  <a:cs typeface="Times New Roman" charset="0"/>
+                </a:rPr>
+                <a:t> </a:t>
+              </a:r>
+              <a:r>
+                <a:rPr lang="en-US" sz="4400" dirty="0" smtClean="0">
+                  <a:ea typeface="Times New Roman" charset="0"/>
+                  <a:cs typeface="Times New Roman" charset="0"/>
+                </a:rPr>
+                <a:t>for</a:t>
+              </a:r>
+              <a:r>
+                <a:rPr lang="zh-CN" altLang="en-US" sz="4400" dirty="0">
+                  <a:ea typeface="Times New Roman" charset="0"/>
+                  <a:cs typeface="Times New Roman" charset="0"/>
+                </a:rPr>
+                <a:t> </a:t>
+              </a:r>
+              <a:r>
+                <a:rPr lang="en-US" sz="4400" dirty="0" smtClean="0">
+                  <a:ea typeface="Times New Roman" charset="0"/>
+                  <a:cs typeface="Times New Roman" charset="0"/>
+                </a:rPr>
+                <a:t>shaping</a:t>
+              </a:r>
+              <a:r>
+                <a:rPr lang="zh-CN" altLang="en-US" sz="4400" dirty="0">
+                  <a:ea typeface="Times New Roman" charset="0"/>
+                  <a:cs typeface="Times New Roman" charset="0"/>
+                </a:rPr>
+                <a:t> </a:t>
+              </a:r>
+              <a:r>
+                <a:rPr lang="en-US" sz="4400" dirty="0" smtClean="0">
+                  <a:ea typeface="Times New Roman" charset="0"/>
+                  <a:cs typeface="Times New Roman" charset="0"/>
+                </a:rPr>
+                <a:t>traffic</a:t>
+              </a:r>
+              <a:r>
+                <a:rPr lang="en-US" sz="4400" dirty="0" smtClean="0">
+                  <a:ea typeface="Times New Roman" charset="0"/>
+                  <a:cs typeface="Times New Roman" charset="0"/>
+                </a:rPr>
+                <a:t>.</a:t>
+              </a:r>
+            </a:p>
+            <a:p>
+              <a:pPr>
+                <a:spcAft>
+                  <a:spcPts val="600"/>
+                </a:spcAft>
+              </a:pPr>
+              <a:r>
+                <a:rPr lang="en-US" sz="4400" dirty="0" smtClean="0">
+                  <a:ea typeface="Times New Roman" charset="0"/>
+                  <a:cs typeface="Times New Roman" charset="0"/>
+                </a:rPr>
+                <a:t>• Enables</a:t>
+              </a:r>
+              <a:r>
+                <a:rPr lang="zh-CN" altLang="en-US" sz="4400" dirty="0" smtClean="0">
+                  <a:ea typeface="Times New Roman" charset="0"/>
+                  <a:cs typeface="Times New Roman" charset="0"/>
+                </a:rPr>
+                <a:t> </a:t>
+              </a:r>
+              <a:r>
+                <a:rPr lang="en-US" sz="4400" dirty="0">
+                  <a:ea typeface="Times New Roman" charset="0"/>
+                  <a:cs typeface="Times New Roman" charset="0"/>
+                </a:rPr>
+                <a:t>per</a:t>
+              </a:r>
+              <a:r>
+                <a:rPr lang="en-US" altLang="zh-CN" sz="4400" dirty="0">
+                  <a:ea typeface="Times New Roman" charset="0"/>
+                  <a:cs typeface="Times New Roman" charset="0"/>
+                </a:rPr>
+                <a:t>-class</a:t>
+              </a:r>
+              <a:r>
+                <a:rPr lang="zh-CN" altLang="en-US" sz="4400" dirty="0">
+                  <a:ea typeface="Times New Roman" charset="0"/>
+                  <a:cs typeface="Times New Roman" charset="0"/>
+                </a:rPr>
+                <a:t> </a:t>
+              </a:r>
+              <a:r>
+                <a:rPr lang="en-US" sz="4400" dirty="0" err="1">
+                  <a:ea typeface="Times New Roman" charset="0"/>
+                  <a:cs typeface="Times New Roman" charset="0"/>
+                </a:rPr>
+                <a:t>QoS</a:t>
+              </a:r>
+              <a:r>
+                <a:rPr lang="zh-CN" altLang="en-US" sz="4400" dirty="0">
+                  <a:ea typeface="Times New Roman" charset="0"/>
+                  <a:cs typeface="Times New Roman" charset="0"/>
+                </a:rPr>
+                <a:t> </a:t>
+              </a:r>
+              <a:r>
+                <a:rPr lang="en-US" sz="4400" dirty="0">
+                  <a:ea typeface="Times New Roman" charset="0"/>
+                  <a:cs typeface="Times New Roman" charset="0"/>
+                </a:rPr>
+                <a:t>by</a:t>
+              </a:r>
+              <a:r>
+                <a:rPr lang="zh-CN" altLang="en-US" sz="4400" dirty="0">
+                  <a:ea typeface="Times New Roman" charset="0"/>
+                  <a:cs typeface="Times New Roman" charset="0"/>
+                </a:rPr>
+                <a:t> </a:t>
+              </a:r>
+              <a:r>
+                <a:rPr lang="en-US" sz="4400" dirty="0">
+                  <a:ea typeface="Times New Roman" charset="0"/>
+                  <a:cs typeface="Times New Roman" charset="0"/>
+                </a:rPr>
+                <a:t>creating</a:t>
+              </a:r>
+              <a:r>
+                <a:rPr lang="zh-CN" altLang="en-US" sz="4400" dirty="0">
+                  <a:ea typeface="Times New Roman" charset="0"/>
+                  <a:cs typeface="Times New Roman" charset="0"/>
+                </a:rPr>
+                <a:t> </a:t>
+              </a:r>
+              <a:r>
+                <a:rPr lang="en-US" sz="4400" dirty="0">
+                  <a:ea typeface="Times New Roman" charset="0"/>
+                  <a:cs typeface="Times New Roman" charset="0"/>
+                </a:rPr>
+                <a:t>a</a:t>
+              </a:r>
+              <a:r>
+                <a:rPr lang="zh-CN" altLang="en-US" sz="4400" dirty="0">
+                  <a:ea typeface="Times New Roman" charset="0"/>
+                  <a:cs typeface="Times New Roman" charset="0"/>
+                </a:rPr>
+                <a:t> </a:t>
+              </a:r>
+              <a:r>
+                <a:rPr lang="en-US" sz="4400" dirty="0">
+                  <a:ea typeface="Times New Roman" charset="0"/>
+                  <a:cs typeface="Times New Roman" charset="0"/>
+                </a:rPr>
+                <a:t>two-switch</a:t>
+              </a:r>
+              <a:r>
+                <a:rPr lang="zh-CN" altLang="en-US" sz="4400" dirty="0">
+                  <a:ea typeface="Times New Roman" charset="0"/>
+                  <a:cs typeface="Times New Roman" charset="0"/>
+                </a:rPr>
+                <a:t> </a:t>
+              </a:r>
+              <a:r>
+                <a:rPr lang="en-US" sz="4400" dirty="0">
+                  <a:ea typeface="Times New Roman" charset="0"/>
+                  <a:cs typeface="Times New Roman" charset="0"/>
+                </a:rPr>
+                <a:t>virtual</a:t>
+              </a:r>
+              <a:r>
+                <a:rPr lang="zh-CN" altLang="en-US" sz="4400" dirty="0">
+                  <a:ea typeface="Times New Roman" charset="0"/>
+                  <a:cs typeface="Times New Roman" charset="0"/>
+                </a:rPr>
+                <a:t> </a:t>
+              </a:r>
+              <a:r>
+                <a:rPr lang="en-US" sz="4400" dirty="0">
+                  <a:ea typeface="Times New Roman" charset="0"/>
+                  <a:cs typeface="Times New Roman" charset="0"/>
+                </a:rPr>
+                <a:t>topology.</a:t>
+              </a:r>
+            </a:p>
+            <a:p>
+              <a:pPr>
+                <a:spcAft>
+                  <a:spcPts val="600"/>
+                </a:spcAft>
+              </a:pPr>
+              <a:r>
+                <a:rPr lang="en-US" sz="4400" dirty="0">
+                  <a:ea typeface="Times New Roman" charset="0"/>
+                  <a:cs typeface="Times New Roman" charset="0"/>
+                </a:rPr>
+                <a:t>• </a:t>
+              </a:r>
+              <a:r>
+                <a:rPr lang="en-US" sz="4400" dirty="0" smtClean="0">
+                  <a:ea typeface="Times New Roman" charset="0"/>
+                  <a:cs typeface="Times New Roman" charset="0"/>
+                </a:rPr>
+                <a:t>Each</a:t>
+              </a:r>
+              <a:r>
+                <a:rPr lang="zh-CN" altLang="en-US" sz="4400" dirty="0" smtClean="0">
+                  <a:ea typeface="Times New Roman" charset="0"/>
+                  <a:cs typeface="Times New Roman" charset="0"/>
+                </a:rPr>
+                <a:t> </a:t>
+              </a:r>
+              <a:r>
+                <a:rPr lang="en-US" sz="4400" dirty="0" smtClean="0">
+                  <a:ea typeface="Times New Roman" charset="0"/>
+                  <a:cs typeface="Times New Roman" charset="0"/>
+                </a:rPr>
+                <a:t>link</a:t>
+              </a:r>
+              <a:r>
+                <a:rPr lang="zh-CN" altLang="en-US" sz="4400" dirty="0" smtClean="0">
+                  <a:ea typeface="Times New Roman" charset="0"/>
+                  <a:cs typeface="Times New Roman" charset="0"/>
+                </a:rPr>
+                <a:t> </a:t>
+              </a:r>
+              <a:r>
+                <a:rPr lang="en-US" sz="4400" dirty="0" smtClean="0">
+                  <a:ea typeface="Times New Roman" charset="0"/>
+                  <a:cs typeface="Times New Roman" charset="0"/>
+                </a:rPr>
+                <a:t>corresponds</a:t>
+              </a:r>
+              <a:r>
+                <a:rPr lang="zh-CN" altLang="en-US" sz="4400" dirty="0" smtClean="0">
+                  <a:ea typeface="Times New Roman" charset="0"/>
+                  <a:cs typeface="Times New Roman" charset="0"/>
+                </a:rPr>
+                <a:t> </a:t>
+              </a:r>
+              <a:r>
+                <a:rPr lang="en-US" sz="4400" dirty="0">
+                  <a:ea typeface="Times New Roman" charset="0"/>
+                  <a:cs typeface="Times New Roman" charset="0"/>
+                </a:rPr>
+                <a:t>to</a:t>
+              </a:r>
+              <a:r>
+                <a:rPr lang="zh-CN" altLang="en-US" sz="4400" dirty="0">
+                  <a:ea typeface="Times New Roman" charset="0"/>
+                  <a:cs typeface="Times New Roman" charset="0"/>
+                </a:rPr>
+                <a:t> </a:t>
+              </a:r>
+              <a:r>
+                <a:rPr lang="en-US" sz="4400" dirty="0">
+                  <a:ea typeface="Times New Roman" charset="0"/>
+                  <a:cs typeface="Times New Roman" charset="0"/>
+                </a:rPr>
+                <a:t>a</a:t>
+              </a:r>
+              <a:r>
+                <a:rPr lang="zh-CN" altLang="en-US" sz="4400" dirty="0">
+                  <a:ea typeface="Times New Roman" charset="0"/>
+                  <a:cs typeface="Times New Roman" charset="0"/>
+                </a:rPr>
+                <a:t> </a:t>
+              </a:r>
+              <a:r>
+                <a:rPr lang="en-US" sz="4400" dirty="0" smtClean="0">
+                  <a:ea typeface="Times New Roman" charset="0"/>
+                  <a:cs typeface="Times New Roman" charset="0"/>
+                </a:rPr>
+                <a:t>different </a:t>
+              </a:r>
+              <a:r>
+                <a:rPr lang="en-US" altLang="zh-CN" sz="4400" dirty="0" smtClean="0">
+                  <a:ea typeface="Times New Roman" charset="0"/>
+                  <a:cs typeface="Times New Roman" charset="0"/>
+                </a:rPr>
+                <a:t>traffic</a:t>
+              </a:r>
+              <a:r>
+                <a:rPr lang="zh-CN" altLang="en-US" sz="4400" dirty="0" smtClean="0">
+                  <a:ea typeface="Times New Roman" charset="0"/>
+                  <a:cs typeface="Times New Roman" charset="0"/>
+                </a:rPr>
+                <a:t> </a:t>
+              </a:r>
+              <a:r>
+                <a:rPr lang="en-US" altLang="zh-CN" sz="4400" dirty="0" smtClean="0">
+                  <a:ea typeface="Times New Roman" charset="0"/>
+                  <a:cs typeface="Times New Roman" charset="0"/>
+                </a:rPr>
+                <a:t>class and is rate-limited</a:t>
+              </a:r>
+              <a:r>
+                <a:rPr lang="zh-CN" altLang="en-US" sz="4400" dirty="0" smtClean="0">
+                  <a:ea typeface="Times New Roman" charset="0"/>
+                  <a:cs typeface="Times New Roman" charset="0"/>
+                </a:rPr>
+                <a:t> </a:t>
+              </a:r>
+              <a:r>
+                <a:rPr lang="en-US" sz="4400" dirty="0">
+                  <a:ea typeface="Times New Roman" charset="0"/>
+                  <a:cs typeface="Times New Roman" charset="0"/>
+                </a:rPr>
+                <a:t>to</a:t>
+              </a:r>
+              <a:r>
+                <a:rPr lang="zh-CN" altLang="en-US" sz="4400" dirty="0">
+                  <a:ea typeface="Times New Roman" charset="0"/>
+                  <a:cs typeface="Times New Roman" charset="0"/>
+                </a:rPr>
+                <a:t> </a:t>
+              </a:r>
+              <a:r>
+                <a:rPr lang="en-US" sz="4400" dirty="0">
+                  <a:ea typeface="Times New Roman" charset="0"/>
+                  <a:cs typeface="Times New Roman" charset="0"/>
+                </a:rPr>
+                <a:t>the</a:t>
+              </a:r>
+              <a:r>
+                <a:rPr lang="zh-CN" altLang="en-US" sz="4400" dirty="0">
+                  <a:ea typeface="Times New Roman" charset="0"/>
+                  <a:cs typeface="Times New Roman" charset="0"/>
+                </a:rPr>
+                <a:t> </a:t>
+              </a:r>
+              <a:r>
+                <a:rPr lang="en-US" sz="4400" dirty="0">
+                  <a:ea typeface="Times New Roman" charset="0"/>
+                  <a:cs typeface="Times New Roman" charset="0"/>
+                </a:rPr>
+                <a:t>user‐specified</a:t>
+              </a:r>
+              <a:r>
+                <a:rPr lang="zh-CN" altLang="en-US" sz="4400" dirty="0">
+                  <a:ea typeface="Times New Roman" charset="0"/>
+                  <a:cs typeface="Times New Roman" charset="0"/>
+                </a:rPr>
+                <a:t> </a:t>
+              </a:r>
+              <a:r>
+                <a:rPr lang="en-US" sz="4400" dirty="0">
+                  <a:ea typeface="Times New Roman" charset="0"/>
+                  <a:cs typeface="Times New Roman" charset="0"/>
+                </a:rPr>
+                <a:t>rate</a:t>
+              </a:r>
+              <a:r>
+                <a:rPr lang="en-US" sz="4400" dirty="0" smtClean="0">
+                  <a:ea typeface="Times New Roman" charset="0"/>
+                  <a:cs typeface="Times New Roman" charset="0"/>
+                </a:rPr>
+                <a:t>.</a:t>
+              </a:r>
+            </a:p>
+            <a:p>
+              <a:pPr>
+                <a:spcAft>
+                  <a:spcPts val="600"/>
+                </a:spcAft>
+              </a:pPr>
+              <a:r>
+                <a:rPr lang="en-US" sz="4400" dirty="0">
+                  <a:ea typeface="Times New Roman" charset="0"/>
+                  <a:cs typeface="Times New Roman" charset="0"/>
+                </a:rPr>
+                <a:t>• </a:t>
+              </a:r>
+              <a:r>
+                <a:rPr lang="en-US" sz="4400" dirty="0" smtClean="0">
+                  <a:ea typeface="Times New Roman" charset="0"/>
+                  <a:cs typeface="Times New Roman" charset="0"/>
+                </a:rPr>
+                <a:t>Classification uses DNS records for HTTP traffic and first 4 bytes of the flow in either direction.</a:t>
+              </a:r>
+              <a:endParaRPr lang="zh-CN" altLang="en-US" sz="4400" dirty="0">
+                <a:ea typeface="Times New Roman" charset="0"/>
+                <a:cs typeface="Times New Roman" charset="0"/>
+              </a:endParaRPr>
+            </a:p>
+          </p:txBody>
+        </p:sp>
+        <p:sp>
+          <p:nvSpPr>
+            <p:cNvPr id="71" name="TextBox 70"/>
+            <p:cNvSpPr txBox="1"/>
+            <p:nvPr/>
+          </p:nvSpPr>
+          <p:spPr>
+            <a:xfrm>
+              <a:off x="13045560" y="11965950"/>
+              <a:ext cx="15271490" cy="4462760"/>
+            </a:xfrm>
+            <a:prstGeom prst="rect">
+              <a:avLst/>
+            </a:prstGeom>
+            <a:noFill/>
+          </p:spPr>
+          <p:txBody>
+            <a:bodyPr wrap="square" rtlCol="0">
+              <a:spAutoFit/>
+            </a:bodyPr>
+            <a:lstStyle/>
+            <a:p>
+              <a:pPr>
+                <a:spcAft>
+                  <a:spcPts val="1200"/>
+                </a:spcAft>
+              </a:pPr>
+              <a:r>
+                <a:rPr lang="en-US" sz="4400" dirty="0">
+                  <a:ea typeface="Times New Roman" charset="0"/>
+                  <a:cs typeface="Times New Roman" charset="0"/>
+                </a:rPr>
+                <a:t>• </a:t>
+              </a:r>
+              <a:r>
+                <a:rPr lang="en-US" sz="4400" dirty="0" smtClean="0">
+                  <a:ea typeface="Times New Roman" charset="0"/>
+                  <a:cs typeface="Times New Roman" charset="0"/>
+                </a:rPr>
+                <a:t>Provides a handle </a:t>
+              </a:r>
+              <a:r>
+                <a:rPr lang="en-US" sz="4400" b="1" dirty="0" err="1" smtClean="0">
+                  <a:ea typeface="Times New Roman" charset="0"/>
+                  <a:cs typeface="Times New Roman" charset="0"/>
+                </a:rPr>
+                <a:t>tc</a:t>
+              </a:r>
+              <a:r>
+                <a:rPr lang="en-US" sz="4400" dirty="0" smtClean="0">
+                  <a:ea typeface="Times New Roman" charset="0"/>
+                  <a:cs typeface="Times New Roman" charset="0"/>
+                </a:rPr>
+                <a:t> for Linux kernel’s network scheduler for low-level manipulation </a:t>
+              </a:r>
+              <a:r>
+                <a:rPr lang="en-US" sz="4400" dirty="0" smtClean="0">
+                  <a:ea typeface="Times New Roman" charset="0"/>
+                  <a:cs typeface="Times New Roman" charset="0"/>
+                </a:rPr>
+                <a:t>of</a:t>
+              </a:r>
+              <a:r>
+                <a:rPr lang="en-US" sz="4400" dirty="0" smtClean="0">
+                  <a:ea typeface="Times New Roman" charset="0"/>
+                  <a:cs typeface="Times New Roman" charset="0"/>
+                </a:rPr>
+                <a:t> network traffic flowing through it.</a:t>
+              </a:r>
+              <a:endParaRPr lang="zh-CN" altLang="en-US" sz="4400" b="1" dirty="0" smtClean="0">
+                <a:ea typeface="Times New Roman" charset="0"/>
+                <a:cs typeface="Times New Roman" charset="0"/>
+              </a:endParaRPr>
+            </a:p>
+            <a:p>
+              <a:pPr>
+                <a:spcAft>
+                  <a:spcPts val="1200"/>
+                </a:spcAft>
+              </a:pPr>
+              <a:r>
+                <a:rPr lang="en-US" sz="4400" dirty="0" smtClean="0">
+                  <a:ea typeface="Times New Roman" charset="0"/>
+                  <a:cs typeface="Times New Roman" charset="0"/>
+                </a:rPr>
+                <a:t>• Implements multiple queuing disciplines, traffic policers and shapers to provide </a:t>
+              </a:r>
+              <a:r>
+                <a:rPr lang="en-US" sz="4400" dirty="0" err="1" smtClean="0">
+                  <a:ea typeface="Times New Roman" charset="0"/>
+                  <a:cs typeface="Times New Roman" charset="0"/>
+                </a:rPr>
+                <a:t>QoS</a:t>
+              </a:r>
+              <a:r>
+                <a:rPr lang="en-US" sz="4400" dirty="0">
+                  <a:ea typeface="Times New Roman" charset="0"/>
+                  <a:cs typeface="Times New Roman" charset="0"/>
+                </a:rPr>
+                <a:t> </a:t>
+              </a:r>
+              <a:r>
+                <a:rPr lang="en-US" sz="4400" dirty="0" smtClean="0">
+                  <a:ea typeface="Times New Roman" charset="0"/>
+                  <a:cs typeface="Times New Roman" charset="0"/>
+                </a:rPr>
+                <a:t>to matching traffic</a:t>
+              </a:r>
+              <a:r>
+                <a:rPr lang="en-US" sz="4400" dirty="0" smtClean="0">
+                  <a:ea typeface="Times New Roman" charset="0"/>
+                  <a:cs typeface="Times New Roman" charset="0"/>
+                </a:rPr>
+                <a:t>.</a:t>
+              </a:r>
+            </a:p>
+            <a:p>
+              <a:pPr>
+                <a:spcAft>
+                  <a:spcPts val="1200"/>
+                </a:spcAft>
+              </a:pPr>
+              <a:r>
+                <a:rPr lang="en-US" sz="4400" dirty="0" smtClean="0">
+                  <a:ea typeface="Times New Roman" charset="0"/>
+                  <a:cs typeface="Times New Roman" charset="0"/>
+                </a:rPr>
+                <a:t>• HTB is classful queueing discipline that supports multi-level traffic classification and shaping on egress traffic at an interface.</a:t>
+              </a:r>
+              <a:endParaRPr lang="en-US" sz="4400" dirty="0" smtClean="0">
+                <a:ea typeface="Times New Roman" charset="0"/>
+                <a:cs typeface="Times New Roman" charset="0"/>
+              </a:endParaRPr>
+            </a:p>
+          </p:txBody>
+        </p:sp>
+        <p:graphicFrame>
+          <p:nvGraphicFramePr>
+            <p:cNvPr id="2" name="Object 1"/>
+            <p:cNvGraphicFramePr>
+              <a:graphicFrameLocks noChangeAspect="1"/>
+            </p:cNvGraphicFramePr>
+            <p:nvPr>
+              <p:extLst>
+                <p:ext uri="{D42A27DB-BD31-4B8C-83A1-F6EECF244321}">
+                  <p14:modId xmlns:p14="http://schemas.microsoft.com/office/powerpoint/2010/main" val="3547218982"/>
+                </p:ext>
+              </p:extLst>
+            </p:nvPr>
+          </p:nvGraphicFramePr>
+          <p:xfrm>
+            <a:off x="29358466" y="3771628"/>
+            <a:ext cx="13591931" cy="8322384"/>
+          </p:xfrm>
+          <a:graphic>
+            <a:graphicData uri="http://schemas.openxmlformats.org/presentationml/2006/ole">
+              <mc:AlternateContent xmlns:mc="http://schemas.openxmlformats.org/markup-compatibility/2006">
+                <mc:Choice xmlns:v="urn:schemas-microsoft-com:vml" Requires="v">
+                  <p:oleObj spid="_x0000_s1460" name="Acrobat Document" r:id="rId21" imgW="6034934" imgH="4663299" progId="AcroExch.Document.DC">
+                    <p:embed/>
+                  </p:oleObj>
+                </mc:Choice>
+                <mc:Fallback>
+                  <p:oleObj name="Acrobat Document" r:id="rId21" imgW="6034934" imgH="4663299" progId="AcroExch.Document.DC">
+                    <p:embed/>
+                    <p:pic>
+                      <p:nvPicPr>
+                        <p:cNvPr id="0" name=""/>
+                        <p:cNvPicPr/>
+                        <p:nvPr/>
+                      </p:nvPicPr>
+                      <p:blipFill>
+                        <a:blip r:embed="rId22"/>
+                        <a:stretch>
+                          <a:fillRect/>
+                        </a:stretch>
+                      </p:blipFill>
+                      <p:spPr>
+                        <a:xfrm>
+                          <a:off x="29358466" y="3771628"/>
+                          <a:ext cx="13591931" cy="8322384"/>
+                        </a:xfrm>
+                        <a:prstGeom prst="rect">
+                          <a:avLst/>
+                        </a:prstGeom>
+                      </p:spPr>
+                    </p:pic>
+                  </p:oleObj>
+                </mc:Fallback>
+              </mc:AlternateContent>
+            </a:graphicData>
+          </a:graphic>
+        </p:graphicFrame>
+        <p:sp>
+          <p:nvSpPr>
+            <p:cNvPr id="63" name="TextBox 62"/>
+            <p:cNvSpPr txBox="1"/>
+            <p:nvPr/>
+          </p:nvSpPr>
+          <p:spPr>
+            <a:xfrm>
+              <a:off x="28947338" y="4034522"/>
+              <a:ext cx="14086889" cy="757810"/>
+            </a:xfrm>
+            <a:prstGeom prst="rect">
+              <a:avLst/>
+            </a:prstGeom>
+            <a:solidFill>
+              <a:schemeClr val="accent1">
+                <a:lumMod val="75000"/>
+              </a:schemeClr>
+            </a:solidFill>
+          </p:spPr>
+          <p:txBody>
+            <a:bodyPr wrap="none" lIns="127000" tIns="127000" rIns="127000" bIns="127000" rtlCol="0">
+              <a:normAutofit fontScale="70000" lnSpcReduction="20000"/>
+            </a:bodyPr>
+            <a:lstStyle>
+              <a:defPPr>
+                <a:defRPr lang="en-US"/>
+              </a:defPPr>
+              <a:lvl1pPr algn="ctr">
+                <a:defRPr sz="5600">
+                  <a:solidFill>
+                    <a:schemeClr val="bg1"/>
+                  </a:solidFill>
+                  <a:latin typeface="Franklin Gothic Medium"/>
+                  <a:cs typeface="Franklin Gothic Medium"/>
+                </a:defRPr>
+              </a:lvl1pPr>
+            </a:lstStyle>
+            <a:p>
+              <a:r>
+                <a:rPr lang="en-US" altLang="zh-CN" dirty="0" err="1" smtClean="0"/>
+                <a:t>FlowQoS</a:t>
+              </a:r>
+              <a:r>
+                <a:rPr lang="en-US" altLang="zh-CN" dirty="0" smtClean="0"/>
+                <a:t> Architecture</a:t>
+              </a:r>
+              <a:endParaRPr lang="en-US" dirty="0"/>
+            </a:p>
+          </p:txBody>
+        </p:sp>
+        <p:sp>
+          <p:nvSpPr>
+            <p:cNvPr id="68" name="TextBox 67"/>
+            <p:cNvSpPr txBox="1"/>
+            <p:nvPr/>
+          </p:nvSpPr>
+          <p:spPr>
+            <a:xfrm>
+              <a:off x="28947338" y="11056808"/>
+              <a:ext cx="14086889" cy="819167"/>
+            </a:xfrm>
+            <a:prstGeom prst="rect">
+              <a:avLst/>
+            </a:prstGeom>
+            <a:solidFill>
+              <a:schemeClr val="accent1">
+                <a:lumMod val="75000"/>
+              </a:schemeClr>
+            </a:solidFill>
+          </p:spPr>
+          <p:txBody>
+            <a:bodyPr wrap="none" lIns="127000" tIns="127000" rIns="127000" bIns="127000" rtlCol="0">
+              <a:normAutofit fontScale="77500" lnSpcReduction="20000"/>
+            </a:bodyPr>
+            <a:lstStyle>
+              <a:defPPr>
+                <a:defRPr lang="en-US"/>
+              </a:defPPr>
+              <a:lvl1pPr algn="ctr">
+                <a:defRPr sz="5600">
+                  <a:solidFill>
+                    <a:schemeClr val="bg1"/>
+                  </a:solidFill>
+                  <a:latin typeface="Franklin Gothic Medium"/>
+                  <a:cs typeface="Franklin Gothic Medium"/>
+                </a:defRPr>
+              </a:lvl1pPr>
+            </a:lstStyle>
+            <a:p>
+              <a:r>
+                <a:rPr lang="en-US" dirty="0" err="1" smtClean="0"/>
+                <a:t>Heirarchical</a:t>
+              </a:r>
+              <a:r>
+                <a:rPr lang="en-US" dirty="0" smtClean="0"/>
+                <a:t> Token Bucket (HTB) Traffic Flow</a:t>
+              </a:r>
+              <a:endParaRPr lang="en-US" dirty="0"/>
+            </a:p>
+          </p:txBody>
+        </p:sp>
+      </p:grpSp>
+      <p:sp>
+        <p:nvSpPr>
+          <p:cNvPr id="58" name="Rectangle 57"/>
+          <p:cNvSpPr/>
+          <p:nvPr/>
+        </p:nvSpPr>
+        <p:spPr>
+          <a:xfrm>
+            <a:off x="397565" y="17311464"/>
+            <a:ext cx="43033060" cy="15178673"/>
+          </a:xfrm>
+          <a:prstGeom prst="rect">
+            <a:avLst/>
+          </a:prstGeom>
+          <a:noFill/>
+          <a:effectLst/>
+        </p:spPr>
+        <p:style>
+          <a:lnRef idx="1">
+            <a:schemeClr val="accent1"/>
+          </a:lnRef>
+          <a:fillRef idx="3">
+            <a:schemeClr val="accent1"/>
+          </a:fillRef>
+          <a:effectRef idx="2">
+            <a:schemeClr val="accent1"/>
+          </a:effectRef>
+          <a:fontRef idx="minor">
+            <a:schemeClr val="lt1"/>
+          </a:fontRef>
+        </p:style>
+        <p:txBody>
+          <a:bodyPr rtlCol="0" anchor="ctr"/>
+          <a:lstStyle/>
+          <a:p>
+            <a:pPr algn="ctr"/>
+            <a:endParaRPr lang="en-US"/>
+          </a:p>
+        </p:txBody>
+      </p:sp>
+      <p:sp>
+        <p:nvSpPr>
+          <p:cNvPr id="20" name="Rectangle 19"/>
+          <p:cNvSpPr/>
+          <p:nvPr/>
+        </p:nvSpPr>
+        <p:spPr>
+          <a:xfrm>
+            <a:off x="12779069" y="3784248"/>
+            <a:ext cx="30651555" cy="13312125"/>
+          </a:xfrm>
+          <a:prstGeom prst="rect">
+            <a:avLst/>
+          </a:prstGeom>
+          <a:noFill/>
+          <a:effectLst/>
+        </p:spPr>
+        <p:style>
+          <a:lnRef idx="1">
+            <a:schemeClr val="accent1"/>
+          </a:lnRef>
+          <a:fillRef idx="3">
+            <a:schemeClr val="accent1"/>
+          </a:fillRef>
+          <a:effectRef idx="2">
+            <a:schemeClr val="accent1"/>
+          </a:effectRef>
+          <a:fontRef idx="minor">
+            <a:schemeClr val="lt1"/>
+          </a:fontRef>
+        </p:style>
+        <p:txBody>
+          <a:bodyPr rtlCol="0" anchor="ctr"/>
+          <a:lstStyle/>
+          <a:p>
+            <a:pPr algn="ctr"/>
+            <a:endParaRPr lang="en-US"/>
+          </a:p>
+        </p:txBody>
+      </p:sp>
+      <p:sp>
+        <p:nvSpPr>
+          <p:cNvPr id="48" name="TextBox 47"/>
+          <p:cNvSpPr txBox="1"/>
+          <p:nvPr/>
+        </p:nvSpPr>
+        <p:spPr>
+          <a:xfrm>
+            <a:off x="635147" y="17483878"/>
+            <a:ext cx="42590548" cy="828000"/>
+          </a:xfrm>
+          <a:prstGeom prst="rect">
+            <a:avLst/>
+          </a:prstGeom>
+          <a:solidFill>
+            <a:schemeClr val="accent1">
+              <a:lumMod val="75000"/>
+            </a:schemeClr>
+          </a:solidFill>
+        </p:spPr>
+        <p:txBody>
+          <a:bodyPr wrap="none" lIns="127000" tIns="127000" rIns="127000" bIns="127000" rtlCol="0">
+            <a:normAutofit fontScale="77500" lnSpcReduction="20000"/>
+          </a:bodyPr>
+          <a:lstStyle>
+            <a:defPPr>
+              <a:defRPr lang="en-US"/>
+            </a:defPPr>
+            <a:lvl1pPr algn="ctr">
+              <a:defRPr sz="5600">
+                <a:solidFill>
+                  <a:schemeClr val="bg1"/>
+                </a:solidFill>
+                <a:latin typeface="Franklin Gothic Medium"/>
+                <a:cs typeface="Franklin Gothic Medium"/>
+              </a:defRPr>
+            </a:lvl1pPr>
+          </a:lstStyle>
+          <a:p>
+            <a:r>
+              <a:rPr lang="en-US" altLang="zh-CN" dirty="0"/>
+              <a:t>Results</a:t>
+            </a:r>
+            <a:endParaRPr lang="en-US" dirty="0"/>
+          </a:p>
+        </p:txBody>
+      </p:sp>
     </p:spTree>
   </p:cSld>
   <p:clrMapOvr>

--- a/FlowQoS_poster.pptx
+++ b/FlowQoS_poster.pptx
@@ -209,7 +209,7 @@
             <a:fld id="{D508C3B9-C8C7-FF4B-A89F-C8ECF40039BD}" type="datetimeFigureOut">
               <a:rPr lang="en-US" smtClean="0"/>
               <a:pPr/>
-              <a:t>12/4/2015</a:t>
+              <a:t>12/5/2015</a:t>
             </a:fld>
             <a:endParaRPr lang="en-US" dirty="0"/>
           </a:p>
@@ -749,7 +749,7 @@
             <a:fld id="{57B7EB2E-A371-994C-A83F-1C5C49F53A45}" type="datetimeFigureOut">
               <a:rPr lang="en-US" smtClean="0"/>
               <a:pPr/>
-              <a:t>12/4/2015</a:t>
+              <a:t>12/5/2015</a:t>
             </a:fld>
             <a:endParaRPr lang="en-US" dirty="0"/>
           </a:p>
@@ -916,7 +916,7 @@
             <a:fld id="{57B7EB2E-A371-994C-A83F-1C5C49F53A45}" type="datetimeFigureOut">
               <a:rPr lang="en-US" smtClean="0"/>
               <a:pPr/>
-              <a:t>12/4/2015</a:t>
+              <a:t>12/5/2015</a:t>
             </a:fld>
             <a:endParaRPr lang="en-US" dirty="0"/>
           </a:p>
@@ -1093,7 +1093,7 @@
             <a:fld id="{57B7EB2E-A371-994C-A83F-1C5C49F53A45}" type="datetimeFigureOut">
               <a:rPr lang="en-US" smtClean="0"/>
               <a:pPr/>
-              <a:t>12/4/2015</a:t>
+              <a:t>12/5/2015</a:t>
             </a:fld>
             <a:endParaRPr lang="en-US" dirty="0"/>
           </a:p>
@@ -1260,7 +1260,7 @@
             <a:fld id="{57B7EB2E-A371-994C-A83F-1C5C49F53A45}" type="datetimeFigureOut">
               <a:rPr lang="en-US" smtClean="0"/>
               <a:pPr/>
-              <a:t>12/4/2015</a:t>
+              <a:t>12/5/2015</a:t>
             </a:fld>
             <a:endParaRPr lang="en-US" dirty="0"/>
           </a:p>
@@ -1503,7 +1503,7 @@
             <a:fld id="{57B7EB2E-A371-994C-A83F-1C5C49F53A45}" type="datetimeFigureOut">
               <a:rPr lang="en-US" smtClean="0"/>
               <a:pPr/>
-              <a:t>12/4/2015</a:t>
+              <a:t>12/5/2015</a:t>
             </a:fld>
             <a:endParaRPr lang="en-US" dirty="0"/>
           </a:p>
@@ -1788,7 +1788,7 @@
             <a:fld id="{57B7EB2E-A371-994C-A83F-1C5C49F53A45}" type="datetimeFigureOut">
               <a:rPr lang="en-US" smtClean="0"/>
               <a:pPr/>
-              <a:t>12/4/2015</a:t>
+              <a:t>12/5/2015</a:t>
             </a:fld>
             <a:endParaRPr lang="en-US" dirty="0"/>
           </a:p>
@@ -2212,7 +2212,7 @@
             <a:fld id="{57B7EB2E-A371-994C-A83F-1C5C49F53A45}" type="datetimeFigureOut">
               <a:rPr lang="en-US" smtClean="0"/>
               <a:pPr/>
-              <a:t>12/4/2015</a:t>
+              <a:t>12/5/2015</a:t>
             </a:fld>
             <a:endParaRPr lang="en-US" dirty="0"/>
           </a:p>
@@ -2327,7 +2327,7 @@
             <a:fld id="{57B7EB2E-A371-994C-A83F-1C5C49F53A45}" type="datetimeFigureOut">
               <a:rPr lang="en-US" smtClean="0"/>
               <a:pPr/>
-              <a:t>12/4/2015</a:t>
+              <a:t>12/5/2015</a:t>
             </a:fld>
             <a:endParaRPr lang="en-US" dirty="0"/>
           </a:p>
@@ -2419,7 +2419,7 @@
             <a:fld id="{57B7EB2E-A371-994C-A83F-1C5C49F53A45}" type="datetimeFigureOut">
               <a:rPr lang="en-US" smtClean="0"/>
               <a:pPr/>
-              <a:t>12/4/2015</a:t>
+              <a:t>12/5/2015</a:t>
             </a:fld>
             <a:endParaRPr lang="en-US" dirty="0"/>
           </a:p>
@@ -2693,7 +2693,7 @@
             <a:fld id="{57B7EB2E-A371-994C-A83F-1C5C49F53A45}" type="datetimeFigureOut">
               <a:rPr lang="en-US" smtClean="0"/>
               <a:pPr/>
-              <a:t>12/4/2015</a:t>
+              <a:t>12/5/2015</a:t>
             </a:fld>
             <a:endParaRPr lang="en-US" dirty="0"/>
           </a:p>
@@ -2943,7 +2943,7 @@
             <a:fld id="{57B7EB2E-A371-994C-A83F-1C5C49F53A45}" type="datetimeFigureOut">
               <a:rPr lang="en-US" smtClean="0"/>
               <a:pPr/>
-              <a:t>12/4/2015</a:t>
+              <a:t>12/5/2015</a:t>
             </a:fld>
             <a:endParaRPr lang="en-US" dirty="0"/>
           </a:p>
@@ -3153,7 +3153,7 @@
             <a:fld id="{57B7EB2E-A371-994C-A83F-1C5C49F53A45}" type="datetimeFigureOut">
               <a:rPr lang="en-US" smtClean="0"/>
               <a:pPr/>
-              <a:t>12/4/2015</a:t>
+              <a:t>12/5/2015</a:t>
             </a:fld>
             <a:endParaRPr lang="en-US" dirty="0"/>
           </a:p>
@@ -3524,6 +3524,63 @@
           <a:chExt cx="0" cy="0"/>
         </a:xfrm>
       </p:grpSpPr>
+      <p:graphicFrame>
+        <p:nvGraphicFramePr>
+          <p:cNvPr id="23" name="Object 22"/>
+          <p:cNvGraphicFramePr>
+            <a:graphicFrameLocks noChangeAspect="1"/>
+          </p:cNvGraphicFramePr>
+          <p:nvPr>
+            <p:extLst>
+              <p:ext uri="{D42A27DB-BD31-4B8C-83A1-F6EECF244321}">
+                <p14:modId xmlns:p14="http://schemas.microsoft.com/office/powerpoint/2010/main" val="3521223606"/>
+              </p:ext>
+            </p:extLst>
+          </p:nvPr>
+        </p:nvGraphicFramePr>
+        <p:xfrm>
+          <a:off x="32052085" y="11043313"/>
+          <a:ext cx="9496961" cy="6760353"/>
+        </p:xfrm>
+        <a:graphic>
+          <a:graphicData uri="http://schemas.openxmlformats.org/presentationml/2006/ole">
+            <mc:AlternateContent xmlns:mc="http://schemas.openxmlformats.org/markup-compatibility/2006">
+              <mc:Choice xmlns:v="urn:schemas-microsoft-com:vml" Requires="v">
+                <p:oleObj spid="_x0000_s2054" name="Acrobat Document" r:id="rId4" imgW="6034934" imgH="4663299" progId="AcroExch.Document.DC">
+                  <p:embed/>
+                </p:oleObj>
+              </mc:Choice>
+              <mc:Fallback>
+                <p:oleObj name="Acrobat Document" r:id="rId4" imgW="6034934" imgH="4663299" progId="AcroExch.Document.DC">
+                  <p:embed/>
+                  <p:pic>
+                    <p:nvPicPr>
+                      <p:cNvPr id="0" name=""/>
+                      <p:cNvPicPr/>
+                      <p:nvPr/>
+                    </p:nvPicPr>
+                    <p:blipFill>
+                      <a:blip r:embed="rId5"/>
+                      <a:stretch>
+                        <a:fillRect/>
+                      </a:stretch>
+                    </p:blipFill>
+                    <p:spPr>
+                      <a:xfrm>
+                        <a:off x="32052085" y="11043313"/>
+                        <a:ext cx="9496961" cy="6760353"/>
+                      </a:xfrm>
+                      <a:prstGeom prst="rect">
+                        <a:avLst/>
+                      </a:prstGeom>
+                    </p:spPr>
+                  </p:pic>
+                </p:oleObj>
+              </mc:Fallback>
+            </mc:AlternateContent>
+          </a:graphicData>
+        </a:graphic>
+      </p:graphicFrame>
       <p:sp>
         <p:nvSpPr>
           <p:cNvPr id="24" name="Rectangle 23"/>
@@ -3566,7 +3623,7 @@
           <p:nvPr/>
         </p:nvPicPr>
         <p:blipFill>
-          <a:blip r:embed="rId4"/>
+          <a:blip r:embed="rId6"/>
           <a:stretch>
             <a:fillRect/>
           </a:stretch>
@@ -3900,10 +3957,10 @@
           </a:lstStyle>
           <a:p>
             <a:r>
-              <a:rPr lang="en-US" dirty="0" smtClean="0"/>
+              <a:rPr lang="en-US" sz="4300" dirty="0" smtClean="0"/>
               <a:t>Efficient Bandwidth Utilization</a:t>
             </a:r>
-            <a:endParaRPr lang="en-US" dirty="0"/>
+            <a:endParaRPr lang="en-US" sz="4300" dirty="0"/>
           </a:p>
         </p:txBody>
       </p:sp>
@@ -3959,8 +4016,8 @@
         </p:nvSpPr>
         <p:spPr>
           <a:xfrm>
-            <a:off x="433807" y="3877525"/>
-            <a:ext cx="12139268" cy="13221102"/>
+            <a:off x="433806" y="3792244"/>
+            <a:ext cx="13714724" cy="13306383"/>
           </a:xfrm>
           <a:prstGeom prst="rect">
             <a:avLst/>
@@ -4000,8 +4057,8 @@
         </p:nvSpPr>
         <p:spPr>
           <a:xfrm>
-            <a:off x="635146" y="4029294"/>
-            <a:ext cx="11808644" cy="828000"/>
+            <a:off x="635147" y="4036633"/>
+            <a:ext cx="13258094" cy="653113"/>
           </a:xfrm>
           <a:prstGeom prst="rect">
             <a:avLst/>
@@ -4013,14 +4070,14 @@
           </a:solidFill>
         </p:spPr>
         <p:txBody>
-          <a:bodyPr wrap="none" lIns="127000" tIns="127000" rIns="127000" bIns="127000" rtlCol="0">
-            <a:normAutofit fontScale="77500" lnSpcReduction="20000"/>
+          <a:bodyPr wrap="none" lIns="127000" tIns="127000" rIns="127000" bIns="127000" rtlCol="0" anchor="ctr">
+            <a:noAutofit/>
           </a:bodyPr>
           <a:lstStyle/>
           <a:p>
             <a:pPr algn="ctr"/>
             <a:r>
-              <a:rPr lang="en-US" altLang="zh-CN" sz="5600" dirty="0" smtClean="0">
+              <a:rPr lang="en-US" altLang="zh-CN" sz="3100" dirty="0">
                 <a:solidFill>
                   <a:schemeClr val="bg1"/>
                 </a:solidFill>
@@ -4029,7 +4086,7 @@
               </a:rPr>
               <a:t>Motivation</a:t>
             </a:r>
-            <a:endParaRPr lang="en-US" sz="5600" dirty="0">
+            <a:endParaRPr lang="en-US" sz="3100" dirty="0">
               <a:solidFill>
                 <a:schemeClr val="bg1"/>
               </a:solidFill>
@@ -4047,8 +4104,8 @@
         </p:nvSpPr>
         <p:spPr>
           <a:xfrm>
-            <a:off x="595388" y="11042747"/>
-            <a:ext cx="11808644" cy="828000"/>
+            <a:off x="662121" y="7725197"/>
+            <a:ext cx="13258094" cy="686552"/>
           </a:xfrm>
           <a:prstGeom prst="rect">
             <a:avLst/>
@@ -4061,7 +4118,7 @@
         </p:spPr>
         <p:txBody>
           <a:bodyPr wrap="none" lIns="127000" tIns="127000" rIns="127000" bIns="127000" rtlCol="0">
-            <a:normAutofit fontScale="77500" lnSpcReduction="20000"/>
+            <a:noAutofit/>
           </a:bodyPr>
           <a:lstStyle>
             <a:defPPr>
@@ -4079,10 +4136,10 @@
           </a:lstStyle>
           <a:p>
             <a:r>
-              <a:rPr lang="en-US" altLang="zh-CN" dirty="0"/>
+              <a:rPr lang="en-US" altLang="zh-CN" sz="3100" dirty="0"/>
               <a:t>Solution</a:t>
             </a:r>
-            <a:endParaRPr lang="en-US" dirty="0"/>
+            <a:endParaRPr lang="en-US" sz="3100" dirty="0"/>
           </a:p>
         </p:txBody>
       </p:sp>
@@ -4094,8 +4151,8 @@
         </p:nvSpPr>
         <p:spPr>
           <a:xfrm>
-            <a:off x="635146" y="5092918"/>
-            <a:ext cx="11729129" cy="5293757"/>
+            <a:off x="635146" y="4761135"/>
+            <a:ext cx="13258094" cy="2816156"/>
           </a:xfrm>
           <a:prstGeom prst="rect">
             <a:avLst/>
@@ -4108,289 +4165,62 @@
           </a:bodyPr>
           <a:lstStyle/>
           <a:p>
-            <a:pPr>
+            <a:pPr marL="463550" indent="-463550" algn="just">
               <a:spcAft>
-                <a:spcPts val="1800"/>
+                <a:spcPts val="600"/>
               </a:spcAft>
+              <a:buFont typeface="Arial" panose="020B0604020202020204" pitchFamily="34" charset="0"/>
+              <a:buChar char="•"/>
             </a:pPr>
             <a:r>
-              <a:rPr lang="en-US" sz="4400" dirty="0" smtClean="0">
-                <a:ea typeface="Times New Roman" charset="0"/>
-                <a:cs typeface="Times New Roman" charset="0"/>
-              </a:rPr>
-              <a:t>•</a:t>
-            </a:r>
-            <a:r>
-              <a:rPr lang="zh-CN" altLang="en-US" sz="4400" dirty="0" smtClean="0">
-                <a:ea typeface="Times New Roman" charset="0"/>
-                <a:cs typeface="Times New Roman" charset="0"/>
-              </a:rPr>
-              <a:t> </a:t>
-            </a:r>
-            <a:r>
-              <a:rPr lang="en-US" sz="4400" dirty="0" smtClean="0">
-                <a:ea typeface="Times New Roman" charset="0"/>
-                <a:cs typeface="Times New Roman" charset="0"/>
-              </a:rPr>
-              <a:t>Traffic from one application might not share the same characteristics as the traffic </a:t>
-            </a:r>
-            <a:r>
-              <a:rPr lang="en-US" sz="4400" dirty="0" smtClean="0">
-                <a:ea typeface="Times New Roman" charset="0"/>
-                <a:cs typeface="Times New Roman" charset="0"/>
-              </a:rPr>
-              <a:t>from another.</a:t>
-            </a:r>
-            <a:endParaRPr lang="zh-CN" altLang="en-US" sz="4400" dirty="0" smtClean="0">
+              <a:rPr lang="en-US" sz="4300" dirty="0" smtClean="0">
+                <a:ea typeface="Times New Roman" charset="0"/>
+                <a:cs typeface="Times New Roman" charset="0"/>
+              </a:rPr>
+              <a:t>Traffic from one application might not share the same characteristics as the traffic from another.</a:t>
+            </a:r>
+            <a:endParaRPr lang="zh-CN" altLang="en-US" sz="4300" dirty="0" smtClean="0">
               <a:ea typeface="Times New Roman" charset="0"/>
               <a:cs typeface="Times New Roman" charset="0"/>
             </a:endParaRPr>
           </a:p>
           <a:p>
-            <a:pPr>
+            <a:pPr marL="463550" indent="-463550" algn="just">
               <a:spcAft>
-                <a:spcPts val="1800"/>
+                <a:spcPts val="600"/>
               </a:spcAft>
+              <a:buFont typeface="Arial" panose="020B0604020202020204" pitchFamily="34" charset="0"/>
+              <a:buChar char="•"/>
             </a:pPr>
             <a:r>
-              <a:rPr lang="en-US" sz="4400" dirty="0" smtClean="0">
-                <a:ea typeface="Times New Roman" charset="0"/>
-                <a:cs typeface="Times New Roman" charset="0"/>
-              </a:rPr>
-              <a:t>•</a:t>
-            </a:r>
-            <a:r>
-              <a:rPr lang="en-US" sz="4400" dirty="0">
-                <a:ea typeface="Times New Roman" charset="0"/>
-                <a:cs typeface="Times New Roman" charset="0"/>
-              </a:rPr>
-              <a:t> </a:t>
-            </a:r>
-            <a:r>
-              <a:rPr lang="en-US" altLang="zh-CN" sz="4400" dirty="0" smtClean="0">
-                <a:ea typeface="Times New Roman" charset="0"/>
-                <a:cs typeface="Times New Roman" charset="0"/>
-              </a:rPr>
-              <a:t>Mechanisms</a:t>
-            </a:r>
-            <a:r>
-              <a:rPr lang="zh-CN" altLang="en-US" sz="4400" dirty="0" smtClean="0">
-                <a:ea typeface="Times New Roman" charset="0"/>
-                <a:cs typeface="Times New Roman" charset="0"/>
-              </a:rPr>
-              <a:t> </a:t>
-            </a:r>
-            <a:r>
-              <a:rPr lang="en-US" altLang="zh-CN" sz="4400" dirty="0" smtClean="0">
-                <a:ea typeface="Times New Roman" charset="0"/>
-                <a:cs typeface="Times New Roman" charset="0"/>
-              </a:rPr>
-              <a:t>to</a:t>
-            </a:r>
-            <a:r>
-              <a:rPr lang="zh-CN" altLang="en-US" sz="4400" dirty="0" smtClean="0">
-                <a:ea typeface="Times New Roman" charset="0"/>
-                <a:cs typeface="Times New Roman" charset="0"/>
-              </a:rPr>
-              <a:t> </a:t>
-            </a:r>
-            <a:r>
-              <a:rPr lang="en-US" altLang="zh-CN" sz="4400" dirty="0" smtClean="0">
-                <a:ea typeface="Times New Roman" charset="0"/>
-                <a:cs typeface="Times New Roman" charset="0"/>
-              </a:rPr>
-              <a:t>perform</a:t>
-            </a:r>
-            <a:r>
-              <a:rPr lang="zh-CN" altLang="en-US" sz="4400" dirty="0" smtClean="0">
-                <a:ea typeface="Times New Roman" charset="0"/>
-                <a:cs typeface="Times New Roman" charset="0"/>
-              </a:rPr>
-              <a:t> </a:t>
-            </a:r>
-            <a:r>
-              <a:rPr lang="en-US" altLang="zh-CN" sz="4400" dirty="0" err="1" smtClean="0">
+              <a:rPr lang="en-US" sz="4300" dirty="0">
+                <a:ea typeface="Times New Roman" charset="0"/>
+                <a:cs typeface="Times New Roman" charset="0"/>
+              </a:rPr>
+              <a:t>N</a:t>
+            </a:r>
+            <a:r>
+              <a:rPr lang="en-US" sz="4300" dirty="0" smtClean="0">
+                <a:ea typeface="Times New Roman" charset="0"/>
+                <a:cs typeface="Times New Roman" charset="0"/>
+              </a:rPr>
+              <a:t>etwork devices have DSCP-based </a:t>
+            </a:r>
+            <a:r>
+              <a:rPr lang="en-US" sz="4300" dirty="0" err="1" smtClean="0">
                 <a:ea typeface="Times New Roman" charset="0"/>
                 <a:cs typeface="Times New Roman" charset="0"/>
               </a:rPr>
               <a:t>QoS</a:t>
             </a:r>
             <a:r>
-              <a:rPr lang="zh-CN" altLang="en-US" sz="4400" dirty="0" smtClean="0">
-                <a:ea typeface="Times New Roman" charset="0"/>
-                <a:cs typeface="Times New Roman" charset="0"/>
-              </a:rPr>
-              <a:t> </a:t>
-            </a:r>
-            <a:r>
-              <a:rPr lang="en-US" altLang="zh-CN" sz="4400" dirty="0" smtClean="0">
-                <a:ea typeface="Times New Roman" charset="0"/>
-                <a:cs typeface="Times New Roman" charset="0"/>
-              </a:rPr>
-              <a:t>functions</a:t>
-            </a:r>
-            <a:r>
-              <a:rPr lang="zh-CN" altLang="en-US" sz="4400" dirty="0" smtClean="0">
-                <a:ea typeface="Times New Roman" charset="0"/>
-                <a:cs typeface="Times New Roman" charset="0"/>
-              </a:rPr>
-              <a:t> </a:t>
-            </a:r>
-            <a:r>
-              <a:rPr lang="en-US" altLang="zh-CN" sz="4400" dirty="0" smtClean="0">
-                <a:ea typeface="Times New Roman" charset="0"/>
-                <a:cs typeface="Times New Roman" charset="0"/>
-              </a:rPr>
-              <a:t>are</a:t>
-            </a:r>
-            <a:r>
-              <a:rPr lang="zh-CN" altLang="en-US" sz="4400" dirty="0" smtClean="0">
-                <a:ea typeface="Times New Roman" charset="0"/>
-                <a:cs typeface="Times New Roman" charset="0"/>
-              </a:rPr>
-              <a:t> </a:t>
-            </a:r>
-            <a:r>
-              <a:rPr lang="en-US" altLang="zh-CN" sz="4400" dirty="0" smtClean="0">
-                <a:ea typeface="Times New Roman" charset="0"/>
-                <a:cs typeface="Times New Roman" charset="0"/>
-              </a:rPr>
-              <a:t>not</a:t>
-            </a:r>
-            <a:r>
-              <a:rPr lang="zh-CN" altLang="en-US" sz="4400" dirty="0" smtClean="0">
-                <a:ea typeface="Times New Roman" charset="0"/>
-                <a:cs typeface="Times New Roman" charset="0"/>
-              </a:rPr>
-              <a:t> </a:t>
-            </a:r>
-            <a:r>
-              <a:rPr lang="en-US" altLang="zh-CN" sz="4400" dirty="0" smtClean="0">
-                <a:ea typeface="Times New Roman" charset="0"/>
-                <a:cs typeface="Times New Roman" charset="0"/>
-              </a:rPr>
-              <a:t>based</a:t>
-            </a:r>
-            <a:r>
-              <a:rPr lang="zh-CN" altLang="en-US" sz="4400" dirty="0" smtClean="0">
-                <a:ea typeface="Times New Roman" charset="0"/>
-                <a:cs typeface="Times New Roman" charset="0"/>
-              </a:rPr>
-              <a:t> </a:t>
-            </a:r>
-            <a:r>
-              <a:rPr lang="en-US" altLang="zh-CN" sz="4400" dirty="0" smtClean="0">
-                <a:ea typeface="Times New Roman" charset="0"/>
-                <a:cs typeface="Times New Roman" charset="0"/>
-              </a:rPr>
-              <a:t>on</a:t>
-            </a:r>
-            <a:r>
-              <a:rPr lang="zh-CN" altLang="en-US" sz="4400" dirty="0" smtClean="0">
-                <a:ea typeface="Times New Roman" charset="0"/>
-                <a:cs typeface="Times New Roman" charset="0"/>
-              </a:rPr>
-              <a:t> </a:t>
-            </a:r>
-            <a:r>
-              <a:rPr lang="en-US" altLang="zh-CN" sz="4400" dirty="0" smtClean="0">
-                <a:ea typeface="Times New Roman" charset="0"/>
-                <a:cs typeface="Times New Roman" charset="0"/>
-              </a:rPr>
-              <a:t>specific</a:t>
-            </a:r>
-            <a:r>
-              <a:rPr lang="zh-CN" altLang="en-US" sz="4400" dirty="0" smtClean="0">
-                <a:ea typeface="Times New Roman" charset="0"/>
-                <a:cs typeface="Times New Roman" charset="0"/>
-              </a:rPr>
-              <a:t> </a:t>
-            </a:r>
-            <a:r>
-              <a:rPr lang="en-US" altLang="zh-CN" sz="4400" dirty="0" smtClean="0">
-                <a:ea typeface="Times New Roman" charset="0"/>
-                <a:cs typeface="Times New Roman" charset="0"/>
-              </a:rPr>
-              <a:t>application,</a:t>
-            </a:r>
-            <a:r>
-              <a:rPr lang="zh-CN" altLang="en-US" sz="4400" dirty="0" smtClean="0">
-                <a:ea typeface="Times New Roman" charset="0"/>
-                <a:cs typeface="Times New Roman" charset="0"/>
-              </a:rPr>
-              <a:t> </a:t>
-            </a:r>
-            <a:r>
-              <a:rPr lang="en-US" altLang="zh-CN" sz="4400" dirty="0" smtClean="0">
-                <a:ea typeface="Times New Roman" charset="0"/>
-                <a:cs typeface="Times New Roman" charset="0"/>
-              </a:rPr>
-              <a:t>devices,</a:t>
-            </a:r>
-            <a:r>
-              <a:rPr lang="zh-CN" altLang="en-US" sz="4400" dirty="0" smtClean="0">
-                <a:ea typeface="Times New Roman" charset="0"/>
-                <a:cs typeface="Times New Roman" charset="0"/>
-              </a:rPr>
-              <a:t> </a:t>
-            </a:r>
-            <a:r>
-              <a:rPr lang="en-US" altLang="zh-CN" sz="4400" dirty="0" smtClean="0">
-                <a:ea typeface="Times New Roman" charset="0"/>
-                <a:cs typeface="Times New Roman" charset="0"/>
-              </a:rPr>
-              <a:t>or</a:t>
-            </a:r>
-            <a:r>
-              <a:rPr lang="zh-CN" altLang="en-US" sz="4400" dirty="0" smtClean="0">
-                <a:ea typeface="Times New Roman" charset="0"/>
-                <a:cs typeface="Times New Roman" charset="0"/>
-              </a:rPr>
-              <a:t> </a:t>
-            </a:r>
-            <a:r>
-              <a:rPr lang="en-US" altLang="zh-CN" sz="4400" dirty="0" smtClean="0">
-                <a:ea typeface="Times New Roman" charset="0"/>
-                <a:cs typeface="Times New Roman" charset="0"/>
-              </a:rPr>
-              <a:t>users</a:t>
-            </a:r>
-            <a:r>
-              <a:rPr lang="en-US" sz="4400" dirty="0" smtClean="0">
-                <a:ea typeface="Times New Roman" charset="0"/>
-                <a:cs typeface="Times New Roman" charset="0"/>
-              </a:rPr>
-              <a:t>.</a:t>
-            </a:r>
-          </a:p>
-          <a:p>
-            <a:pPr>
-              <a:spcAft>
-                <a:spcPts val="1800"/>
-              </a:spcAft>
-            </a:pPr>
-            <a:r>
-              <a:rPr lang="en-US" sz="4400" dirty="0" smtClean="0">
-                <a:ea typeface="Times New Roman" charset="0"/>
-                <a:cs typeface="Times New Roman" charset="0"/>
-              </a:rPr>
-              <a:t>• Modern devices only support DSCP-based </a:t>
-            </a:r>
-            <a:r>
-              <a:rPr lang="en-US" sz="4400" dirty="0" err="1" smtClean="0">
-                <a:ea typeface="Times New Roman" charset="0"/>
-                <a:cs typeface="Times New Roman" charset="0"/>
-              </a:rPr>
-              <a:t>QoS</a:t>
-            </a:r>
-            <a:r>
-              <a:rPr lang="en-US" sz="4400" dirty="0" smtClean="0">
-                <a:ea typeface="Times New Roman" charset="0"/>
-                <a:cs typeface="Times New Roman" charset="0"/>
-              </a:rPr>
-              <a:t> requiring applications to proactively set the right fields in IP header.</a:t>
-            </a:r>
-            <a:endParaRPr lang="zh-CN" altLang="en-US" sz="4400" dirty="0" smtClean="0">
+              <a:rPr lang="en-US" sz="4300" dirty="0" smtClean="0">
+                <a:ea typeface="Times New Roman" charset="0"/>
+                <a:cs typeface="Times New Roman" charset="0"/>
+              </a:rPr>
+              <a:t> requiring applications to set the corresponding fields in IP header.</a:t>
+            </a:r>
+            <a:endParaRPr lang="zh-CN" altLang="en-US" sz="4300" dirty="0" smtClean="0">
               <a:ea typeface="Times New Roman" charset="0"/>
               <a:cs typeface="Times New Roman" charset="0"/>
             </a:endParaRPr>
@@ -4405,8 +4235,8 @@
         </p:nvSpPr>
         <p:spPr>
           <a:xfrm>
-            <a:off x="797673" y="11822719"/>
-            <a:ext cx="11692890" cy="5293757"/>
+            <a:off x="662121" y="8523829"/>
+            <a:ext cx="13258093" cy="3477875"/>
           </a:xfrm>
           <a:prstGeom prst="rect">
             <a:avLst/>
@@ -4419,191 +4249,121 @@
           </a:bodyPr>
           <a:lstStyle/>
           <a:p>
-            <a:pPr>
+            <a:pPr marL="463550" indent="-463550" algn="just">
               <a:spcAft>
-                <a:spcPts val="1800"/>
+                <a:spcPts val="600"/>
               </a:spcAft>
+              <a:buFont typeface="Arial" panose="020B0604020202020204" pitchFamily="34" charset="0"/>
+              <a:buChar char="•"/>
             </a:pPr>
             <a:r>
-              <a:rPr lang="en-US" sz="4400" dirty="0" smtClean="0">
-                <a:ea typeface="Times New Roman" charset="0"/>
-                <a:cs typeface="Times New Roman" charset="0"/>
-              </a:rPr>
-              <a:t>•</a:t>
-            </a:r>
-            <a:r>
-              <a:rPr lang="zh-CN" altLang="en-US" sz="4400" dirty="0" smtClean="0">
+              <a:rPr lang="en-US" altLang="zh-CN" sz="4300" dirty="0" smtClean="0">
+                <a:ea typeface="Times New Roman" charset="0"/>
+                <a:cs typeface="Times New Roman" charset="0"/>
+              </a:rPr>
+              <a:t>I</a:t>
+            </a:r>
+            <a:r>
+              <a:rPr lang="en-US" sz="4300" dirty="0" smtClean="0">
+                <a:ea typeface="Times New Roman" charset="0"/>
+                <a:cs typeface="Times New Roman" charset="0"/>
+              </a:rPr>
+              <a:t>solate different traffic using </a:t>
+            </a:r>
+            <a:r>
+              <a:rPr lang="en-US" sz="4300" dirty="0" err="1" smtClean="0">
+                <a:ea typeface="Times New Roman" charset="0"/>
+                <a:cs typeface="Times New Roman" charset="0"/>
+              </a:rPr>
+              <a:t>OpenFlow</a:t>
+            </a:r>
+            <a:r>
+              <a:rPr lang="en-US" sz="4300" dirty="0" smtClean="0">
                 <a:ea typeface="Times New Roman" charset="0"/>
                 <a:cs typeface="Times New Roman" charset="0"/>
               </a:rPr>
               <a:t> </a:t>
             </a:r>
             <a:r>
-              <a:rPr lang="en-US" altLang="zh-CN" sz="4400" dirty="0" smtClean="0">
-                <a:ea typeface="Times New Roman" charset="0"/>
-                <a:cs typeface="Times New Roman" charset="0"/>
-              </a:rPr>
-              <a:t>I</a:t>
-            </a:r>
-            <a:r>
-              <a:rPr lang="en-US" sz="4400" dirty="0" smtClean="0">
-                <a:ea typeface="Times New Roman" charset="0"/>
-                <a:cs typeface="Times New Roman" charset="0"/>
-              </a:rPr>
-              <a:t>solate </a:t>
-            </a:r>
-            <a:r>
-              <a:rPr lang="en-US" sz="4400" dirty="0">
-                <a:ea typeface="Times New Roman" charset="0"/>
-                <a:cs typeface="Times New Roman" charset="0"/>
-              </a:rPr>
-              <a:t>different traffic in separate </a:t>
-            </a:r>
-            <a:r>
-              <a:rPr lang="en-US" sz="4400" dirty="0" smtClean="0">
-                <a:ea typeface="Times New Roman" charset="0"/>
-                <a:cs typeface="Times New Roman" charset="0"/>
-              </a:rPr>
-              <a:t>queues each having </a:t>
-            </a:r>
-            <a:r>
-              <a:rPr lang="en-US" sz="4400" dirty="0">
-                <a:ea typeface="Times New Roman" charset="0"/>
-                <a:cs typeface="Times New Roman" charset="0"/>
-              </a:rPr>
-              <a:t>a hard rate limit on </a:t>
-            </a:r>
-            <a:r>
-              <a:rPr lang="en-US" sz="4400" dirty="0" smtClean="0">
-                <a:ea typeface="Times New Roman" charset="0"/>
-                <a:cs typeface="Times New Roman" charset="0"/>
-              </a:rPr>
-              <a:t>that traffic.</a:t>
-            </a:r>
-          </a:p>
-          <a:p>
-            <a:pPr>
+              <a:rPr lang="en-US" sz="4300" dirty="0">
+                <a:ea typeface="Times New Roman" charset="0"/>
+                <a:cs typeface="Times New Roman" charset="0"/>
+              </a:rPr>
+              <a:t>in separate </a:t>
+            </a:r>
+            <a:r>
+              <a:rPr lang="en-US" sz="4300" dirty="0" smtClean="0">
+                <a:ea typeface="Times New Roman" charset="0"/>
+                <a:cs typeface="Times New Roman" charset="0"/>
+              </a:rPr>
+              <a:t>queues each rate limited using OVS ingress policing to it’s user-specified bandwidth share.</a:t>
+            </a:r>
+          </a:p>
+          <a:p>
+            <a:pPr marL="463550" indent="-463550" algn="just">
               <a:spcAft>
-                <a:spcPts val="1800"/>
+                <a:spcPts val="600"/>
               </a:spcAft>
+              <a:buFont typeface="Arial" panose="020B0604020202020204" pitchFamily="34" charset="0"/>
+              <a:buChar char="•"/>
             </a:pPr>
             <a:r>
-              <a:rPr lang="en-US" sz="4400" dirty="0">
-                <a:ea typeface="Times New Roman" charset="0"/>
-                <a:cs typeface="Times New Roman" charset="0"/>
-              </a:rPr>
-              <a:t>• </a:t>
-            </a:r>
-            <a:r>
-              <a:rPr lang="en-US" sz="4400" dirty="0" err="1" smtClean="0">
-                <a:ea typeface="Times New Roman" charset="0"/>
-                <a:cs typeface="Times New Roman" charset="0"/>
-              </a:rPr>
-              <a:t>Openflow</a:t>
-            </a:r>
-            <a:r>
-              <a:rPr lang="en-US" sz="4400" dirty="0" smtClean="0">
-                <a:ea typeface="Times New Roman" charset="0"/>
-                <a:cs typeface="Times New Roman" charset="0"/>
-              </a:rPr>
-              <a:t>-based isolation and OVS ingress policing for rate limiting traffic.</a:t>
-            </a:r>
-            <a:endParaRPr lang="zh-CN" altLang="en-US" sz="4400" dirty="0" smtClean="0">
-              <a:ea typeface="Times New Roman" charset="0"/>
-              <a:cs typeface="Times New Roman" charset="0"/>
-            </a:endParaRPr>
-          </a:p>
-          <a:p>
-            <a:pPr>
-              <a:spcAft>
-                <a:spcPts val="1800"/>
-              </a:spcAft>
-            </a:pPr>
-            <a:r>
-              <a:rPr lang="en-US" sz="4400" dirty="0" smtClean="0">
-                <a:ea typeface="Times New Roman" charset="0"/>
-                <a:cs typeface="Times New Roman" charset="0"/>
-              </a:rPr>
-              <a:t>•</a:t>
-            </a:r>
-            <a:r>
-              <a:rPr lang="en-US" sz="4400" dirty="0">
-                <a:ea typeface="Times New Roman" charset="0"/>
-                <a:cs typeface="Times New Roman" charset="0"/>
-              </a:rPr>
-              <a:t> </a:t>
-            </a:r>
-            <a:r>
-              <a:rPr lang="en-US" altLang="zh-CN" sz="4400" dirty="0" smtClean="0">
-                <a:ea typeface="Times New Roman" charset="0"/>
-                <a:cs typeface="Times New Roman" charset="0"/>
-              </a:rPr>
-              <a:t>U</a:t>
-            </a:r>
-            <a:r>
-              <a:rPr lang="en-US" sz="4400" dirty="0" smtClean="0">
-                <a:ea typeface="Times New Roman" charset="0"/>
-                <a:cs typeface="Times New Roman" charset="0"/>
-              </a:rPr>
-              <a:t>tili</a:t>
-            </a:r>
-            <a:r>
-              <a:rPr lang="en-US" altLang="zh-CN" sz="4400" dirty="0" smtClean="0">
+              <a:rPr lang="en-US" altLang="zh-CN" sz="4300" dirty="0" smtClean="0">
+                <a:ea typeface="Times New Roman" charset="0"/>
+                <a:cs typeface="Times New Roman" charset="0"/>
+              </a:rPr>
+              <a:t>Use </a:t>
+            </a:r>
+            <a:r>
+              <a:rPr lang="en-US" sz="4300" dirty="0" smtClean="0">
+                <a:ea typeface="Times New Roman" charset="0"/>
+                <a:cs typeface="Times New Roman" charset="0"/>
+              </a:rPr>
+              <a:t>Linux's </a:t>
+            </a:r>
+            <a:r>
+              <a:rPr lang="en-US" sz="4300" dirty="0">
+                <a:ea typeface="Times New Roman" charset="0"/>
+                <a:cs typeface="Times New Roman" charset="0"/>
+              </a:rPr>
+              <a:t>advanced routing and traffic control to </a:t>
+            </a:r>
+            <a:r>
+              <a:rPr lang="en-US" sz="4300" dirty="0" smtClean="0">
+                <a:ea typeface="Times New Roman" charset="0"/>
+                <a:cs typeface="Times New Roman" charset="0"/>
+              </a:rPr>
+              <a:t>prevent under-utili</a:t>
+            </a:r>
+            <a:r>
+              <a:rPr lang="en-US" altLang="zh-CN" sz="4300" dirty="0" smtClean="0">
                 <a:ea typeface="Times New Roman" charset="0"/>
                 <a:cs typeface="Times New Roman" charset="0"/>
               </a:rPr>
               <a:t>z</a:t>
             </a:r>
             <a:r>
-              <a:rPr lang="en-US" sz="4400" dirty="0" smtClean="0">
-                <a:ea typeface="Times New Roman" charset="0"/>
-                <a:cs typeface="Times New Roman" charset="0"/>
-              </a:rPr>
-              <a:t>e </a:t>
-            </a:r>
-            <a:r>
-              <a:rPr lang="en-US" sz="4400" dirty="0">
-                <a:ea typeface="Times New Roman" charset="0"/>
-                <a:cs typeface="Times New Roman" charset="0"/>
-              </a:rPr>
-              <a:t>the Linux's advanced routing and traffic control to overcome the limitation of </a:t>
-            </a:r>
-            <a:r>
-              <a:rPr lang="en-US" sz="4400" dirty="0" smtClean="0">
-                <a:ea typeface="Times New Roman" charset="0"/>
-                <a:cs typeface="Times New Roman" charset="0"/>
-              </a:rPr>
-              <a:t>under-utili</a:t>
-            </a:r>
-            <a:r>
-              <a:rPr lang="en-US" altLang="zh-CN" sz="4400" dirty="0" smtClean="0">
-                <a:ea typeface="Times New Roman" charset="0"/>
-                <a:cs typeface="Times New Roman" charset="0"/>
-              </a:rPr>
-              <a:t>z</a:t>
-            </a:r>
-            <a:r>
-              <a:rPr lang="en-US" sz="4400" dirty="0" smtClean="0">
+              <a:rPr lang="en-US" sz="4300" dirty="0" smtClean="0">
                 <a:ea typeface="Times New Roman" charset="0"/>
                 <a:cs typeface="Times New Roman" charset="0"/>
               </a:rPr>
               <a:t>ation </a:t>
             </a:r>
             <a:r>
-              <a:rPr lang="en-US" sz="4400" dirty="0">
-                <a:ea typeface="Times New Roman" charset="0"/>
-                <a:cs typeface="Times New Roman" charset="0"/>
-              </a:rPr>
-              <a:t>of available </a:t>
-            </a:r>
-            <a:r>
-              <a:rPr lang="en-US" sz="4400" dirty="0" smtClean="0">
-                <a:ea typeface="Times New Roman" charset="0"/>
-                <a:cs typeface="Times New Roman" charset="0"/>
-              </a:rPr>
-              <a:t>bandwidth.</a:t>
-            </a:r>
-            <a:endParaRPr lang="en-US" sz="4400" dirty="0">
+              <a:rPr lang="en-US" sz="4300" dirty="0">
+                <a:ea typeface="Times New Roman" charset="0"/>
+                <a:cs typeface="Times New Roman" charset="0"/>
+              </a:rPr>
+              <a:t>of </a:t>
+            </a:r>
+            <a:r>
+              <a:rPr lang="en-US" sz="4300" dirty="0" smtClean="0">
+                <a:ea typeface="Times New Roman" charset="0"/>
+                <a:cs typeface="Times New Roman" charset="0"/>
+              </a:rPr>
+              <a:t>available bandwidth.</a:t>
+            </a:r>
+            <a:endParaRPr lang="en-US" sz="4300" dirty="0">
               <a:ea typeface="Times New Roman" charset="0"/>
               <a:cs typeface="Times New Roman" charset="0"/>
             </a:endParaRPr>
@@ -4665,76 +4425,76 @@
           <a:p>
             <a:pPr algn="ctr"/>
             <a:r>
-              <a:rPr lang="en-US" altLang="zh-CN" sz="4400" dirty="0" smtClean="0">
+              <a:rPr lang="en-US" altLang="zh-CN" sz="4300" dirty="0" smtClean="0">
                 <a:ea typeface="Times New Roman" charset="0"/>
                 <a:cs typeface="Times New Roman" charset="0"/>
               </a:rPr>
               <a:t>Improvements</a:t>
             </a:r>
             <a:r>
-              <a:rPr lang="zh-CN" altLang="en-US" sz="4400" dirty="0" smtClean="0">
+              <a:rPr lang="zh-CN" altLang="en-US" sz="4300" dirty="0" smtClean="0">
                 <a:ea typeface="Times New Roman" charset="0"/>
                 <a:cs typeface="Times New Roman" charset="0"/>
               </a:rPr>
               <a:t> </a:t>
             </a:r>
             <a:r>
-              <a:rPr lang="en-US" altLang="zh-CN" sz="4400" dirty="0" smtClean="0">
+              <a:rPr lang="en-US" altLang="zh-CN" sz="4300" dirty="0" smtClean="0">
                 <a:ea typeface="Times New Roman" charset="0"/>
                 <a:cs typeface="Times New Roman" charset="0"/>
               </a:rPr>
               <a:t>to</a:t>
             </a:r>
             <a:r>
-              <a:rPr lang="zh-CN" altLang="en-US" sz="4400" dirty="0" smtClean="0">
+              <a:rPr lang="zh-CN" altLang="en-US" sz="4300" dirty="0" smtClean="0">
                 <a:ea typeface="Times New Roman" charset="0"/>
                 <a:cs typeface="Times New Roman" charset="0"/>
               </a:rPr>
               <a:t> </a:t>
             </a:r>
             <a:r>
-              <a:rPr lang="en-US" altLang="zh-CN" sz="4400" dirty="0">
+              <a:rPr lang="en-US" altLang="zh-CN" sz="4300" dirty="0">
                 <a:ea typeface="Times New Roman" charset="0"/>
                 <a:cs typeface="Times New Roman" charset="0"/>
               </a:rPr>
               <a:t>A</a:t>
             </a:r>
             <a:r>
-              <a:rPr lang="en-US" altLang="zh-CN" sz="4400" dirty="0" smtClean="0">
+              <a:rPr lang="en-US" altLang="zh-CN" sz="4300" dirty="0" smtClean="0">
                 <a:ea typeface="Times New Roman" charset="0"/>
                 <a:cs typeface="Times New Roman" charset="0"/>
               </a:rPr>
               <a:t>pplication</a:t>
             </a:r>
             <a:r>
-              <a:rPr lang="zh-CN" altLang="en-US" sz="4400" dirty="0" smtClean="0">
+              <a:rPr lang="zh-CN" altLang="en-US" sz="4300" dirty="0" smtClean="0">
                 <a:ea typeface="Times New Roman" charset="0"/>
                 <a:cs typeface="Times New Roman" charset="0"/>
               </a:rPr>
               <a:t> </a:t>
             </a:r>
             <a:r>
-              <a:rPr lang="en-US" altLang="zh-CN" sz="4400" dirty="0" smtClean="0">
+              <a:rPr lang="en-US" altLang="zh-CN" sz="4300" dirty="0" smtClean="0">
                 <a:ea typeface="Times New Roman" charset="0"/>
                 <a:cs typeface="Times New Roman" charset="0"/>
               </a:rPr>
               <a:t>Performance using OVS-</a:t>
             </a:r>
             <a:r>
-              <a:rPr lang="en-US" altLang="zh-CN" sz="4400" dirty="0" err="1" smtClean="0">
+              <a:rPr lang="en-US" altLang="zh-CN" sz="4300" dirty="0" err="1" smtClean="0">
                 <a:ea typeface="Times New Roman" charset="0"/>
                 <a:cs typeface="Times New Roman" charset="0"/>
               </a:rPr>
               <a:t>Openflow</a:t>
             </a:r>
             <a:r>
-              <a:rPr lang="en-US" altLang="zh-CN" sz="4400" dirty="0" smtClean="0">
+              <a:rPr lang="en-US" altLang="zh-CN" sz="4300" dirty="0" smtClean="0">
                 <a:ea typeface="Times New Roman" charset="0"/>
                 <a:cs typeface="Times New Roman" charset="0"/>
               </a:rPr>
               <a:t> Classification</a:t>
             </a:r>
-            <a:endParaRPr lang="en-US" sz="4400" dirty="0">
+            <a:endParaRPr lang="en-US" sz="4300" dirty="0">
               <a:ea typeface="Times New Roman" charset="0"/>
               <a:cs typeface="Times New Roman" charset="0"/>
             </a:endParaRPr>
@@ -4765,13 +4525,13 @@
           <a:p>
             <a:pPr algn="ctr"/>
             <a:r>
-              <a:rPr lang="en-US" altLang="zh-CN" sz="4400" dirty="0" smtClean="0">
+              <a:rPr lang="en-US" altLang="zh-CN" sz="4300" dirty="0" smtClean="0">
                 <a:ea typeface="Times New Roman" charset="0"/>
                 <a:cs typeface="Times New Roman" charset="0"/>
               </a:rPr>
               <a:t>Additional Gains from using Hierarchical Token Bucket (HTB) in Linux Traffic Control</a:t>
             </a:r>
-            <a:endParaRPr lang="en-US" sz="4400" dirty="0">
+            <a:endParaRPr lang="en-US" sz="4300" dirty="0">
               <a:ea typeface="Times New Roman" charset="0"/>
               <a:cs typeface="Times New Roman" charset="0"/>
             </a:endParaRPr>
@@ -4800,12 +4560,12 @@
           <a:graphicData uri="http://schemas.openxmlformats.org/presentationml/2006/ole">
             <mc:AlternateContent xmlns:mc="http://schemas.openxmlformats.org/markup-compatibility/2006">
               <mc:Choice xmlns:v="urn:schemas-microsoft-com:vml" Requires="v">
-                <p:oleObj spid="_x0000_s1453" name="Acrobat Document" r:id="rId5" imgW="2742882" imgH="1919957" progId="AcroExch.Document.DC">
+                <p:oleObj spid="_x0000_s2055" name="Acrobat Document" r:id="rId7" imgW="2742882" imgH="1919957" progId="AcroExch.Document.DC">
                   <p:embed/>
                 </p:oleObj>
               </mc:Choice>
               <mc:Fallback>
-                <p:oleObj name="Acrobat Document" r:id="rId5" imgW="2742882" imgH="1919957" progId="AcroExch.Document.DC">
+                <p:oleObj name="Acrobat Document" r:id="rId7" imgW="2742882" imgH="1919957" progId="AcroExch.Document.DC">
                   <p:embed/>
                   <p:pic>
                     <p:nvPicPr>
@@ -4814,7 +4574,7 @@
                       <p:nvPr/>
                     </p:nvPicPr>
                     <p:blipFill>
-                      <a:blip r:embed="rId6"/>
+                      <a:blip r:embed="rId8"/>
                       <a:stretch>
                         <a:fillRect/>
                       </a:stretch>
@@ -4862,12 +4622,12 @@
           <a:graphicData uri="http://schemas.openxmlformats.org/presentationml/2006/ole">
             <mc:AlternateContent xmlns:mc="http://schemas.openxmlformats.org/markup-compatibility/2006">
               <mc:Choice xmlns:v="urn:schemas-microsoft-com:vml" Requires="v">
-                <p:oleObj spid="_x0000_s1454" name="Acrobat Document" r:id="rId7" imgW="2742882" imgH="1919957" progId="AcroExch.Document.DC">
+                <p:oleObj spid="_x0000_s2056" name="Acrobat Document" r:id="rId9" imgW="2742882" imgH="1919957" progId="AcroExch.Document.DC">
                   <p:embed/>
                 </p:oleObj>
               </mc:Choice>
               <mc:Fallback>
-                <p:oleObj name="Acrobat Document" r:id="rId7" imgW="2742882" imgH="1919957" progId="AcroExch.Document.DC">
+                <p:oleObj name="Acrobat Document" r:id="rId9" imgW="2742882" imgH="1919957" progId="AcroExch.Document.DC">
                   <p:embed/>
                   <p:pic>
                     <p:nvPicPr>
@@ -4876,7 +4636,7 @@
                       <p:nvPr/>
                     </p:nvPicPr>
                     <p:blipFill>
-                      <a:blip r:embed="rId8"/>
+                      <a:blip r:embed="rId10"/>
                       <a:stretch>
                         <a:fillRect/>
                       </a:stretch>
@@ -4904,68 +4664,6 @@
       </p:graphicFrame>
       <p:graphicFrame>
         <p:nvGraphicFramePr>
-          <p:cNvPr id="9" name="Object 8"/>
-          <p:cNvGraphicFramePr>
-            <a:graphicFrameLocks noChangeAspect="1"/>
-          </p:cNvGraphicFramePr>
-          <p:nvPr>
-            <p:extLst>
-              <p:ext uri="{D42A27DB-BD31-4B8C-83A1-F6EECF244321}">
-                <p14:modId xmlns:p14="http://schemas.microsoft.com/office/powerpoint/2010/main" val="1770112403"/>
-              </p:ext>
-            </p:extLst>
-          </p:nvPr>
-        </p:nvGraphicFramePr>
-        <p:xfrm>
-          <a:off x="22735978" y="25995843"/>
-          <a:ext cx="9328982" cy="5371356"/>
-        </p:xfrm>
-        <a:graphic>
-          <a:graphicData uri="http://schemas.openxmlformats.org/presentationml/2006/ole">
-            <mc:AlternateContent xmlns:mc="http://schemas.openxmlformats.org/markup-compatibility/2006">
-              <mc:Choice xmlns:v="urn:schemas-microsoft-com:vml" Requires="v">
-                <p:oleObj spid="_x0000_s1455" name="Acrobat Document" r:id="rId9" imgW="2742882" imgH="1919957" progId="AcroExch.Document.DC">
-                  <p:embed/>
-                </p:oleObj>
-              </mc:Choice>
-              <mc:Fallback>
-                <p:oleObj name="Acrobat Document" r:id="rId9" imgW="2742882" imgH="1919957" progId="AcroExch.Document.DC">
-                  <p:embed/>
-                  <p:pic>
-                    <p:nvPicPr>
-                      <p:cNvPr id="0" name=""/>
-                      <p:cNvPicPr/>
-                      <p:nvPr/>
-                    </p:nvPicPr>
-                    <p:blipFill>
-                      <a:blip r:embed="rId10"/>
-                      <a:stretch>
-                        <a:fillRect/>
-                      </a:stretch>
-                    </p:blipFill>
-                    <p:spPr>
-                      <a:xfrm>
-                        <a:off x="22735978" y="25995843"/>
-                        <a:ext cx="9328982" cy="5371356"/>
-                      </a:xfrm>
-                      <a:prstGeom prst="rect">
-                        <a:avLst/>
-                      </a:prstGeom>
-                      <a:ln>
-                        <a:solidFill>
-                          <a:schemeClr val="tx1"/>
-                        </a:solidFill>
-                      </a:ln>
-                    </p:spPr>
-                  </p:pic>
-                </p:oleObj>
-              </mc:Fallback>
-            </mc:AlternateContent>
-          </a:graphicData>
-        </a:graphic>
-      </p:graphicFrame>
-      <p:graphicFrame>
-        <p:nvGraphicFramePr>
           <p:cNvPr id="10" name="Object 9"/>
           <p:cNvGraphicFramePr>
             <a:graphicFrameLocks noChangeAspect="1"/>
@@ -4986,7 +4684,7 @@
           <a:graphicData uri="http://schemas.openxmlformats.org/presentationml/2006/ole">
             <mc:AlternateContent xmlns:mc="http://schemas.openxmlformats.org/markup-compatibility/2006">
               <mc:Choice xmlns:v="urn:schemas-microsoft-com:vml" Requires="v">
-                <p:oleObj spid="_x0000_s1456" name="Acrobat Document" r:id="rId11" imgW="2742882" imgH="1919957" progId="AcroExch.Document.DC">
+                <p:oleObj spid="_x0000_s2057" name="Acrobat Document" r:id="rId11" imgW="2742882" imgH="1919957" progId="AcroExch.Document.DC">
                   <p:embed/>
                 </p:oleObj>
               </mc:Choice>
@@ -5048,7 +4746,7 @@
           <a:graphicData uri="http://schemas.openxmlformats.org/presentationml/2006/ole">
             <mc:AlternateContent xmlns:mc="http://schemas.openxmlformats.org/markup-compatibility/2006">
               <mc:Choice xmlns:v="urn:schemas-microsoft-com:vml" Requires="v">
-                <p:oleObj spid="_x0000_s1457" name="Acrobat Document" r:id="rId13" imgW="2742882" imgH="1919957" progId="AcroExch.Document.DC">
+                <p:oleObj spid="_x0000_s2058" name="Acrobat Document" r:id="rId13" imgW="2742882" imgH="1919957" progId="AcroExch.Document.DC">
                   <p:embed/>
                 </p:oleObj>
               </mc:Choice>
@@ -5110,7 +4808,7 @@
           <a:graphicData uri="http://schemas.openxmlformats.org/presentationml/2006/ole">
             <mc:AlternateContent xmlns:mc="http://schemas.openxmlformats.org/markup-compatibility/2006">
               <mc:Choice xmlns:v="urn:schemas-microsoft-com:vml" Requires="v">
-                <p:oleObj spid="_x0000_s1458" name="Acrobat Document" r:id="rId15" imgW="2742882" imgH="1919957" progId="AcroExch.Document.DC">
+                <p:oleObj spid="_x0000_s2059" name="Acrobat Document" r:id="rId15" imgW="2742882" imgH="1919957" progId="AcroExch.Document.DC">
                   <p:embed/>
                 </p:oleObj>
               </mc:Choice>
@@ -5150,76 +4848,6 @@
           </a:graphicData>
         </a:graphic>
       </p:graphicFrame>
-      <p:pic>
-        <p:nvPicPr>
-          <p:cNvPr id="40" name="Picture 39"/>
-          <p:cNvPicPr>
-            <a:picLocks noChangeAspect="1"/>
-          </p:cNvPicPr>
-          <p:nvPr/>
-        </p:nvPicPr>
-        <p:blipFill>
-          <a:blip r:embed="rId17">
-            <a:extLst>
-              <a:ext uri="{28A0092B-C50C-407E-A947-70E740481C1C}">
-                <a14:useLocalDpi xmlns:a14="http://schemas.microsoft.com/office/drawing/2010/main" val="0"/>
-              </a:ext>
-            </a:extLst>
-          </a:blip>
-          <a:stretch>
-            <a:fillRect/>
-          </a:stretch>
-        </p:blipFill>
-        <p:spPr>
-          <a:xfrm>
-            <a:off x="1337129" y="25995843"/>
-            <a:ext cx="8965111" cy="5371356"/>
-          </a:xfrm>
-          <a:prstGeom prst="rect">
-            <a:avLst/>
-          </a:prstGeom>
-          <a:ln>
-            <a:solidFill>
-              <a:schemeClr val="tx1"/>
-            </a:solidFill>
-          </a:ln>
-        </p:spPr>
-      </p:pic>
-      <p:pic>
-        <p:nvPicPr>
-          <p:cNvPr id="41" name="Picture 40"/>
-          <p:cNvPicPr>
-            <a:picLocks noChangeAspect="1"/>
-          </p:cNvPicPr>
-          <p:nvPr/>
-        </p:nvPicPr>
-        <p:blipFill>
-          <a:blip r:embed="rId18">
-            <a:extLst>
-              <a:ext uri="{28A0092B-C50C-407E-A947-70E740481C1C}">
-                <a14:useLocalDpi xmlns:a14="http://schemas.microsoft.com/office/drawing/2010/main" val="0"/>
-              </a:ext>
-            </a:extLst>
-          </a:blip>
-          <a:stretch>
-            <a:fillRect/>
-          </a:stretch>
-        </p:blipFill>
-        <p:spPr>
-          <a:xfrm>
-            <a:off x="11863230" y="25995843"/>
-            <a:ext cx="9100533" cy="5371356"/>
-          </a:xfrm>
-          <a:prstGeom prst="rect">
-            <a:avLst/>
-          </a:prstGeom>
-          <a:ln>
-            <a:solidFill>
-              <a:schemeClr val="tx1"/>
-            </a:solidFill>
-          </a:ln>
-        </p:spPr>
-      </p:pic>
       <p:sp>
         <p:nvSpPr>
           <p:cNvPr id="45" name="TextBox 44"/>
@@ -5244,13 +4872,13 @@
           <a:p>
             <a:pPr algn="ctr"/>
             <a:r>
-              <a:rPr lang="en-US" sz="4400" dirty="0" smtClean="0">
+              <a:rPr lang="en-US" sz="4300" dirty="0" smtClean="0">
                 <a:ea typeface="Times New Roman" charset="0"/>
                 <a:cs typeface="Times New Roman" charset="0"/>
               </a:rPr>
               <a:t>Reduced Skype Call Jitter</a:t>
             </a:r>
-            <a:endParaRPr lang="en-US" sz="4400" dirty="0">
+            <a:endParaRPr lang="en-US" sz="4300" dirty="0">
               <a:ea typeface="Times New Roman" charset="0"/>
               <a:cs typeface="Times New Roman" charset="0"/>
             </a:endParaRPr>
@@ -5281,27 +4909,13 @@
           <a:p>
             <a:pPr algn="ctr"/>
             <a:r>
-              <a:rPr lang="en-US" sz="4400" dirty="0" smtClean="0">
-                <a:ea typeface="Times New Roman" charset="0"/>
-                <a:cs typeface="Times New Roman" charset="0"/>
-              </a:rPr>
-              <a:t>Improved VLC </a:t>
-            </a:r>
-            <a:r>
-              <a:rPr lang="en-US" sz="4400" dirty="0" err="1" smtClean="0">
-                <a:ea typeface="Times New Roman" charset="0"/>
-                <a:cs typeface="Times New Roman" charset="0"/>
-              </a:rPr>
-              <a:t>Realtime</a:t>
-            </a:r>
-            <a:r>
-              <a:rPr lang="en-US" sz="4400" dirty="0" smtClean="0">
-                <a:ea typeface="Times New Roman" charset="0"/>
-                <a:cs typeface="Times New Roman" charset="0"/>
-              </a:rPr>
-              <a:t> Streaming Bitrate</a:t>
-            </a:r>
-            <a:endParaRPr lang="en-US" sz="4400" dirty="0">
+              <a:rPr lang="en-US" sz="4300" dirty="0" smtClean="0">
+                <a:ea typeface="Times New Roman" charset="0"/>
+                <a:cs typeface="Times New Roman" charset="0"/>
+              </a:rPr>
+              <a:t>Improved VLC Real-time Streaming Bitrate</a:t>
+            </a:r>
+            <a:endParaRPr lang="en-US" sz="4300" dirty="0">
               <a:ea typeface="Times New Roman" charset="0"/>
               <a:cs typeface="Times New Roman" charset="0"/>
             </a:endParaRPr>
@@ -5332,13 +4946,13 @@
           <a:p>
             <a:pPr algn="ctr"/>
             <a:r>
-              <a:rPr lang="en-US" sz="4400" dirty="0" smtClean="0">
+              <a:rPr lang="en-US" sz="4300" dirty="0" smtClean="0">
                 <a:ea typeface="Times New Roman" charset="0"/>
                 <a:cs typeface="Times New Roman" charset="0"/>
               </a:rPr>
               <a:t>Reduced Frame Drops and Segment Latency in DASH (HTTP) Video Streaming</a:t>
             </a:r>
-            <a:endParaRPr lang="en-US" sz="4400" dirty="0">
+            <a:endParaRPr lang="en-US" sz="4300" dirty="0">
               <a:ea typeface="Times New Roman" charset="0"/>
               <a:cs typeface="Times New Roman" charset="0"/>
             </a:endParaRPr>
@@ -5369,13 +4983,13 @@
           <a:p>
             <a:pPr algn="ctr"/>
             <a:r>
-              <a:rPr lang="en-US" sz="4400" dirty="0" smtClean="0">
+              <a:rPr lang="en-US" sz="4300" dirty="0" smtClean="0">
                 <a:ea typeface="Times New Roman" charset="0"/>
                 <a:cs typeface="Times New Roman" charset="0"/>
               </a:rPr>
               <a:t>Improved Worst-Case VLC Streaming Bitrate</a:t>
             </a:r>
-            <a:endParaRPr lang="en-US" sz="4400" dirty="0">
+            <a:endParaRPr lang="en-US" sz="4300" dirty="0">
               <a:ea typeface="Times New Roman" charset="0"/>
               <a:cs typeface="Times New Roman" charset="0"/>
             </a:endParaRPr>
@@ -5406,13 +5020,13 @@
           <a:p>
             <a:pPr algn="ctr"/>
             <a:r>
-              <a:rPr lang="en-US" sz="4400" dirty="0" smtClean="0">
+              <a:rPr lang="en-US" sz="4300" dirty="0" smtClean="0">
                 <a:ea typeface="Times New Roman" charset="0"/>
                 <a:cs typeface="Times New Roman" charset="0"/>
               </a:rPr>
               <a:t>Reduced Latencies in DASH Video Streaming</a:t>
             </a:r>
-            <a:endParaRPr lang="en-US" sz="4400" dirty="0">
+            <a:endParaRPr lang="en-US" sz="4300" dirty="0">
               <a:ea typeface="Times New Roman" charset="0"/>
               <a:cs typeface="Times New Roman" charset="0"/>
             </a:endParaRPr>
@@ -5560,10 +5174,10 @@
         </p:nvGrpSpPr>
         <p:grpSpPr>
           <a:xfrm>
-            <a:off x="12984203" y="3766400"/>
-            <a:ext cx="30241492" cy="13991696"/>
-            <a:chOff x="12853621" y="3771628"/>
-            <a:chExt cx="30180606" cy="13991696"/>
+            <a:off x="14611370" y="3767138"/>
+            <a:ext cx="28614324" cy="12656344"/>
+            <a:chOff x="14477513" y="3772366"/>
+            <a:chExt cx="28556714" cy="12656344"/>
           </a:xfrm>
         </p:grpSpPr>
         <p:sp>
@@ -5574,8 +5188,8 @@
           </p:nvSpPr>
           <p:spPr>
             <a:xfrm>
-              <a:off x="12853621" y="4041861"/>
-              <a:ext cx="15655369" cy="750471"/>
+              <a:off x="14477513" y="4041861"/>
+              <a:ext cx="15602418" cy="653113"/>
             </a:xfrm>
             <a:prstGeom prst="rect">
               <a:avLst/>
@@ -5587,8 +5201,8 @@
             </a:solidFill>
           </p:spPr>
           <p:txBody>
-            <a:bodyPr wrap="none" lIns="127000" tIns="127000" rIns="127000" bIns="127000" rtlCol="0">
-              <a:normAutofit fontScale="70000" lnSpcReduction="20000"/>
+            <a:bodyPr wrap="none" lIns="127000" tIns="127000" rIns="127000" bIns="127000" rtlCol="0" anchor="ctr">
+              <a:normAutofit fontScale="55000" lnSpcReduction="20000"/>
             </a:bodyPr>
             <a:lstStyle>
               <a:defPPr>
@@ -5614,7 +5228,7 @@
                 <a:t> </a:t>
               </a:r>
               <a:r>
-                <a:rPr lang="en-US" altLang="zh-CN" dirty="0" smtClean="0"/>
+                <a:rPr lang="en-US" altLang="zh-CN" dirty="0"/>
                 <a:t>Classification &amp; Rate Control</a:t>
               </a:r>
               <a:endParaRPr lang="en-US" dirty="0"/>
@@ -5629,8 +5243,8 @@
           </p:nvSpPr>
           <p:spPr>
             <a:xfrm>
-              <a:off x="13058756" y="11039066"/>
-              <a:ext cx="15450234" cy="828000"/>
+              <a:off x="14511390" y="11056809"/>
+              <a:ext cx="15602419" cy="656452"/>
             </a:xfrm>
             <a:prstGeom prst="rect">
               <a:avLst/>
@@ -5642,8 +5256,8 @@
             </a:solidFill>
           </p:spPr>
           <p:txBody>
-            <a:bodyPr wrap="none" lIns="127000" tIns="127000" rIns="127000" bIns="127000" rtlCol="0">
-              <a:normAutofit fontScale="77500" lnSpcReduction="20000"/>
+            <a:bodyPr wrap="none" lIns="127000" tIns="127000" rIns="127000" bIns="127000" rtlCol="0" anchor="ctr">
+              <a:normAutofit fontScale="55000" lnSpcReduction="20000"/>
             </a:bodyPr>
             <a:lstStyle>
               <a:defPPr>
@@ -5661,70 +5275,13 @@
             </a:lstStyle>
             <a:p>
               <a:r>
-                <a:rPr lang="en-US" altLang="zh-CN" dirty="0" smtClean="0"/>
+                <a:rPr lang="en-US" altLang="zh-CN" dirty="0"/>
                 <a:t>Linux Traffic Control</a:t>
               </a:r>
               <a:endParaRPr lang="en-US" dirty="0"/>
             </a:p>
           </p:txBody>
         </p:sp>
-        <p:graphicFrame>
-          <p:nvGraphicFramePr>
-            <p:cNvPr id="3" name="Object 2"/>
-            <p:cNvGraphicFramePr>
-              <a:graphicFrameLocks noChangeAspect="1"/>
-            </p:cNvGraphicFramePr>
-            <p:nvPr>
-              <p:extLst>
-                <p:ext uri="{D42A27DB-BD31-4B8C-83A1-F6EECF244321}">
-                  <p14:modId xmlns:p14="http://schemas.microsoft.com/office/powerpoint/2010/main" val="2651351725"/>
-                </p:ext>
-              </p:extLst>
-            </p:nvPr>
-          </p:nvGraphicFramePr>
-          <p:xfrm>
-            <a:off x="30575716" y="11024840"/>
-            <a:ext cx="11070818" cy="6738484"/>
-          </p:xfrm>
-          <a:graphic>
-            <a:graphicData uri="http://schemas.openxmlformats.org/presentationml/2006/ole">
-              <mc:AlternateContent xmlns:mc="http://schemas.openxmlformats.org/markup-compatibility/2006">
-                <mc:Choice xmlns:v="urn:schemas-microsoft-com:vml" Requires="v">
-                  <p:oleObj spid="_x0000_s1459" name="Acrobat Document" r:id="rId19" imgW="6034934" imgH="4663299" progId="AcroExch.Document.DC">
-                    <p:embed/>
-                  </p:oleObj>
-                </mc:Choice>
-                <mc:Fallback>
-                  <p:oleObj name="Acrobat Document" r:id="rId19" imgW="6034934" imgH="4663299" progId="AcroExch.Document.DC">
-                    <p:embed/>
-                    <p:pic>
-                      <p:nvPicPr>
-                        <p:cNvPr id="0" name=""/>
-                        <p:cNvPicPr/>
-                        <p:nvPr/>
-                      </p:nvPicPr>
-                      <p:blipFill>
-                        <a:blip r:embed="rId20"/>
-                        <a:stretch>
-                          <a:fillRect/>
-                        </a:stretch>
-                      </p:blipFill>
-                      <p:spPr>
-                        <a:xfrm>
-                          <a:off x="30575716" y="11024840"/>
-                          <a:ext cx="11070818" cy="6738484"/>
-                        </a:xfrm>
-                        <a:prstGeom prst="rect">
-                          <a:avLst/>
-                        </a:prstGeom>
-                      </p:spPr>
-                    </p:pic>
-                  </p:oleObj>
-                </mc:Fallback>
-              </mc:AlternateContent>
-            </a:graphicData>
-          </a:graphic>
-        </p:graphicFrame>
         <p:sp>
           <p:nvSpPr>
             <p:cNvPr id="69" name="TextBox 68"/>
@@ -5733,8 +5290,8 @@
           </p:nvSpPr>
           <p:spPr>
             <a:xfrm>
-              <a:off x="13058756" y="5054322"/>
-              <a:ext cx="15450234" cy="5816977"/>
+              <a:off x="14511389" y="4842880"/>
+              <a:ext cx="15602419" cy="5816977"/>
             </a:xfrm>
             <a:prstGeom prst="rect">
               <a:avLst/>
@@ -5747,25 +5304,13 @@
             </a:bodyPr>
             <a:lstStyle/>
             <a:p>
-              <a:pPr>
+              <a:pPr marL="463550" indent="-463550" algn="just">
                 <a:spcAft>
                   <a:spcPts val="600"/>
                 </a:spcAft>
+                <a:buFont typeface="Arial" panose="020B0604020202020204" pitchFamily="34" charset="0"/>
+                <a:buChar char="•"/>
               </a:pPr>
-              <a:r>
-                <a:rPr lang="en-US" sz="4400" dirty="0" smtClean="0">
-                  <a:ea typeface="Times New Roman" charset="0"/>
-                  <a:cs typeface="Times New Roman" charset="0"/>
-                </a:rPr>
-                <a:t>•</a:t>
-              </a:r>
-              <a:r>
-                <a:rPr lang="en-US" sz="4400" dirty="0">
-                  <a:ea typeface="Times New Roman" charset="0"/>
-                  <a:cs typeface="Times New Roman" charset="0"/>
-                </a:rPr>
-                <a:t> </a:t>
-              </a:r>
               <a:r>
                 <a:rPr lang="en-US" sz="4400" dirty="0" smtClean="0">
                   <a:ea typeface="Times New Roman" charset="0"/>
@@ -5912,17 +5457,19 @@
               </a:endParaRPr>
             </a:p>
             <a:p>
-              <a:pPr>
+              <a:pPr marL="463550" indent="-463550" algn="just">
                 <a:spcAft>
                   <a:spcPts val="600"/>
                 </a:spcAft>
+                <a:buFont typeface="Arial" panose="020B0604020202020204" pitchFamily="34" charset="0"/>
+                <a:buChar char="•"/>
               </a:pPr>
               <a:r>
                 <a:rPr lang="en-US" sz="4400" dirty="0" smtClean="0">
                   <a:ea typeface="Times New Roman" charset="0"/>
                   <a:cs typeface="Times New Roman" charset="0"/>
                 </a:rPr>
-                <a:t>• The</a:t>
+                <a:t>The</a:t>
               </a:r>
               <a:r>
                 <a:rPr lang="zh-CN" altLang="en-US" sz="4400" dirty="0" smtClean="0">
@@ -6160,28 +5707,23 @@
                   <a:ea typeface="Times New Roman" charset="0"/>
                   <a:cs typeface="Times New Roman" charset="0"/>
                 </a:rPr>
-                <a:t>traffic</a:t>
-              </a:r>
-              <a:r>
-                <a:rPr lang="en-US" sz="4400" dirty="0" smtClean="0">
-                  <a:ea typeface="Times New Roman" charset="0"/>
-                  <a:cs typeface="Times New Roman" charset="0"/>
-                </a:rPr>
-                <a:t>.</a:t>
+                <a:t>traffic.</a:t>
               </a:r>
             </a:p>
             <a:p>
-              <a:pPr>
+              <a:pPr marL="463550" indent="-463550" algn="just">
                 <a:spcAft>
                   <a:spcPts val="600"/>
                 </a:spcAft>
+                <a:buFont typeface="Arial" panose="020B0604020202020204" pitchFamily="34" charset="0"/>
+                <a:buChar char="•"/>
               </a:pPr>
               <a:r>
                 <a:rPr lang="en-US" sz="4400" dirty="0" smtClean="0">
                   <a:ea typeface="Times New Roman" charset="0"/>
                   <a:cs typeface="Times New Roman" charset="0"/>
                 </a:rPr>
-                <a:t>• Enables</a:t>
+                <a:t>Enables</a:t>
               </a:r>
               <a:r>
                 <a:rPr lang="zh-CN" altLang="en-US" sz="4400" dirty="0" smtClean="0">
@@ -6304,18 +5846,13 @@
               </a:r>
             </a:p>
             <a:p>
-              <a:pPr>
+              <a:pPr marL="463550" indent="-463550" algn="just">
                 <a:spcAft>
                   <a:spcPts val="600"/>
                 </a:spcAft>
+                <a:buFont typeface="Arial" panose="020B0604020202020204" pitchFamily="34" charset="0"/>
+                <a:buChar char="•"/>
               </a:pPr>
-              <a:r>
-                <a:rPr lang="en-US" sz="4400" dirty="0">
-                  <a:ea typeface="Times New Roman" charset="0"/>
-                  <a:cs typeface="Times New Roman" charset="0"/>
-                </a:rPr>
-                <a:t>• </a:t>
-              </a:r>
               <a:r>
                 <a:rPr lang="en-US" sz="4400" dirty="0" smtClean="0">
                   <a:ea typeface="Times New Roman" charset="0"/>
@@ -6479,18 +6016,13 @@
               </a:r>
             </a:p>
             <a:p>
-              <a:pPr>
+              <a:pPr marL="463550" indent="-463550" algn="just">
                 <a:spcAft>
                   <a:spcPts val="600"/>
                 </a:spcAft>
+                <a:buFont typeface="Arial" panose="020B0604020202020204" pitchFamily="34" charset="0"/>
+                <a:buChar char="•"/>
               </a:pPr>
-              <a:r>
-                <a:rPr lang="en-US" sz="4400" dirty="0">
-                  <a:ea typeface="Times New Roman" charset="0"/>
-                  <a:cs typeface="Times New Roman" charset="0"/>
-                </a:rPr>
-                <a:t>• </a:t>
-              </a:r>
               <a:r>
                 <a:rPr lang="en-US" sz="4400" dirty="0" smtClean="0">
                   <a:ea typeface="Times New Roman" charset="0"/>
@@ -6513,8 +6045,8 @@
           </p:nvSpPr>
           <p:spPr>
             <a:xfrm>
-              <a:off x="13045560" y="11965950"/>
-              <a:ext cx="15271490" cy="4462760"/>
+              <a:off x="14511390" y="11965950"/>
+              <a:ext cx="15493935" cy="4462760"/>
             </a:xfrm>
             <a:prstGeom prst="rect">
               <a:avLst/>
@@ -6527,19 +6059,14 @@
             </a:bodyPr>
             <a:lstStyle/>
             <a:p>
-              <a:pPr>
+              <a:pPr marL="457200" indent="-457200" algn="just">
                 <a:spcAft>
                   <a:spcPts val="1200"/>
                 </a:spcAft>
+                <a:buFont typeface="Arial" panose="020B0604020202020204" pitchFamily="34" charset="0"/>
+                <a:buChar char="•"/>
               </a:pPr>
               <a:r>
-                <a:rPr lang="en-US" sz="4400" dirty="0">
-                  <a:ea typeface="Times New Roman" charset="0"/>
-                  <a:cs typeface="Times New Roman" charset="0"/>
-                </a:rPr>
-                <a:t>• </a:t>
-              </a:r>
-              <a:r>
                 <a:rPr lang="en-US" sz="4400" dirty="0" smtClean="0">
                   <a:ea typeface="Times New Roman" charset="0"/>
                   <a:cs typeface="Times New Roman" charset="0"/>
@@ -6558,21 +6085,7 @@
                   <a:ea typeface="Times New Roman" charset="0"/>
                   <a:cs typeface="Times New Roman" charset="0"/>
                 </a:rPr>
-                <a:t> for Linux kernel’s network scheduler for low-level manipulation </a:t>
-              </a:r>
-              <a:r>
-                <a:rPr lang="en-US" sz="4400" dirty="0" smtClean="0">
-                  <a:ea typeface="Times New Roman" charset="0"/>
-                  <a:cs typeface="Times New Roman" charset="0"/>
-                </a:rPr>
-                <a:t>of</a:t>
-              </a:r>
-              <a:r>
-                <a:rPr lang="en-US" sz="4400" dirty="0" smtClean="0">
-                  <a:ea typeface="Times New Roman" charset="0"/>
-                  <a:cs typeface="Times New Roman" charset="0"/>
-                </a:rPr>
-                <a:t> network traffic flowing through it.</a:t>
+                <a:t> for Linux kernel’s network scheduler for low-level manipulation of network traffic flowing through it.</a:t>
               </a:r>
               <a:endParaRPr lang="zh-CN" altLang="en-US" sz="4400" b="1" dirty="0" smtClean="0">
                 <a:ea typeface="Times New Roman" charset="0"/>
@@ -6580,17 +6093,19 @@
               </a:endParaRPr>
             </a:p>
             <a:p>
-              <a:pPr>
+              <a:pPr marL="457200" indent="-457200" algn="just">
                 <a:spcAft>
                   <a:spcPts val="1200"/>
                 </a:spcAft>
+                <a:buFont typeface="Arial" panose="020B0604020202020204" pitchFamily="34" charset="0"/>
+                <a:buChar char="•"/>
               </a:pPr>
               <a:r>
                 <a:rPr lang="en-US" sz="4400" dirty="0" smtClean="0">
                   <a:ea typeface="Times New Roman" charset="0"/>
                   <a:cs typeface="Times New Roman" charset="0"/>
                 </a:rPr>
-                <a:t>• Implements multiple queuing disciplines, traffic policers and shapers to provide </a:t>
+                <a:t>Implements multiple queuing disciplines, traffic policers and shapers to provide </a:t>
               </a:r>
               <a:r>
                 <a:rPr lang="en-US" sz="4400" dirty="0" err="1" smtClean="0">
@@ -6611,33 +6126,24 @@
                   <a:ea typeface="Times New Roman" charset="0"/>
                   <a:cs typeface="Times New Roman" charset="0"/>
                 </a:rPr>
-                <a:t>to matching traffic</a:t>
-              </a:r>
-              <a:r>
-                <a:rPr lang="en-US" sz="4400" dirty="0" smtClean="0">
-                  <a:ea typeface="Times New Roman" charset="0"/>
-                  <a:cs typeface="Times New Roman" charset="0"/>
-                </a:rPr>
-                <a:t>.</a:t>
+                <a:t>to matching traffic.</a:t>
               </a:r>
             </a:p>
             <a:p>
-              <a:pPr>
+              <a:pPr marL="457200" indent="-457200" algn="just">
                 <a:spcAft>
                   <a:spcPts val="1200"/>
                 </a:spcAft>
+                <a:buFont typeface="Arial" panose="020B0604020202020204" pitchFamily="34" charset="0"/>
+                <a:buChar char="•"/>
               </a:pPr>
               <a:r>
                 <a:rPr lang="en-US" sz="4400" dirty="0" smtClean="0">
                   <a:ea typeface="Times New Roman" charset="0"/>
                   <a:cs typeface="Times New Roman" charset="0"/>
                 </a:rPr>
-                <a:t>• HTB is classful queueing discipline that supports multi-level traffic classification and shaping on egress traffic at an interface.</a:t>
-              </a:r>
-              <a:endParaRPr lang="en-US" sz="4400" dirty="0" smtClean="0">
-                <a:ea typeface="Times New Roman" charset="0"/>
-                <a:cs typeface="Times New Roman" charset="0"/>
-              </a:endParaRPr>
+                <a:t>HTB is classful queueing discipline that supports multi-level traffic classification and shaping on egress traffic at an interface.</a:t>
+              </a:r>
             </a:p>
           </p:txBody>
         </p:sp>
@@ -6650,25 +6156,25 @@
             <p:nvPr>
               <p:extLst>
                 <p:ext uri="{D42A27DB-BD31-4B8C-83A1-F6EECF244321}">
-                  <p14:modId xmlns:p14="http://schemas.microsoft.com/office/powerpoint/2010/main" val="3547218982"/>
+                  <p14:modId xmlns:p14="http://schemas.microsoft.com/office/powerpoint/2010/main" val="833126781"/>
                 </p:ext>
               </p:extLst>
             </p:nvPr>
           </p:nvGraphicFramePr>
           <p:xfrm>
-            <a:off x="29358466" y="3771628"/>
-            <a:ext cx="13591931" cy="8322384"/>
+            <a:off x="30575716" y="3772366"/>
+            <a:ext cx="12374885" cy="8321675"/>
           </p:xfrm>
           <a:graphic>
             <a:graphicData uri="http://schemas.openxmlformats.org/presentationml/2006/ole">
               <mc:AlternateContent xmlns:mc="http://schemas.openxmlformats.org/markup-compatibility/2006">
                 <mc:Choice xmlns:v="urn:schemas-microsoft-com:vml" Requires="v">
-                  <p:oleObj spid="_x0000_s1460" name="Acrobat Document" r:id="rId21" imgW="6034934" imgH="4663299" progId="AcroExch.Document.DC">
+                  <p:oleObj spid="_x0000_s2060" name="Acrobat Document" r:id="rId17" imgW="6034934" imgH="4663299" progId="AcroExch.Document.DC">
                     <p:embed/>
                   </p:oleObj>
                 </mc:Choice>
                 <mc:Fallback>
-                  <p:oleObj name="Acrobat Document" r:id="rId21" imgW="6034934" imgH="4663299" progId="AcroExch.Document.DC">
+                  <p:oleObj name="Acrobat Document" r:id="rId17" imgW="6034934" imgH="4663299" progId="AcroExch.Document.DC">
                     <p:embed/>
                     <p:pic>
                       <p:nvPicPr>
@@ -6677,15 +6183,15 @@
                         <p:nvPr/>
                       </p:nvPicPr>
                       <p:blipFill>
-                        <a:blip r:embed="rId22"/>
+                        <a:blip r:embed="rId18"/>
                         <a:stretch>
                           <a:fillRect/>
                         </a:stretch>
                       </p:blipFill>
                       <p:spPr>
                         <a:xfrm>
-                          <a:off x="29358466" y="3771628"/>
-                          <a:ext cx="13591931" cy="8322384"/>
+                          <a:off x="30575716" y="3772366"/>
+                          <a:ext cx="12374885" cy="8321675"/>
                         </a:xfrm>
                         <a:prstGeom prst="rect">
                           <a:avLst/>
@@ -6706,8 +6212,8 @@
           </p:nvSpPr>
           <p:spPr>
             <a:xfrm>
-              <a:off x="28947338" y="4034522"/>
-              <a:ext cx="14086889" cy="757810"/>
+              <a:off x="30435867" y="4034522"/>
+              <a:ext cx="12598359" cy="647587"/>
             </a:xfrm>
             <a:prstGeom prst="rect">
               <a:avLst/>
@@ -6719,8 +6225,8 @@
             </a:solidFill>
           </p:spPr>
           <p:txBody>
-            <a:bodyPr wrap="none" lIns="127000" tIns="127000" rIns="127000" bIns="127000" rtlCol="0">
-              <a:normAutofit fontScale="70000" lnSpcReduction="20000"/>
+            <a:bodyPr wrap="none" lIns="127000" tIns="127000" rIns="127000" bIns="127000" rtlCol="0" anchor="ctr">
+              <a:normAutofit fontScale="55000" lnSpcReduction="20000"/>
             </a:bodyPr>
             <a:lstStyle>
               <a:defPPr>
@@ -6738,11 +6244,11 @@
             </a:lstStyle>
             <a:p>
               <a:r>
-                <a:rPr lang="en-US" altLang="zh-CN" dirty="0" err="1" smtClean="0"/>
+                <a:rPr lang="en-US" altLang="zh-CN" dirty="0" err="1"/>
                 <a:t>FlowQoS</a:t>
               </a:r>
               <a:r>
-                <a:rPr lang="en-US" altLang="zh-CN" dirty="0" smtClean="0"/>
+                <a:rPr lang="en-US" altLang="zh-CN" dirty="0"/>
                 <a:t> Architecture</a:t>
               </a:r>
               <a:endParaRPr lang="en-US" dirty="0"/>
@@ -6757,8 +6263,8 @@
           </p:nvSpPr>
           <p:spPr>
             <a:xfrm>
-              <a:off x="28947338" y="11056808"/>
-              <a:ext cx="14086889" cy="819167"/>
+              <a:off x="30435867" y="11056808"/>
+              <a:ext cx="12598360" cy="628549"/>
             </a:xfrm>
             <a:prstGeom prst="rect">
               <a:avLst/>
@@ -6770,8 +6276,8 @@
             </a:solidFill>
           </p:spPr>
           <p:txBody>
-            <a:bodyPr wrap="none" lIns="127000" tIns="127000" rIns="127000" bIns="127000" rtlCol="0">
-              <a:normAutofit fontScale="77500" lnSpcReduction="20000"/>
+            <a:bodyPr wrap="none" lIns="127000" tIns="127000" rIns="127000" bIns="127000" rtlCol="0" anchor="ctr">
+              <a:noAutofit/>
             </a:bodyPr>
             <a:lstStyle>
               <a:defPPr>
@@ -6789,14 +6295,13 @@
             </a:lstStyle>
             <a:p>
               <a:r>
-                <a:rPr lang="en-US" dirty="0" err="1" smtClean="0"/>
+                <a:rPr lang="en-US" sz="3100" dirty="0" err="1"/>
                 <a:t>Heirarchical</a:t>
               </a:r>
               <a:r>
-                <a:rPr lang="en-US" dirty="0" smtClean="0"/>
+                <a:rPr lang="en-US" sz="3100" dirty="0"/>
                 <a:t> Token Bucket (HTB) Traffic Flow</a:t>
               </a:r>
-              <a:endParaRPr lang="en-US" dirty="0"/>
             </a:p>
           </p:txBody>
         </p:sp>
@@ -6849,8 +6354,8 @@
         </p:nvSpPr>
         <p:spPr>
           <a:xfrm>
-            <a:off x="12779069" y="3784248"/>
-            <a:ext cx="30651555" cy="13312125"/>
+            <a:off x="14356080" y="3784248"/>
+            <a:ext cx="29074544" cy="13312125"/>
           </a:xfrm>
           <a:prstGeom prst="rect">
             <a:avLst/>
@@ -6928,6 +6433,354 @@
           </a:p>
         </p:txBody>
       </p:sp>
+      <p:sp>
+        <p:nvSpPr>
+          <p:cNvPr id="73" name="TextBox 72"/>
+          <p:cNvSpPr txBox="1"/>
+          <p:nvPr/>
+        </p:nvSpPr>
+        <p:spPr>
+          <a:xfrm>
+            <a:off x="662122" y="12049492"/>
+            <a:ext cx="13258094" cy="666864"/>
+          </a:xfrm>
+          <a:prstGeom prst="rect">
+            <a:avLst/>
+          </a:prstGeom>
+          <a:solidFill>
+            <a:schemeClr val="accent1">
+              <a:lumMod val="75000"/>
+            </a:schemeClr>
+          </a:solidFill>
+        </p:spPr>
+        <p:txBody>
+          <a:bodyPr wrap="none" lIns="127000" tIns="127000" rIns="127000" bIns="127000" rtlCol="0" anchor="ctr">
+            <a:noAutofit/>
+          </a:bodyPr>
+          <a:lstStyle/>
+          <a:p>
+            <a:pPr algn="ctr"/>
+            <a:r>
+              <a:rPr lang="en-US" altLang="zh-CN" sz="3100" dirty="0" smtClean="0">
+                <a:solidFill>
+                  <a:schemeClr val="bg1"/>
+                </a:solidFill>
+                <a:latin typeface="Franklin Gothic Medium"/>
+                <a:cs typeface="Franklin Gothic Medium"/>
+              </a:rPr>
+              <a:t>Conclusion &amp; Future Work</a:t>
+            </a:r>
+            <a:endParaRPr lang="en-US" sz="3100" dirty="0">
+              <a:solidFill>
+                <a:schemeClr val="bg1"/>
+              </a:solidFill>
+              <a:latin typeface="Franklin Gothic Medium"/>
+              <a:cs typeface="Franklin Gothic Medium"/>
+            </a:endParaRPr>
+          </a:p>
+        </p:txBody>
+      </p:sp>
+      <p:sp>
+        <p:nvSpPr>
+          <p:cNvPr id="74" name="TextBox 73"/>
+          <p:cNvSpPr txBox="1"/>
+          <p:nvPr/>
+        </p:nvSpPr>
+        <p:spPr>
+          <a:xfrm>
+            <a:off x="662121" y="12773994"/>
+            <a:ext cx="13258094" cy="4293483"/>
+          </a:xfrm>
+          <a:prstGeom prst="rect">
+            <a:avLst/>
+          </a:prstGeom>
+          <a:noFill/>
+        </p:spPr>
+        <p:txBody>
+          <a:bodyPr wrap="square" rtlCol="0">
+            <a:spAutoFit/>
+          </a:bodyPr>
+          <a:lstStyle/>
+          <a:p>
+            <a:pPr marL="463550" indent="-463550" algn="just">
+              <a:spcAft>
+                <a:spcPts val="600"/>
+              </a:spcAft>
+              <a:buFont typeface="Arial" panose="020B0604020202020204" pitchFamily="34" charset="0"/>
+              <a:buChar char="•"/>
+            </a:pPr>
+            <a:r>
+              <a:rPr lang="en-US" sz="4300" dirty="0" err="1" smtClean="0">
+                <a:ea typeface="Times New Roman" charset="0"/>
+                <a:cs typeface="Times New Roman" charset="0"/>
+              </a:rPr>
+              <a:t>FlowQoS</a:t>
+            </a:r>
+            <a:r>
+              <a:rPr lang="en-US" sz="4300" dirty="0" smtClean="0">
+                <a:ea typeface="Times New Roman" charset="0"/>
+                <a:cs typeface="Times New Roman" charset="0"/>
+              </a:rPr>
+              <a:t> improves performance and user experience for time-sensitive applications.</a:t>
+            </a:r>
+            <a:endParaRPr lang="zh-CN" altLang="en-US" sz="4300" dirty="0" smtClean="0">
+              <a:ea typeface="Times New Roman" charset="0"/>
+              <a:cs typeface="Times New Roman" charset="0"/>
+            </a:endParaRPr>
+          </a:p>
+          <a:p>
+            <a:pPr marL="463550" indent="-463550" algn="just">
+              <a:spcAft>
+                <a:spcPts val="600"/>
+              </a:spcAft>
+              <a:buFont typeface="Arial" panose="020B0604020202020204" pitchFamily="34" charset="0"/>
+              <a:buChar char="•"/>
+            </a:pPr>
+            <a:r>
+              <a:rPr lang="en-US" altLang="zh-CN" sz="4300" dirty="0" smtClean="0">
+                <a:ea typeface="Times New Roman" charset="0"/>
+                <a:cs typeface="Times New Roman" charset="0"/>
+              </a:rPr>
+              <a:t>HTB-based solution smoothens traffic and improves bandwidth utilization but increases packet latencies.</a:t>
+            </a:r>
+          </a:p>
+          <a:p>
+            <a:pPr marL="463550" indent="-463550" algn="just">
+              <a:spcAft>
+                <a:spcPts val="600"/>
+              </a:spcAft>
+              <a:buFont typeface="Arial" panose="020B0604020202020204" pitchFamily="34" charset="0"/>
+              <a:buChar char="•"/>
+            </a:pPr>
+            <a:r>
+              <a:rPr lang="en-US" altLang="zh-CN" sz="4300" dirty="0" smtClean="0">
+                <a:ea typeface="Times New Roman" charset="0"/>
+                <a:cs typeface="Times New Roman" charset="0"/>
+              </a:rPr>
+              <a:t>Use OVS’s </a:t>
+            </a:r>
+            <a:r>
+              <a:rPr lang="en-US" altLang="zh-CN" sz="4300" dirty="0" err="1" smtClean="0">
+                <a:ea typeface="Times New Roman" charset="0"/>
+                <a:cs typeface="Times New Roman" charset="0"/>
+              </a:rPr>
+              <a:t>NetFlow</a:t>
+            </a:r>
+            <a:r>
+              <a:rPr lang="en-US" altLang="zh-CN" sz="4300" dirty="0" smtClean="0">
+                <a:ea typeface="Times New Roman" charset="0"/>
+                <a:cs typeface="Times New Roman" charset="0"/>
+              </a:rPr>
+              <a:t> support for metering and analytics.</a:t>
+            </a:r>
+          </a:p>
+          <a:p>
+            <a:pPr marL="463550" indent="-463550" algn="just">
+              <a:spcAft>
+                <a:spcPts val="600"/>
+              </a:spcAft>
+              <a:buFont typeface="Arial" panose="020B0604020202020204" pitchFamily="34" charset="0"/>
+              <a:buChar char="•"/>
+            </a:pPr>
+            <a:r>
+              <a:rPr lang="en-US" altLang="zh-CN" sz="4300" dirty="0" smtClean="0">
+                <a:ea typeface="Times New Roman" charset="0"/>
+                <a:cs typeface="Times New Roman" charset="0"/>
+              </a:rPr>
+              <a:t>Use SFQ discipline for equal share within each queue.</a:t>
+            </a:r>
+          </a:p>
+        </p:txBody>
+      </p:sp>
+      <p:graphicFrame>
+        <p:nvGraphicFramePr>
+          <p:cNvPr id="14" name="Object 13"/>
+          <p:cNvGraphicFramePr>
+            <a:graphicFrameLocks noChangeAspect="1"/>
+          </p:cNvGraphicFramePr>
+          <p:nvPr>
+            <p:extLst>
+              <p:ext uri="{D42A27DB-BD31-4B8C-83A1-F6EECF244321}">
+                <p14:modId xmlns:p14="http://schemas.microsoft.com/office/powerpoint/2010/main" val="3604721714"/>
+              </p:ext>
+            </p:extLst>
+          </p:nvPr>
+        </p:nvGraphicFramePr>
+        <p:xfrm>
+          <a:off x="1337129" y="25995842"/>
+          <a:ext cx="8965111" cy="5371357"/>
+        </p:xfrm>
+        <a:graphic>
+          <a:graphicData uri="http://schemas.openxmlformats.org/presentationml/2006/ole">
+            <mc:AlternateContent xmlns:mc="http://schemas.openxmlformats.org/markup-compatibility/2006">
+              <mc:Choice xmlns:v="urn:schemas-microsoft-com:vml" Requires="v">
+                <p:oleObj spid="_x0000_s2061" name="Acrobat Document" r:id="rId19" imgW="2742882" imgH="1919957" progId="AcroExch.Document.DC">
+                  <p:embed/>
+                </p:oleObj>
+              </mc:Choice>
+              <mc:Fallback>
+                <p:oleObj name="Acrobat Document" r:id="rId19" imgW="2742882" imgH="1919957" progId="AcroExch.Document.DC">
+                  <p:embed/>
+                  <p:pic>
+                    <p:nvPicPr>
+                      <p:cNvPr id="0" name=""/>
+                      <p:cNvPicPr/>
+                      <p:nvPr/>
+                    </p:nvPicPr>
+                    <p:blipFill>
+                      <a:blip r:embed="rId20"/>
+                      <a:stretch>
+                        <a:fillRect/>
+                      </a:stretch>
+                    </p:blipFill>
+                    <p:spPr>
+                      <a:xfrm>
+                        <a:off x="1337129" y="25995842"/>
+                        <a:ext cx="8965111" cy="5371357"/>
+                      </a:xfrm>
+                      <a:prstGeom prst="rect">
+                        <a:avLst/>
+                      </a:prstGeom>
+                      <a:ln w="9525">
+                        <a:solidFill>
+                          <a:schemeClr val="tx1"/>
+                        </a:solidFill>
+                      </a:ln>
+                    </p:spPr>
+                  </p:pic>
+                </p:oleObj>
+              </mc:Fallback>
+            </mc:AlternateContent>
+          </a:graphicData>
+        </a:graphic>
+      </p:graphicFrame>
+      <p:graphicFrame>
+        <p:nvGraphicFramePr>
+          <p:cNvPr id="18" name="Object 17"/>
+          <p:cNvGraphicFramePr>
+            <a:graphicFrameLocks noChangeAspect="1"/>
+          </p:cNvGraphicFramePr>
+          <p:nvPr>
+            <p:extLst>
+              <p:ext uri="{D42A27DB-BD31-4B8C-83A1-F6EECF244321}">
+                <p14:modId xmlns:p14="http://schemas.microsoft.com/office/powerpoint/2010/main" val="3924254765"/>
+              </p:ext>
+            </p:extLst>
+          </p:nvPr>
+        </p:nvGraphicFramePr>
+        <p:xfrm>
+          <a:off x="11863230" y="25963430"/>
+          <a:ext cx="9100534" cy="5403769"/>
+        </p:xfrm>
+        <a:graphic>
+          <a:graphicData uri="http://schemas.openxmlformats.org/presentationml/2006/ole">
+            <mc:AlternateContent xmlns:mc="http://schemas.openxmlformats.org/markup-compatibility/2006">
+              <mc:Choice xmlns:v="urn:schemas-microsoft-com:vml" Requires="v">
+                <p:oleObj spid="_x0000_s2062" name="Acrobat Document" r:id="rId21" imgW="2742882" imgH="1919957" progId="AcroExch.Document.DC">
+                  <p:embed/>
+                </p:oleObj>
+              </mc:Choice>
+              <mc:Fallback>
+                <p:oleObj name="Acrobat Document" r:id="rId21" imgW="2742882" imgH="1919957" progId="AcroExch.Document.DC">
+                  <p:embed/>
+                  <p:pic>
+                    <p:nvPicPr>
+                      <p:cNvPr id="0" name=""/>
+                      <p:cNvPicPr/>
+                      <p:nvPr/>
+                    </p:nvPicPr>
+                    <p:blipFill>
+                      <a:blip r:embed="rId22"/>
+                      <a:stretch>
+                        <a:fillRect/>
+                      </a:stretch>
+                    </p:blipFill>
+                    <p:spPr>
+                      <a:xfrm>
+                        <a:off x="11863230" y="25963430"/>
+                        <a:ext cx="9100534" cy="5403769"/>
+                      </a:xfrm>
+                      <a:prstGeom prst="rect">
+                        <a:avLst/>
+                      </a:prstGeom>
+                      <a:ln w="9525">
+                        <a:solidFill>
+                          <a:schemeClr val="tx1"/>
+                        </a:solidFill>
+                      </a:ln>
+                    </p:spPr>
+                  </p:pic>
+                </p:oleObj>
+              </mc:Fallback>
+            </mc:AlternateContent>
+          </a:graphicData>
+        </a:graphic>
+      </p:graphicFrame>
+      <p:graphicFrame>
+        <p:nvGraphicFramePr>
+          <p:cNvPr id="22" name="Object 21"/>
+          <p:cNvGraphicFramePr>
+            <a:graphicFrameLocks noChangeAspect="1"/>
+          </p:cNvGraphicFramePr>
+          <p:nvPr>
+            <p:extLst>
+              <p:ext uri="{D42A27DB-BD31-4B8C-83A1-F6EECF244321}">
+                <p14:modId xmlns:p14="http://schemas.microsoft.com/office/powerpoint/2010/main" val="1786587277"/>
+              </p:ext>
+            </p:extLst>
+          </p:nvPr>
+        </p:nvGraphicFramePr>
+        <p:xfrm>
+          <a:off x="22735977" y="25963430"/>
+          <a:ext cx="9328981" cy="5403769"/>
+        </p:xfrm>
+        <a:graphic>
+          <a:graphicData uri="http://schemas.openxmlformats.org/presentationml/2006/ole">
+            <mc:AlternateContent xmlns:mc="http://schemas.openxmlformats.org/markup-compatibility/2006">
+              <mc:Choice xmlns:v="urn:schemas-microsoft-com:vml" Requires="v">
+                <p:oleObj spid="_x0000_s2063" name="Acrobat Document" r:id="rId23" imgW="2742882" imgH="1919957" progId="AcroExch.Document.DC">
+                  <p:embed/>
+                </p:oleObj>
+              </mc:Choice>
+              <mc:Fallback>
+                <p:oleObj name="Acrobat Document" r:id="rId23" imgW="2742882" imgH="1919957" progId="AcroExch.Document.DC">
+                  <p:embed/>
+                  <p:pic>
+                    <p:nvPicPr>
+                      <p:cNvPr id="0" name=""/>
+                      <p:cNvPicPr/>
+                      <p:nvPr/>
+                    </p:nvPicPr>
+                    <p:blipFill>
+                      <a:blip r:embed="rId24"/>
+                      <a:stretch>
+                        <a:fillRect/>
+                      </a:stretch>
+                    </p:blipFill>
+                    <p:spPr>
+                      <a:xfrm>
+                        <a:off x="22735977" y="25963430"/>
+                        <a:ext cx="9328981" cy="5403769"/>
+                      </a:xfrm>
+                      <a:prstGeom prst="rect">
+                        <a:avLst/>
+                      </a:prstGeom>
+                      <a:solidFill>
+                        <a:schemeClr val="tx1"/>
+                      </a:solidFill>
+                      <a:ln w="9525">
+                        <a:solidFill>
+                          <a:schemeClr val="tx1"/>
+                        </a:solidFill>
+                      </a:ln>
+                    </p:spPr>
+                  </p:pic>
+                </p:oleObj>
+              </mc:Fallback>
+            </mc:AlternateContent>
+          </a:graphicData>
+        </a:graphic>
+      </p:graphicFrame>
     </p:spTree>
   </p:cSld>
   <p:clrMapOvr>

--- a/FlowQoS_poster.pptx
+++ b/FlowQoS_poster.pptx
@@ -3546,7 +3546,7 @@
           <a:graphicData uri="http://schemas.openxmlformats.org/presentationml/2006/ole">
             <mc:AlternateContent xmlns:mc="http://schemas.openxmlformats.org/markup-compatibility/2006">
               <mc:Choice xmlns:v="urn:schemas-microsoft-com:vml" Requires="v">
-                <p:oleObj spid="_x0000_s2054" name="Acrobat Document" r:id="rId4" imgW="6034934" imgH="4663299" progId="AcroExch.Document.DC">
+                <p:oleObj spid="_x0000_s2124" name="Acrobat Document" r:id="rId4" imgW="6034934" imgH="4663299" progId="AcroExch.Document.DC">
                   <p:embed/>
                 </p:oleObj>
               </mc:Choice>
@@ -4540,27 +4540,27 @@
       </p:sp>
       <p:graphicFrame>
         <p:nvGraphicFramePr>
-          <p:cNvPr id="7" name="Object 6"/>
+          <p:cNvPr id="10" name="Object 9"/>
           <p:cNvGraphicFramePr>
             <a:graphicFrameLocks noChangeAspect="1"/>
           </p:cNvGraphicFramePr>
           <p:nvPr>
             <p:extLst>
               <p:ext uri="{D42A27DB-BD31-4B8C-83A1-F6EECF244321}">
-                <p14:modId xmlns:p14="http://schemas.microsoft.com/office/powerpoint/2010/main" val="397508593"/>
+                <p14:modId xmlns:p14="http://schemas.microsoft.com/office/powerpoint/2010/main" val="2568193536"/>
               </p:ext>
             </p:extLst>
           </p:nvPr>
         </p:nvGraphicFramePr>
         <p:xfrm>
-          <a:off x="33500947" y="26547739"/>
-          <a:ext cx="9171162" cy="5063128"/>
+          <a:off x="1337129" y="19333619"/>
+          <a:ext cx="8965111" cy="5429077"/>
         </p:xfrm>
         <a:graphic>
           <a:graphicData uri="http://schemas.openxmlformats.org/presentationml/2006/ole">
             <mc:AlternateContent xmlns:mc="http://schemas.openxmlformats.org/markup-compatibility/2006">
               <mc:Choice xmlns:v="urn:schemas-microsoft-com:vml" Requires="v">
-                <p:oleObj spid="_x0000_s2055" name="Acrobat Document" r:id="rId7" imgW="2742882" imgH="1919957" progId="AcroExch.Document.DC">
+                <p:oleObj spid="_x0000_s2125" name="Acrobat Document" r:id="rId7" imgW="2742882" imgH="1919957" progId="AcroExch.Document.DC">
                   <p:embed/>
                 </p:oleObj>
               </mc:Choice>
@@ -4575,130 +4575,6 @@
                     </p:nvPicPr>
                     <p:blipFill>
                       <a:blip r:embed="rId8"/>
-                      <a:stretch>
-                        <a:fillRect/>
-                      </a:stretch>
-                    </p:blipFill>
-                    <p:spPr>
-                      <a:xfrm>
-                        <a:off x="33500947" y="26547739"/>
-                        <a:ext cx="9171162" cy="5063128"/>
-                      </a:xfrm>
-                      <a:prstGeom prst="rect">
-                        <a:avLst/>
-                      </a:prstGeom>
-                      <a:ln>
-                        <a:solidFill>
-                          <a:schemeClr val="tx1"/>
-                        </a:solidFill>
-                      </a:ln>
-                    </p:spPr>
-                  </p:pic>
-                </p:oleObj>
-              </mc:Fallback>
-            </mc:AlternateContent>
-          </a:graphicData>
-        </a:graphic>
-      </p:graphicFrame>
-      <p:graphicFrame>
-        <p:nvGraphicFramePr>
-          <p:cNvPr id="8" name="Object 7"/>
-          <p:cNvGraphicFramePr>
-            <a:graphicFrameLocks noChangeAspect="1"/>
-          </p:cNvGraphicFramePr>
-          <p:nvPr>
-            <p:extLst>
-              <p:ext uri="{D42A27DB-BD31-4B8C-83A1-F6EECF244321}">
-                <p14:modId xmlns:p14="http://schemas.microsoft.com/office/powerpoint/2010/main" val="2987532227"/>
-              </p:ext>
-            </p:extLst>
-          </p:nvPr>
-        </p:nvGraphicFramePr>
-        <p:xfrm>
-          <a:off x="33500947" y="19260109"/>
-          <a:ext cx="9126268" cy="5172220"/>
-        </p:xfrm>
-        <a:graphic>
-          <a:graphicData uri="http://schemas.openxmlformats.org/presentationml/2006/ole">
-            <mc:AlternateContent xmlns:mc="http://schemas.openxmlformats.org/markup-compatibility/2006">
-              <mc:Choice xmlns:v="urn:schemas-microsoft-com:vml" Requires="v">
-                <p:oleObj spid="_x0000_s2056" name="Acrobat Document" r:id="rId9" imgW="2742882" imgH="1919957" progId="AcroExch.Document.DC">
-                  <p:embed/>
-                </p:oleObj>
-              </mc:Choice>
-              <mc:Fallback>
-                <p:oleObj name="Acrobat Document" r:id="rId9" imgW="2742882" imgH="1919957" progId="AcroExch.Document.DC">
-                  <p:embed/>
-                  <p:pic>
-                    <p:nvPicPr>
-                      <p:cNvPr id="0" name=""/>
-                      <p:cNvPicPr/>
-                      <p:nvPr/>
-                    </p:nvPicPr>
-                    <p:blipFill>
-                      <a:blip r:embed="rId10"/>
-                      <a:stretch>
-                        <a:fillRect/>
-                      </a:stretch>
-                    </p:blipFill>
-                    <p:spPr>
-                      <a:xfrm>
-                        <a:off x="33500947" y="19260109"/>
-                        <a:ext cx="9126268" cy="5172220"/>
-                      </a:xfrm>
-                      <a:prstGeom prst="rect">
-                        <a:avLst/>
-                      </a:prstGeom>
-                      <a:ln>
-                        <a:solidFill>
-                          <a:schemeClr val="tx1"/>
-                        </a:solidFill>
-                      </a:ln>
-                    </p:spPr>
-                  </p:pic>
-                </p:oleObj>
-              </mc:Fallback>
-            </mc:AlternateContent>
-          </a:graphicData>
-        </a:graphic>
-      </p:graphicFrame>
-      <p:graphicFrame>
-        <p:nvGraphicFramePr>
-          <p:cNvPr id="10" name="Object 9"/>
-          <p:cNvGraphicFramePr>
-            <a:graphicFrameLocks noChangeAspect="1"/>
-          </p:cNvGraphicFramePr>
-          <p:nvPr>
-            <p:extLst>
-              <p:ext uri="{D42A27DB-BD31-4B8C-83A1-F6EECF244321}">
-                <p14:modId xmlns:p14="http://schemas.microsoft.com/office/powerpoint/2010/main" val="2568193536"/>
-              </p:ext>
-            </p:extLst>
-          </p:nvPr>
-        </p:nvGraphicFramePr>
-        <p:xfrm>
-          <a:off x="1337129" y="19333619"/>
-          <a:ext cx="8965111" cy="5429077"/>
-        </p:xfrm>
-        <a:graphic>
-          <a:graphicData uri="http://schemas.openxmlformats.org/presentationml/2006/ole">
-            <mc:AlternateContent xmlns:mc="http://schemas.openxmlformats.org/markup-compatibility/2006">
-              <mc:Choice xmlns:v="urn:schemas-microsoft-com:vml" Requires="v">
-                <p:oleObj spid="_x0000_s2057" name="Acrobat Document" r:id="rId11" imgW="2742882" imgH="1919957" progId="AcroExch.Document.DC">
-                  <p:embed/>
-                </p:oleObj>
-              </mc:Choice>
-              <mc:Fallback>
-                <p:oleObj name="Acrobat Document" r:id="rId11" imgW="2742882" imgH="1919957" progId="AcroExch.Document.DC">
-                  <p:embed/>
-                  <p:pic>
-                    <p:nvPicPr>
-                      <p:cNvPr id="0" name=""/>
-                      <p:cNvPicPr/>
-                      <p:nvPr/>
-                    </p:nvPicPr>
-                    <p:blipFill>
-                      <a:blip r:embed="rId12"/>
                       <a:stretch>
                         <a:fillRect/>
                       </a:stretch>
@@ -4746,12 +4622,12 @@
           <a:graphicData uri="http://schemas.openxmlformats.org/presentationml/2006/ole">
             <mc:AlternateContent xmlns:mc="http://schemas.openxmlformats.org/markup-compatibility/2006">
               <mc:Choice xmlns:v="urn:schemas-microsoft-com:vml" Requires="v">
-                <p:oleObj spid="_x0000_s2058" name="Acrobat Document" r:id="rId13" imgW="2742882" imgH="1919957" progId="AcroExch.Document.DC">
+                <p:oleObj spid="_x0000_s2126" name="Acrobat Document" r:id="rId9" imgW="2742882" imgH="1919957" progId="AcroExch.Document.DC">
                   <p:embed/>
                 </p:oleObj>
               </mc:Choice>
               <mc:Fallback>
-                <p:oleObj name="Acrobat Document" r:id="rId13" imgW="2742882" imgH="1919957" progId="AcroExch.Document.DC">
+                <p:oleObj name="Acrobat Document" r:id="rId9" imgW="2742882" imgH="1919957" progId="AcroExch.Document.DC">
                   <p:embed/>
                   <p:pic>
                     <p:nvPicPr>
@@ -4760,7 +4636,7 @@
                       <p:nvPr/>
                     </p:nvPicPr>
                     <p:blipFill>
-                      <a:blip r:embed="rId14"/>
+                      <a:blip r:embed="rId10"/>
                       <a:stretch>
                         <a:fillRect/>
                       </a:stretch>
@@ -4808,12 +4684,12 @@
           <a:graphicData uri="http://schemas.openxmlformats.org/presentationml/2006/ole">
             <mc:AlternateContent xmlns:mc="http://schemas.openxmlformats.org/markup-compatibility/2006">
               <mc:Choice xmlns:v="urn:schemas-microsoft-com:vml" Requires="v">
-                <p:oleObj spid="_x0000_s2059" name="Acrobat Document" r:id="rId15" imgW="2742882" imgH="1919957" progId="AcroExch.Document.DC">
+                <p:oleObj spid="_x0000_s2127" name="Acrobat Document" r:id="rId11" imgW="2742882" imgH="1919957" progId="AcroExch.Document.DC">
                   <p:embed/>
                 </p:oleObj>
               </mc:Choice>
               <mc:Fallback>
-                <p:oleObj name="Acrobat Document" r:id="rId15" imgW="2742882" imgH="1919957" progId="AcroExch.Document.DC">
+                <p:oleObj name="Acrobat Document" r:id="rId11" imgW="2742882" imgH="1919957" progId="AcroExch.Document.DC">
                   <p:embed/>
                   <p:pic>
                     <p:nvPicPr>
@@ -4822,7 +4698,7 @@
                       <p:nvPr/>
                     </p:nvPicPr>
                     <p:blipFill>
-                      <a:blip r:embed="rId16"/>
+                      <a:blip r:embed="rId12"/>
                       <a:stretch>
                         <a:fillRect/>
                       </a:stretch>
@@ -6169,12 +6045,12 @@
             <a:graphicData uri="http://schemas.openxmlformats.org/presentationml/2006/ole">
               <mc:AlternateContent xmlns:mc="http://schemas.openxmlformats.org/markup-compatibility/2006">
                 <mc:Choice xmlns:v="urn:schemas-microsoft-com:vml" Requires="v">
-                  <p:oleObj spid="_x0000_s2060" name="Acrobat Document" r:id="rId17" imgW="6034934" imgH="4663299" progId="AcroExch.Document.DC">
+                  <p:oleObj spid="_x0000_s2128" name="Acrobat Document" r:id="rId13" imgW="6034934" imgH="4663299" progId="AcroExch.Document.DC">
                     <p:embed/>
                   </p:oleObj>
                 </mc:Choice>
                 <mc:Fallback>
-                  <p:oleObj name="Acrobat Document" r:id="rId17" imgW="6034934" imgH="4663299" progId="AcroExch.Document.DC">
+                  <p:oleObj name="Acrobat Document" r:id="rId13" imgW="6034934" imgH="4663299" progId="AcroExch.Document.DC">
                     <p:embed/>
                     <p:pic>
                       <p:nvPicPr>
@@ -6183,7 +6059,7 @@
                         <p:nvPr/>
                       </p:nvPicPr>
                       <p:blipFill>
-                        <a:blip r:embed="rId18"/>
+                        <a:blip r:embed="rId14"/>
                         <a:stretch>
                           <a:fillRect/>
                         </a:stretch>
@@ -6541,7 +6417,42 @@
                 <a:ea typeface="Times New Roman" charset="0"/>
                 <a:cs typeface="Times New Roman" charset="0"/>
               </a:rPr>
-              <a:t>HTB-based solution smoothens traffic and improves bandwidth utilization but increases packet latencies.</a:t>
+              <a:t>HTB-based solution smoothens traffic and improves bandwidth </a:t>
+            </a:r>
+            <a:r>
+              <a:rPr lang="en-US" altLang="zh-CN" sz="4300" dirty="0" smtClean="0">
+                <a:ea typeface="Times New Roman" charset="0"/>
+                <a:cs typeface="Times New Roman" charset="0"/>
+              </a:rPr>
+              <a:t>usage </a:t>
+            </a:r>
+            <a:r>
+              <a:rPr lang="en-US" altLang="zh-CN" sz="4300" smtClean="0">
+                <a:ea typeface="Times New Roman" charset="0"/>
+                <a:cs typeface="Times New Roman" charset="0"/>
+              </a:rPr>
+              <a:t>but </a:t>
+            </a:r>
+            <a:r>
+              <a:rPr lang="en-US" altLang="zh-CN" sz="4300" smtClean="0">
+                <a:ea typeface="Times New Roman" charset="0"/>
+                <a:cs typeface="Times New Roman" charset="0"/>
+              </a:rPr>
+              <a:t>might increases </a:t>
+            </a:r>
+            <a:r>
+              <a:rPr lang="en-US" altLang="zh-CN" sz="4300" dirty="0" smtClean="0">
+                <a:ea typeface="Times New Roman" charset="0"/>
+                <a:cs typeface="Times New Roman" charset="0"/>
+              </a:rPr>
+              <a:t>latencies</a:t>
+            </a:r>
+            <a:r>
+              <a:rPr lang="en-US" altLang="zh-CN" sz="4300" dirty="0" smtClean="0">
+                <a:ea typeface="Times New Roman" charset="0"/>
+                <a:cs typeface="Times New Roman" charset="0"/>
+              </a:rPr>
+              <a:t>.</a:t>
             </a:r>
           </a:p>
           <a:p>
@@ -6614,12 +6525,12 @@
           <a:graphicData uri="http://schemas.openxmlformats.org/presentationml/2006/ole">
             <mc:AlternateContent xmlns:mc="http://schemas.openxmlformats.org/markup-compatibility/2006">
               <mc:Choice xmlns:v="urn:schemas-microsoft-com:vml" Requires="v">
-                <p:oleObj spid="_x0000_s2061" name="Acrobat Document" r:id="rId19" imgW="2742882" imgH="1919957" progId="AcroExch.Document.DC">
+                <p:oleObj spid="_x0000_s2129" name="Acrobat Document" r:id="rId15" imgW="2742882" imgH="1919957" progId="AcroExch.Document.DC">
                   <p:embed/>
                 </p:oleObj>
               </mc:Choice>
               <mc:Fallback>
-                <p:oleObj name="Acrobat Document" r:id="rId19" imgW="2742882" imgH="1919957" progId="AcroExch.Document.DC">
+                <p:oleObj name="Acrobat Document" r:id="rId15" imgW="2742882" imgH="1919957" progId="AcroExch.Document.DC">
                   <p:embed/>
                   <p:pic>
                     <p:nvPicPr>
@@ -6628,7 +6539,7 @@
                       <p:nvPr/>
                     </p:nvPicPr>
                     <p:blipFill>
-                      <a:blip r:embed="rId20"/>
+                      <a:blip r:embed="rId16"/>
                       <a:stretch>
                         <a:fillRect/>
                       </a:stretch>
@@ -6676,12 +6587,12 @@
           <a:graphicData uri="http://schemas.openxmlformats.org/presentationml/2006/ole">
             <mc:AlternateContent xmlns:mc="http://schemas.openxmlformats.org/markup-compatibility/2006">
               <mc:Choice xmlns:v="urn:schemas-microsoft-com:vml" Requires="v">
-                <p:oleObj spid="_x0000_s2062" name="Acrobat Document" r:id="rId21" imgW="2742882" imgH="1919957" progId="AcroExch.Document.DC">
+                <p:oleObj spid="_x0000_s2130" name="Acrobat Document" r:id="rId17" imgW="2742882" imgH="1919957" progId="AcroExch.Document.DC">
                   <p:embed/>
                 </p:oleObj>
               </mc:Choice>
               <mc:Fallback>
-                <p:oleObj name="Acrobat Document" r:id="rId21" imgW="2742882" imgH="1919957" progId="AcroExch.Document.DC">
+                <p:oleObj name="Acrobat Document" r:id="rId17" imgW="2742882" imgH="1919957" progId="AcroExch.Document.DC">
                   <p:embed/>
                   <p:pic>
                     <p:nvPicPr>
@@ -6690,7 +6601,7 @@
                       <p:nvPr/>
                     </p:nvPicPr>
                     <p:blipFill>
-                      <a:blip r:embed="rId22"/>
+                      <a:blip r:embed="rId18"/>
                       <a:stretch>
                         <a:fillRect/>
                       </a:stretch>
@@ -6718,27 +6629,153 @@
       </p:graphicFrame>
       <p:graphicFrame>
         <p:nvGraphicFramePr>
-          <p:cNvPr id="22" name="Object 21"/>
+          <p:cNvPr id="3" name="Object 2"/>
           <p:cNvGraphicFramePr>
             <a:graphicFrameLocks noChangeAspect="1"/>
           </p:cNvGraphicFramePr>
           <p:nvPr>
             <p:extLst>
               <p:ext uri="{D42A27DB-BD31-4B8C-83A1-F6EECF244321}">
-                <p14:modId xmlns:p14="http://schemas.microsoft.com/office/powerpoint/2010/main" val="1786587277"/>
+                <p14:modId xmlns:p14="http://schemas.microsoft.com/office/powerpoint/2010/main" val="3515471107"/>
               </p:ext>
             </p:extLst>
           </p:nvPr>
         </p:nvGraphicFramePr>
         <p:xfrm>
-          <a:off x="22735977" y="25963430"/>
-          <a:ext cx="9328981" cy="5403769"/>
+          <a:off x="33500947" y="19408376"/>
+          <a:ext cx="9171162" cy="5040665"/>
         </p:xfrm>
         <a:graphic>
           <a:graphicData uri="http://schemas.openxmlformats.org/presentationml/2006/ole">
             <mc:AlternateContent xmlns:mc="http://schemas.openxmlformats.org/markup-compatibility/2006">
               <mc:Choice xmlns:v="urn:schemas-microsoft-com:vml" Requires="v">
-                <p:oleObj spid="_x0000_s2063" name="Acrobat Document" r:id="rId23" imgW="2742882" imgH="1919957" progId="AcroExch.Document.DC">
+                <p:oleObj spid="_x0000_s2131" name="Acrobat Document" r:id="rId19" imgW="2742882" imgH="1919957" progId="AcroExch.Document.DC">
+                  <p:embed/>
+                </p:oleObj>
+              </mc:Choice>
+              <mc:Fallback>
+                <p:oleObj name="Acrobat Document" r:id="rId19" imgW="2742882" imgH="1919957" progId="AcroExch.Document.DC">
+                  <p:embed/>
+                  <p:pic>
+                    <p:nvPicPr>
+                      <p:cNvPr id="0" name=""/>
+                      <p:cNvPicPr/>
+                      <p:nvPr/>
+                    </p:nvPicPr>
+                    <p:blipFill>
+                      <a:blip r:embed="rId20"/>
+                      <a:stretch>
+                        <a:fillRect/>
+                      </a:stretch>
+                    </p:blipFill>
+                    <p:spPr>
+                      <a:xfrm>
+                        <a:off x="33500947" y="19408376"/>
+                        <a:ext cx="9171162" cy="5040665"/>
+                      </a:xfrm>
+                      <a:prstGeom prst="rect">
+                        <a:avLst/>
+                      </a:prstGeom>
+                      <a:noFill/>
+                      <a:ln w="9525">
+                        <a:solidFill>
+                          <a:schemeClr val="tx1"/>
+                        </a:solidFill>
+                      </a:ln>
+                    </p:spPr>
+                  </p:pic>
+                </p:oleObj>
+              </mc:Fallback>
+            </mc:AlternateContent>
+          </a:graphicData>
+        </a:graphic>
+      </p:graphicFrame>
+      <p:graphicFrame>
+        <p:nvGraphicFramePr>
+          <p:cNvPr id="9" name="Object 8"/>
+          <p:cNvGraphicFramePr>
+            <a:graphicFrameLocks noChangeAspect="1"/>
+          </p:cNvGraphicFramePr>
+          <p:nvPr>
+            <p:extLst>
+              <p:ext uri="{D42A27DB-BD31-4B8C-83A1-F6EECF244321}">
+                <p14:modId xmlns:p14="http://schemas.microsoft.com/office/powerpoint/2010/main" val="3923770155"/>
+              </p:ext>
+            </p:extLst>
+          </p:nvPr>
+        </p:nvGraphicFramePr>
+        <p:xfrm>
+          <a:off x="33500947" y="26477937"/>
+          <a:ext cx="9171161" cy="5150779"/>
+        </p:xfrm>
+        <a:graphic>
+          <a:graphicData uri="http://schemas.openxmlformats.org/presentationml/2006/ole">
+            <mc:AlternateContent xmlns:mc="http://schemas.openxmlformats.org/markup-compatibility/2006">
+              <mc:Choice xmlns:v="urn:schemas-microsoft-com:vml" Requires="v">
+                <p:oleObj spid="_x0000_s2132" name="Acrobat Document" r:id="rId21" imgW="2742882" imgH="1919957" progId="AcroExch.Document.DC">
+                  <p:embed/>
+                </p:oleObj>
+              </mc:Choice>
+              <mc:Fallback>
+                <p:oleObj name="Acrobat Document" r:id="rId21" imgW="2742882" imgH="1919957" progId="AcroExch.Document.DC">
+                  <p:embed/>
+                  <p:pic>
+                    <p:nvPicPr>
+                      <p:cNvPr id="0" name=""/>
+                      <p:cNvPicPr/>
+                      <p:nvPr/>
+                    </p:nvPicPr>
+                    <p:blipFill>
+                      <a:blip r:embed="rId22"/>
+                      <a:stretch>
+                        <a:fillRect/>
+                      </a:stretch>
+                    </p:blipFill>
+                    <p:spPr>
+                      <a:xfrm>
+                        <a:off x="33500947" y="26477937"/>
+                        <a:ext cx="9171161" cy="5150779"/>
+                      </a:xfrm>
+                      <a:prstGeom prst="rect">
+                        <a:avLst/>
+                      </a:prstGeom>
+                      <a:noFill/>
+                      <a:ln w="9525">
+                        <a:solidFill>
+                          <a:schemeClr val="tx1"/>
+                        </a:solidFill>
+                      </a:ln>
+                    </p:spPr>
+                  </p:pic>
+                </p:oleObj>
+              </mc:Fallback>
+            </mc:AlternateContent>
+          </a:graphicData>
+        </a:graphic>
+      </p:graphicFrame>
+      <p:graphicFrame>
+        <p:nvGraphicFramePr>
+          <p:cNvPr id="7" name="Object 6"/>
+          <p:cNvGraphicFramePr>
+            <a:graphicFrameLocks noChangeAspect="1"/>
+          </p:cNvGraphicFramePr>
+          <p:nvPr>
+            <p:extLst>
+              <p:ext uri="{D42A27DB-BD31-4B8C-83A1-F6EECF244321}">
+                <p14:modId xmlns:p14="http://schemas.microsoft.com/office/powerpoint/2010/main" val="364593653"/>
+              </p:ext>
+            </p:extLst>
+          </p:nvPr>
+        </p:nvGraphicFramePr>
+        <p:xfrm>
+          <a:off x="22735977" y="25963430"/>
+          <a:ext cx="9316108" cy="5403769"/>
+        </p:xfrm>
+        <a:graphic>
+          <a:graphicData uri="http://schemas.openxmlformats.org/presentationml/2006/ole">
+            <mc:AlternateContent xmlns:mc="http://schemas.openxmlformats.org/markup-compatibility/2006">
+              <mc:Choice xmlns:v="urn:schemas-microsoft-com:vml" Requires="v">
+                <p:oleObj spid="_x0000_s2133" name="Acrobat Document" r:id="rId23" imgW="2742882" imgH="1919957" progId="AcroExch.Document.DC">
                   <p:embed/>
                 </p:oleObj>
               </mc:Choice>
@@ -6760,14 +6797,12 @@
                     <p:spPr>
                       <a:xfrm>
                         <a:off x="22735977" y="25963430"/>
-                        <a:ext cx="9328981" cy="5403769"/>
+                        <a:ext cx="9316108" cy="5403769"/>
                       </a:xfrm>
                       <a:prstGeom prst="rect">
                         <a:avLst/>
                       </a:prstGeom>
-                      <a:solidFill>
-                        <a:schemeClr val="tx1"/>
-                      </a:solidFill>
+                      <a:noFill/>
                       <a:ln w="9525">
                         <a:solidFill>
                           <a:schemeClr val="tx1"/>
